--- a/Project/Project Presentation.pptx
+++ b/Project/Project Presentation.pptx
@@ -5,27 +5,33 @@
     <p:sldMasterId id="2147483648" r:id="rId1"/>
   </p:sldMasterIdLst>
   <p:notesMasterIdLst>
-    <p:notesMasterId r:id="rId12"/>
+    <p:notesMasterId r:id="rId18"/>
   </p:notesMasterIdLst>
   <p:handoutMasterIdLst>
-    <p:handoutMasterId r:id="rId13"/>
+    <p:handoutMasterId r:id="rId19"/>
   </p:handoutMasterIdLst>
   <p:sldIdLst>
     <p:sldId id="268" r:id="rId2"/>
     <p:sldId id="291" r:id="rId3"/>
     <p:sldId id="276" r:id="rId4"/>
-    <p:sldId id="277" r:id="rId5"/>
-    <p:sldId id="309" r:id="rId6"/>
-    <p:sldId id="315" r:id="rId7"/>
-    <p:sldId id="310" r:id="rId8"/>
-    <p:sldId id="311" r:id="rId9"/>
-    <p:sldId id="312" r:id="rId10"/>
-    <p:sldId id="314" r:id="rId11"/>
+    <p:sldId id="324" r:id="rId5"/>
+    <p:sldId id="277" r:id="rId6"/>
+    <p:sldId id="309" r:id="rId7"/>
+    <p:sldId id="315" r:id="rId8"/>
+    <p:sldId id="323" r:id="rId9"/>
+    <p:sldId id="310" r:id="rId10"/>
+    <p:sldId id="319" r:id="rId11"/>
+    <p:sldId id="311" r:id="rId12"/>
+    <p:sldId id="320" r:id="rId13"/>
+    <p:sldId id="317" r:id="rId14"/>
+    <p:sldId id="322" r:id="rId15"/>
+    <p:sldId id="312" r:id="rId16"/>
+    <p:sldId id="314" r:id="rId17"/>
   </p:sldIdLst>
   <p:sldSz cx="9144000" cy="5143500" type="screen16x9"/>
   <p:notesSz cx="6858000" cy="9144000"/>
   <p:custDataLst>
-    <p:tags r:id="rId14"/>
+    <p:tags r:id="rId20"/>
   </p:custDataLst>
   <p:defaultTextStyle>
     <a:defPPr>
@@ -297,7 +303,7 @@
               <a:pPr>
                 <a:defRPr/>
               </a:pPr>
-              <a:t>13/10/2020</a:t>
+              <a:t>30/10/2020</a:t>
             </a:fld>
             <a:endParaRPr lang="en-GB"/>
           </a:p>
@@ -539,7 +545,7 @@
               <a:pPr>
                 <a:defRPr/>
               </a:pPr>
-              <a:t>2020-10-13</a:t>
+              <a:t>2020-10-30</a:t>
             </a:fld>
             <a:endParaRPr lang="sv-SE"/>
           </a:p>
@@ -973,6 +979,558 @@
 </p:notes>
 </file>
 
+<file path=ppt/notesSlides/notesSlide10.xml><?xml version="1.0" encoding="utf-8"?>
+<p:notes xmlns:a="http://schemas.openxmlformats.org/drawingml/2006/main" xmlns:r="http://schemas.openxmlformats.org/officeDocument/2006/relationships" xmlns:p="http://schemas.openxmlformats.org/presentationml/2006/main">
+  <p:cSld>
+    <p:spTree>
+      <p:nvGrpSpPr>
+        <p:cNvPr id="1" name=""/>
+        <p:cNvGrpSpPr/>
+        <p:nvPr/>
+      </p:nvGrpSpPr>
+      <p:grpSpPr>
+        <a:xfrm>
+          <a:off x="0" y="0"/>
+          <a:ext cx="0" cy="0"/>
+          <a:chOff x="0" y="0"/>
+          <a:chExt cx="0" cy="0"/>
+        </a:xfrm>
+      </p:grpSpPr>
+      <p:sp>
+        <p:nvSpPr>
+          <p:cNvPr id="2" name="Slide Image Placeholder 1"/>
+          <p:cNvSpPr>
+            <a:spLocks noGrp="1" noRot="1" noChangeAspect="1"/>
+          </p:cNvSpPr>
+          <p:nvPr>
+            <p:ph type="sldImg"/>
+          </p:nvPr>
+        </p:nvSpPr>
+        <p:spPr/>
+      </p:sp>
+      <p:sp>
+        <p:nvSpPr>
+          <p:cNvPr id="3" name="Notes Placeholder 2"/>
+          <p:cNvSpPr>
+            <a:spLocks noGrp="1"/>
+          </p:cNvSpPr>
+          <p:nvPr>
+            <p:ph type="body" idx="1"/>
+          </p:nvPr>
+        </p:nvSpPr>
+        <p:spPr/>
+        <p:txBody>
+          <a:bodyPr>
+            <a:normAutofit/>
+          </a:bodyPr>
+          <a:lstStyle/>
+          <a:p>
+            <a:endParaRPr lang="sv-SE" dirty="0"/>
+          </a:p>
+        </p:txBody>
+      </p:sp>
+      <p:sp>
+        <p:nvSpPr>
+          <p:cNvPr id="4" name="Slide Number Placeholder 3"/>
+          <p:cNvSpPr>
+            <a:spLocks noGrp="1"/>
+          </p:cNvSpPr>
+          <p:nvPr>
+            <p:ph type="sldNum" sz="quarter" idx="10"/>
+          </p:nvPr>
+        </p:nvSpPr>
+        <p:spPr/>
+        <p:txBody>
+          <a:bodyPr/>
+          <a:lstStyle/>
+          <a:p>
+            <a:pPr>
+              <a:defRPr/>
+            </a:pPr>
+            <a:fld id="{EE811775-299A-4959-BF5A-5DFB3E75F6AC}" type="slidenum">
+              <a:rPr lang="sv-SE" smtClean="0"/>
+              <a:pPr>
+                <a:defRPr/>
+              </a:pPr>
+              <a:t>11</a:t>
+            </a:fld>
+            <a:endParaRPr lang="sv-SE"/>
+          </a:p>
+        </p:txBody>
+      </p:sp>
+    </p:spTree>
+    <p:extLst>
+      <p:ext uri="{BB962C8B-B14F-4D97-AF65-F5344CB8AC3E}">
+        <p14:creationId xmlns:p14="http://schemas.microsoft.com/office/powerpoint/2010/main" val="3321487144"/>
+      </p:ext>
+    </p:extLst>
+  </p:cSld>
+  <p:clrMapOvr>
+    <a:masterClrMapping/>
+  </p:clrMapOvr>
+</p:notes>
+</file>
+
+<file path=ppt/notesSlides/notesSlide11.xml><?xml version="1.0" encoding="utf-8"?>
+<p:notes xmlns:a="http://schemas.openxmlformats.org/drawingml/2006/main" xmlns:r="http://schemas.openxmlformats.org/officeDocument/2006/relationships" xmlns:p="http://schemas.openxmlformats.org/presentationml/2006/main">
+  <p:cSld>
+    <p:spTree>
+      <p:nvGrpSpPr>
+        <p:cNvPr id="1" name=""/>
+        <p:cNvGrpSpPr/>
+        <p:nvPr/>
+      </p:nvGrpSpPr>
+      <p:grpSpPr>
+        <a:xfrm>
+          <a:off x="0" y="0"/>
+          <a:ext cx="0" cy="0"/>
+          <a:chOff x="0" y="0"/>
+          <a:chExt cx="0" cy="0"/>
+        </a:xfrm>
+      </p:grpSpPr>
+      <p:sp>
+        <p:nvSpPr>
+          <p:cNvPr id="2" name="Slide Image Placeholder 1"/>
+          <p:cNvSpPr>
+            <a:spLocks noGrp="1" noRot="1" noChangeAspect="1"/>
+          </p:cNvSpPr>
+          <p:nvPr>
+            <p:ph type="sldImg"/>
+          </p:nvPr>
+        </p:nvSpPr>
+        <p:spPr/>
+      </p:sp>
+      <p:sp>
+        <p:nvSpPr>
+          <p:cNvPr id="3" name="Notes Placeholder 2"/>
+          <p:cNvSpPr>
+            <a:spLocks noGrp="1"/>
+          </p:cNvSpPr>
+          <p:nvPr>
+            <p:ph type="body" idx="1"/>
+          </p:nvPr>
+        </p:nvSpPr>
+        <p:spPr/>
+        <p:txBody>
+          <a:bodyPr>
+            <a:normAutofit/>
+          </a:bodyPr>
+          <a:lstStyle/>
+          <a:p>
+            <a:endParaRPr lang="sv-SE" dirty="0"/>
+          </a:p>
+        </p:txBody>
+      </p:sp>
+      <p:sp>
+        <p:nvSpPr>
+          <p:cNvPr id="4" name="Slide Number Placeholder 3"/>
+          <p:cNvSpPr>
+            <a:spLocks noGrp="1"/>
+          </p:cNvSpPr>
+          <p:nvPr>
+            <p:ph type="sldNum" sz="quarter" idx="10"/>
+          </p:nvPr>
+        </p:nvSpPr>
+        <p:spPr/>
+        <p:txBody>
+          <a:bodyPr/>
+          <a:lstStyle/>
+          <a:p>
+            <a:pPr>
+              <a:defRPr/>
+            </a:pPr>
+            <a:fld id="{EE811775-299A-4959-BF5A-5DFB3E75F6AC}" type="slidenum">
+              <a:rPr lang="sv-SE" smtClean="0"/>
+              <a:pPr>
+                <a:defRPr/>
+              </a:pPr>
+              <a:t>12</a:t>
+            </a:fld>
+            <a:endParaRPr lang="sv-SE"/>
+          </a:p>
+        </p:txBody>
+      </p:sp>
+    </p:spTree>
+    <p:extLst>
+      <p:ext uri="{BB962C8B-B14F-4D97-AF65-F5344CB8AC3E}">
+        <p14:creationId xmlns:p14="http://schemas.microsoft.com/office/powerpoint/2010/main" val="3091139291"/>
+      </p:ext>
+    </p:extLst>
+  </p:cSld>
+  <p:clrMapOvr>
+    <a:masterClrMapping/>
+  </p:clrMapOvr>
+</p:notes>
+</file>
+
+<file path=ppt/notesSlides/notesSlide12.xml><?xml version="1.0" encoding="utf-8"?>
+<p:notes xmlns:a="http://schemas.openxmlformats.org/drawingml/2006/main" xmlns:r="http://schemas.openxmlformats.org/officeDocument/2006/relationships" xmlns:p="http://schemas.openxmlformats.org/presentationml/2006/main">
+  <p:cSld>
+    <p:spTree>
+      <p:nvGrpSpPr>
+        <p:cNvPr id="1" name=""/>
+        <p:cNvGrpSpPr/>
+        <p:nvPr/>
+      </p:nvGrpSpPr>
+      <p:grpSpPr>
+        <a:xfrm>
+          <a:off x="0" y="0"/>
+          <a:ext cx="0" cy="0"/>
+          <a:chOff x="0" y="0"/>
+          <a:chExt cx="0" cy="0"/>
+        </a:xfrm>
+      </p:grpSpPr>
+      <p:sp>
+        <p:nvSpPr>
+          <p:cNvPr id="2" name="Slide Image Placeholder 1"/>
+          <p:cNvSpPr>
+            <a:spLocks noGrp="1" noRot="1" noChangeAspect="1"/>
+          </p:cNvSpPr>
+          <p:nvPr>
+            <p:ph type="sldImg"/>
+          </p:nvPr>
+        </p:nvSpPr>
+        <p:spPr/>
+      </p:sp>
+      <p:sp>
+        <p:nvSpPr>
+          <p:cNvPr id="3" name="Notes Placeholder 2"/>
+          <p:cNvSpPr>
+            <a:spLocks noGrp="1"/>
+          </p:cNvSpPr>
+          <p:nvPr>
+            <p:ph type="body" idx="1"/>
+          </p:nvPr>
+        </p:nvSpPr>
+        <p:spPr/>
+        <p:txBody>
+          <a:bodyPr>
+            <a:normAutofit/>
+          </a:bodyPr>
+          <a:lstStyle/>
+          <a:p>
+            <a:endParaRPr lang="sv-SE" dirty="0"/>
+          </a:p>
+        </p:txBody>
+      </p:sp>
+      <p:sp>
+        <p:nvSpPr>
+          <p:cNvPr id="4" name="Slide Number Placeholder 3"/>
+          <p:cNvSpPr>
+            <a:spLocks noGrp="1"/>
+          </p:cNvSpPr>
+          <p:nvPr>
+            <p:ph type="sldNum" sz="quarter" idx="10"/>
+          </p:nvPr>
+        </p:nvSpPr>
+        <p:spPr/>
+        <p:txBody>
+          <a:bodyPr/>
+          <a:lstStyle/>
+          <a:p>
+            <a:pPr>
+              <a:defRPr/>
+            </a:pPr>
+            <a:fld id="{EE811775-299A-4959-BF5A-5DFB3E75F6AC}" type="slidenum">
+              <a:rPr lang="sv-SE" smtClean="0"/>
+              <a:pPr>
+                <a:defRPr/>
+              </a:pPr>
+              <a:t>13</a:t>
+            </a:fld>
+            <a:endParaRPr lang="sv-SE"/>
+          </a:p>
+        </p:txBody>
+      </p:sp>
+    </p:spTree>
+    <p:extLst>
+      <p:ext uri="{BB962C8B-B14F-4D97-AF65-F5344CB8AC3E}">
+        <p14:creationId xmlns:p14="http://schemas.microsoft.com/office/powerpoint/2010/main" val="2217972123"/>
+      </p:ext>
+    </p:extLst>
+  </p:cSld>
+  <p:clrMapOvr>
+    <a:masterClrMapping/>
+  </p:clrMapOvr>
+</p:notes>
+</file>
+
+<file path=ppt/notesSlides/notesSlide13.xml><?xml version="1.0" encoding="utf-8"?>
+<p:notes xmlns:a="http://schemas.openxmlformats.org/drawingml/2006/main" xmlns:r="http://schemas.openxmlformats.org/officeDocument/2006/relationships" xmlns:p="http://schemas.openxmlformats.org/presentationml/2006/main">
+  <p:cSld>
+    <p:spTree>
+      <p:nvGrpSpPr>
+        <p:cNvPr id="1" name=""/>
+        <p:cNvGrpSpPr/>
+        <p:nvPr/>
+      </p:nvGrpSpPr>
+      <p:grpSpPr>
+        <a:xfrm>
+          <a:off x="0" y="0"/>
+          <a:ext cx="0" cy="0"/>
+          <a:chOff x="0" y="0"/>
+          <a:chExt cx="0" cy="0"/>
+        </a:xfrm>
+      </p:grpSpPr>
+      <p:sp>
+        <p:nvSpPr>
+          <p:cNvPr id="2" name="Slide Image Placeholder 1"/>
+          <p:cNvSpPr>
+            <a:spLocks noGrp="1" noRot="1" noChangeAspect="1"/>
+          </p:cNvSpPr>
+          <p:nvPr>
+            <p:ph type="sldImg"/>
+          </p:nvPr>
+        </p:nvSpPr>
+        <p:spPr/>
+      </p:sp>
+      <p:sp>
+        <p:nvSpPr>
+          <p:cNvPr id="3" name="Notes Placeholder 2"/>
+          <p:cNvSpPr>
+            <a:spLocks noGrp="1"/>
+          </p:cNvSpPr>
+          <p:nvPr>
+            <p:ph type="body" idx="1"/>
+          </p:nvPr>
+        </p:nvSpPr>
+        <p:spPr/>
+        <p:txBody>
+          <a:bodyPr>
+            <a:normAutofit/>
+          </a:bodyPr>
+          <a:lstStyle/>
+          <a:p>
+            <a:endParaRPr lang="sv-SE" dirty="0"/>
+          </a:p>
+        </p:txBody>
+      </p:sp>
+      <p:sp>
+        <p:nvSpPr>
+          <p:cNvPr id="4" name="Slide Number Placeholder 3"/>
+          <p:cNvSpPr>
+            <a:spLocks noGrp="1"/>
+          </p:cNvSpPr>
+          <p:nvPr>
+            <p:ph type="sldNum" sz="quarter" idx="10"/>
+          </p:nvPr>
+        </p:nvSpPr>
+        <p:spPr/>
+        <p:txBody>
+          <a:bodyPr/>
+          <a:lstStyle/>
+          <a:p>
+            <a:pPr>
+              <a:defRPr/>
+            </a:pPr>
+            <a:fld id="{EE811775-299A-4959-BF5A-5DFB3E75F6AC}" type="slidenum">
+              <a:rPr lang="sv-SE" smtClean="0"/>
+              <a:pPr>
+                <a:defRPr/>
+              </a:pPr>
+              <a:t>14</a:t>
+            </a:fld>
+            <a:endParaRPr lang="sv-SE"/>
+          </a:p>
+        </p:txBody>
+      </p:sp>
+    </p:spTree>
+    <p:extLst>
+      <p:ext uri="{BB962C8B-B14F-4D97-AF65-F5344CB8AC3E}">
+        <p14:creationId xmlns:p14="http://schemas.microsoft.com/office/powerpoint/2010/main" val="1765470706"/>
+      </p:ext>
+    </p:extLst>
+  </p:cSld>
+  <p:clrMapOvr>
+    <a:masterClrMapping/>
+  </p:clrMapOvr>
+</p:notes>
+</file>
+
+<file path=ppt/notesSlides/notesSlide14.xml><?xml version="1.0" encoding="utf-8"?>
+<p:notes xmlns:a="http://schemas.openxmlformats.org/drawingml/2006/main" xmlns:r="http://schemas.openxmlformats.org/officeDocument/2006/relationships" xmlns:p="http://schemas.openxmlformats.org/presentationml/2006/main">
+  <p:cSld>
+    <p:spTree>
+      <p:nvGrpSpPr>
+        <p:cNvPr id="1" name=""/>
+        <p:cNvGrpSpPr/>
+        <p:nvPr/>
+      </p:nvGrpSpPr>
+      <p:grpSpPr>
+        <a:xfrm>
+          <a:off x="0" y="0"/>
+          <a:ext cx="0" cy="0"/>
+          <a:chOff x="0" y="0"/>
+          <a:chExt cx="0" cy="0"/>
+        </a:xfrm>
+      </p:grpSpPr>
+      <p:sp>
+        <p:nvSpPr>
+          <p:cNvPr id="2" name="Slide Image Placeholder 1"/>
+          <p:cNvSpPr>
+            <a:spLocks noGrp="1" noRot="1" noChangeAspect="1"/>
+          </p:cNvSpPr>
+          <p:nvPr>
+            <p:ph type="sldImg"/>
+          </p:nvPr>
+        </p:nvSpPr>
+        <p:spPr/>
+      </p:sp>
+      <p:sp>
+        <p:nvSpPr>
+          <p:cNvPr id="3" name="Notes Placeholder 2"/>
+          <p:cNvSpPr>
+            <a:spLocks noGrp="1"/>
+          </p:cNvSpPr>
+          <p:nvPr>
+            <p:ph type="body" idx="1"/>
+          </p:nvPr>
+        </p:nvSpPr>
+        <p:spPr/>
+        <p:txBody>
+          <a:bodyPr>
+            <a:normAutofit/>
+          </a:bodyPr>
+          <a:lstStyle/>
+          <a:p>
+            <a:endParaRPr lang="sv-SE" dirty="0"/>
+          </a:p>
+        </p:txBody>
+      </p:sp>
+      <p:sp>
+        <p:nvSpPr>
+          <p:cNvPr id="4" name="Slide Number Placeholder 3"/>
+          <p:cNvSpPr>
+            <a:spLocks noGrp="1"/>
+          </p:cNvSpPr>
+          <p:nvPr>
+            <p:ph type="sldNum" sz="quarter" idx="10"/>
+          </p:nvPr>
+        </p:nvSpPr>
+        <p:spPr/>
+        <p:txBody>
+          <a:bodyPr/>
+          <a:lstStyle/>
+          <a:p>
+            <a:pPr>
+              <a:defRPr/>
+            </a:pPr>
+            <a:fld id="{EE811775-299A-4959-BF5A-5DFB3E75F6AC}" type="slidenum">
+              <a:rPr lang="sv-SE" smtClean="0"/>
+              <a:pPr>
+                <a:defRPr/>
+              </a:pPr>
+              <a:t>15</a:t>
+            </a:fld>
+            <a:endParaRPr lang="sv-SE"/>
+          </a:p>
+        </p:txBody>
+      </p:sp>
+    </p:spTree>
+    <p:extLst>
+      <p:ext uri="{BB962C8B-B14F-4D97-AF65-F5344CB8AC3E}">
+        <p14:creationId xmlns:p14="http://schemas.microsoft.com/office/powerpoint/2010/main" val="1699306019"/>
+      </p:ext>
+    </p:extLst>
+  </p:cSld>
+  <p:clrMapOvr>
+    <a:masterClrMapping/>
+  </p:clrMapOvr>
+</p:notes>
+</file>
+
+<file path=ppt/notesSlides/notesSlide15.xml><?xml version="1.0" encoding="utf-8"?>
+<p:notes xmlns:a="http://schemas.openxmlformats.org/drawingml/2006/main" xmlns:r="http://schemas.openxmlformats.org/officeDocument/2006/relationships" xmlns:p="http://schemas.openxmlformats.org/presentationml/2006/main">
+  <p:cSld>
+    <p:spTree>
+      <p:nvGrpSpPr>
+        <p:cNvPr id="1" name=""/>
+        <p:cNvGrpSpPr/>
+        <p:nvPr/>
+      </p:nvGrpSpPr>
+      <p:grpSpPr>
+        <a:xfrm>
+          <a:off x="0" y="0"/>
+          <a:ext cx="0" cy="0"/>
+          <a:chOff x="0" y="0"/>
+          <a:chExt cx="0" cy="0"/>
+        </a:xfrm>
+      </p:grpSpPr>
+      <p:sp>
+        <p:nvSpPr>
+          <p:cNvPr id="2" name="Slide Image Placeholder 1"/>
+          <p:cNvSpPr>
+            <a:spLocks noGrp="1" noRot="1" noChangeAspect="1"/>
+          </p:cNvSpPr>
+          <p:nvPr>
+            <p:ph type="sldImg"/>
+          </p:nvPr>
+        </p:nvSpPr>
+        <p:spPr/>
+      </p:sp>
+      <p:sp>
+        <p:nvSpPr>
+          <p:cNvPr id="3" name="Notes Placeholder 2"/>
+          <p:cNvSpPr>
+            <a:spLocks noGrp="1"/>
+          </p:cNvSpPr>
+          <p:nvPr>
+            <p:ph type="body" idx="1"/>
+          </p:nvPr>
+        </p:nvSpPr>
+        <p:spPr/>
+        <p:txBody>
+          <a:bodyPr>
+            <a:normAutofit/>
+          </a:bodyPr>
+          <a:lstStyle/>
+          <a:p>
+            <a:endParaRPr lang="sv-SE" dirty="0"/>
+          </a:p>
+        </p:txBody>
+      </p:sp>
+      <p:sp>
+        <p:nvSpPr>
+          <p:cNvPr id="4" name="Slide Number Placeholder 3"/>
+          <p:cNvSpPr>
+            <a:spLocks noGrp="1"/>
+          </p:cNvSpPr>
+          <p:nvPr>
+            <p:ph type="sldNum" sz="quarter" idx="10"/>
+          </p:nvPr>
+        </p:nvSpPr>
+        <p:spPr/>
+        <p:txBody>
+          <a:bodyPr/>
+          <a:lstStyle/>
+          <a:p>
+            <a:pPr>
+              <a:defRPr/>
+            </a:pPr>
+            <a:fld id="{EE811775-299A-4959-BF5A-5DFB3E75F6AC}" type="slidenum">
+              <a:rPr lang="sv-SE" smtClean="0"/>
+              <a:pPr>
+                <a:defRPr/>
+              </a:pPr>
+              <a:t>16</a:t>
+            </a:fld>
+            <a:endParaRPr lang="sv-SE"/>
+          </a:p>
+        </p:txBody>
+      </p:sp>
+    </p:spTree>
+    <p:extLst>
+      <p:ext uri="{BB962C8B-B14F-4D97-AF65-F5344CB8AC3E}">
+        <p14:creationId xmlns:p14="http://schemas.microsoft.com/office/powerpoint/2010/main" val="1568596548"/>
+      </p:ext>
+    </p:extLst>
+  </p:cSld>
+  <p:clrMapOvr>
+    <a:masterClrMapping/>
+  </p:clrMapOvr>
+</p:notes>
+</file>
+
 <file path=ppt/notesSlides/notesSlide2.xml><?xml version="1.0" encoding="utf-8"?>
 <p:notes xmlns:a="http://schemas.openxmlformats.org/drawingml/2006/main" xmlns:r="http://schemas.openxmlformats.org/officeDocument/2006/relationships" xmlns:p="http://schemas.openxmlformats.org/presentationml/2006/main">
   <p:cSld>
@@ -1212,6 +1770,13 @@
           </a:bodyPr>
           <a:lstStyle/>
           <a:p>
+            <a:pPr marL="0" indent="0">
+              <a:buFont typeface="Arial"/>
+              <a:buNone/>
+            </a:pPr>
+            <a:endParaRPr lang="en-US" dirty="0"/>
+          </a:p>
+          <a:p>
             <a:endParaRPr lang="sv-SE" dirty="0"/>
           </a:p>
         </p:txBody>
@@ -1248,7 +1813,7 @@
     </p:spTree>
     <p:extLst>
       <p:ext uri="{BB962C8B-B14F-4D97-AF65-F5344CB8AC3E}">
-        <p14:creationId xmlns:p14="http://schemas.microsoft.com/office/powerpoint/2010/main" val="1412276797"/>
+        <p14:creationId xmlns:p14="http://schemas.microsoft.com/office/powerpoint/2010/main" val="2590429850"/>
       </p:ext>
     </p:extLst>
   </p:cSld>
@@ -1340,7 +1905,7 @@
     </p:spTree>
     <p:extLst>
       <p:ext uri="{BB962C8B-B14F-4D97-AF65-F5344CB8AC3E}">
-        <p14:creationId xmlns:p14="http://schemas.microsoft.com/office/powerpoint/2010/main" val="3231107197"/>
+        <p14:creationId xmlns:p14="http://schemas.microsoft.com/office/powerpoint/2010/main" val="1412276797"/>
       </p:ext>
     </p:extLst>
   </p:cSld>
@@ -1423,7 +1988,7 @@
               <a:pPr>
                 <a:defRPr/>
               </a:pPr>
-              <a:t>7</a:t>
+              <a:t>6</a:t>
             </a:fld>
             <a:endParaRPr lang="sv-SE"/>
           </a:p>
@@ -1432,7 +1997,7 @@
     </p:spTree>
     <p:extLst>
       <p:ext uri="{BB962C8B-B14F-4D97-AF65-F5344CB8AC3E}">
-        <p14:creationId xmlns:p14="http://schemas.microsoft.com/office/powerpoint/2010/main" val="1355300404"/>
+        <p14:creationId xmlns:p14="http://schemas.microsoft.com/office/powerpoint/2010/main" val="3231107197"/>
       </p:ext>
     </p:extLst>
   </p:cSld>
@@ -1524,7 +2089,7 @@
     </p:spTree>
     <p:extLst>
       <p:ext uri="{BB962C8B-B14F-4D97-AF65-F5344CB8AC3E}">
-        <p14:creationId xmlns:p14="http://schemas.microsoft.com/office/powerpoint/2010/main" val="3321487144"/>
+        <p14:creationId xmlns:p14="http://schemas.microsoft.com/office/powerpoint/2010/main" val="1577624855"/>
       </p:ext>
     </p:extLst>
   </p:cSld>
@@ -1616,7 +2181,7 @@
     </p:spTree>
     <p:extLst>
       <p:ext uri="{BB962C8B-B14F-4D97-AF65-F5344CB8AC3E}">
-        <p14:creationId xmlns:p14="http://schemas.microsoft.com/office/powerpoint/2010/main" val="1699306019"/>
+        <p14:creationId xmlns:p14="http://schemas.microsoft.com/office/powerpoint/2010/main" val="925085997"/>
       </p:ext>
     </p:extLst>
   </p:cSld>
@@ -1708,7 +2273,7 @@
     </p:spTree>
     <p:extLst>
       <p:ext uri="{BB962C8B-B14F-4D97-AF65-F5344CB8AC3E}">
-        <p14:creationId xmlns:p14="http://schemas.microsoft.com/office/powerpoint/2010/main" val="1568596548"/>
+        <p14:creationId xmlns:p14="http://schemas.microsoft.com/office/powerpoint/2010/main" val="2145034158"/>
       </p:ext>
     </p:extLst>
   </p:cSld>
@@ -6402,7 +6967,7 @@
           <a:p>
             <a:fld id="{FB2CF90B-63BC-6544-9FB4-A72410329261}" type="datetime1">
               <a:rPr lang="sv-SE" smtClean="0"/>
-              <a:t>2020-10-13</a:t>
+              <a:t>2020-10-30</a:t>
             </a:fld>
             <a:endParaRPr lang="en-GB" dirty="0"/>
           </a:p>
@@ -6611,7 +7176,7 @@
           <a:p>
             <a:fld id="{BAD82F0C-0E2A-5546-8972-AA94798A63F5}" type="datetime1">
               <a:rPr lang="sv-SE" smtClean="0"/>
-              <a:t>2020-10-13</a:t>
+              <a:t>2020-10-30</a:t>
             </a:fld>
             <a:endParaRPr lang="en-GB" dirty="0"/>
           </a:p>
@@ -6905,7 +7470,7 @@
           <a:p>
             <a:fld id="{A7A7FA62-242B-154F-BDED-F228A40489AE}" type="datetime1">
               <a:rPr lang="sv-SE" smtClean="0"/>
-              <a:t>2020-10-13</a:t>
+              <a:t>2020-10-30</a:t>
             </a:fld>
             <a:endParaRPr lang="en-GB" dirty="0"/>
           </a:p>
@@ -7353,7 +7918,7 @@
           <a:p>
             <a:fld id="{0D45677C-6021-4B4B-8D00-4AA6DB0D4902}" type="datetime1">
               <a:rPr lang="sv-SE" smtClean="0"/>
-              <a:t>2020-10-13</a:t>
+              <a:t>2020-10-30</a:t>
             </a:fld>
             <a:endParaRPr lang="en-GB" dirty="0"/>
           </a:p>
@@ -7518,7 +8083,7 @@
           <a:p>
             <a:fld id="{141755ED-D54E-694B-A391-7B1A4BC3BA77}" type="datetime1">
               <a:rPr lang="sv-SE" smtClean="0"/>
-              <a:t>2020-10-13</a:t>
+              <a:t>2020-10-30</a:t>
             </a:fld>
             <a:endParaRPr lang="en-GB" dirty="0"/>
           </a:p>
@@ -7718,7 +8283,7 @@
           <a:p>
             <a:fld id="{C55EB1E9-4E18-5549-8E17-04A05D374244}" type="datetime1">
               <a:rPr lang="sv-SE" smtClean="0"/>
-              <a:t>2020-10-13</a:t>
+              <a:t>2020-10-30</a:t>
             </a:fld>
             <a:endParaRPr lang="en-GB" dirty="0"/>
           </a:p>
@@ -10007,7 +10572,7 @@
           <a:p>
             <a:fld id="{832A3DEB-92BA-404E-9210-96F4218B7138}" type="datetime1">
               <a:rPr lang="sv-SE" smtClean="0"/>
-              <a:t>2020-10-13</a:t>
+              <a:t>2020-10-30</a:t>
             </a:fld>
             <a:endParaRPr lang="en-GB" dirty="0"/>
           </a:p>
@@ -10719,31 +11284,24 @@
             <p:ph type="title"/>
           </p:nvPr>
         </p:nvSpPr>
-        <p:spPr>
-          <a:xfrm>
-            <a:off x="795571" y="2234813"/>
-            <a:ext cx="7552857" cy="673874"/>
-          </a:xfrm>
-        </p:spPr>
+        <p:spPr/>
         <p:txBody>
           <a:bodyPr/>
           <a:lstStyle/>
           <a:p>
-            <a:pPr algn="ctr"/>
-            <a:r>
-              <a:rPr lang="en-GB" dirty="0"/>
-              <a:t>Thank you for listening!</a:t>
-            </a:r>
-            <a:br>
-              <a:rPr lang="en-GB" dirty="0"/>
-            </a:br>
-            <a:br>
-              <a:rPr lang="en-GB" dirty="0"/>
-            </a:br>
-            <a:r>
-              <a:rPr lang="en-GB" dirty="0"/>
-              <a:t>Questions?</a:t>
-            </a:r>
+            <a:r>
+              <a:rPr lang="sv-SE" dirty="0" err="1"/>
+              <a:t>Example</a:t>
+            </a:r>
+            <a:r>
+              <a:rPr lang="sv-SE" dirty="0"/>
+              <a:t> – Brain </a:t>
+            </a:r>
+            <a:r>
+              <a:rPr lang="sv-SE" dirty="0" err="1"/>
+              <a:t>Growth</a:t>
+            </a:r>
+            <a:endParaRPr lang="en-GB" dirty="0"/>
           </a:p>
         </p:txBody>
       </p:sp>
@@ -10771,7 +11329,7 @@
             <a:fld id="{BAD82F0C-0E2A-5546-8972-AA94798A63F5}" type="datetime1">
               <a:rPr lang="sv-SE" smtClean="0"/>
               <a:pPr/>
-              <a:t>2020-10-13</a:t>
+              <a:t>2020-10-30</a:t>
             </a:fld>
             <a:endParaRPr lang="en-GB" dirty="0"/>
           </a:p>
@@ -10802,6 +11360,2811 @@
               <a:rPr lang="en-GB" smtClean="0"/>
               <a:pPr/>
               <a:t>10</a:t>
+            </a:fld>
+            <a:endParaRPr lang="en-GB"/>
+          </a:p>
+        </p:txBody>
+      </p:sp>
+      <p:sp>
+        <p:nvSpPr>
+          <p:cNvPr id="5" name="Platshållare för innehåll 4">
+            <a:extLst>
+              <a:ext uri="{FF2B5EF4-FFF2-40B4-BE49-F238E27FC236}">
+                <a16:creationId xmlns:a16="http://schemas.microsoft.com/office/drawing/2014/main" id="{6619A3F0-4A94-48BF-9032-782B916E792B}"/>
+              </a:ext>
+            </a:extLst>
+          </p:cNvPr>
+          <p:cNvSpPr>
+            <a:spLocks noGrp="1"/>
+          </p:cNvSpPr>
+          <p:nvPr>
+            <p:ph sz="quarter" idx="13"/>
+          </p:nvPr>
+        </p:nvSpPr>
+        <p:spPr>
+          <a:xfrm>
+            <a:off x="1062000" y="1116000"/>
+            <a:ext cx="1579600" cy="255600"/>
+          </a:xfrm>
+        </p:spPr>
+        <p:txBody>
+          <a:bodyPr/>
+          <a:lstStyle/>
+          <a:p>
+            <a:pPr marL="0" indent="0">
+              <a:buNone/>
+            </a:pPr>
+            <a:endParaRPr lang="sv-SE" dirty="0"/>
+          </a:p>
+        </p:txBody>
+      </p:sp>
+      <p:pic>
+        <p:nvPicPr>
+          <p:cNvPr id="13" name="Bildobjekt 12">
+            <a:extLst>
+              <a:ext uri="{FF2B5EF4-FFF2-40B4-BE49-F238E27FC236}">
+                <a16:creationId xmlns:a16="http://schemas.microsoft.com/office/drawing/2014/main" id="{11749391-9C1B-49FB-A217-C7E2CB61138F}"/>
+              </a:ext>
+            </a:extLst>
+          </p:cNvPr>
+          <p:cNvPicPr>
+            <a:picLocks noChangeAspect="1"/>
+          </p:cNvPicPr>
+          <p:nvPr/>
+        </p:nvPicPr>
+        <p:blipFill>
+          <a:blip r:embed="rId3"/>
+          <a:stretch>
+            <a:fillRect/>
+          </a:stretch>
+        </p:blipFill>
+        <p:spPr>
+          <a:xfrm>
+            <a:off x="1060463" y="925626"/>
+            <a:ext cx="1638300" cy="2895600"/>
+          </a:xfrm>
+          <a:prstGeom prst="rect">
+            <a:avLst/>
+          </a:prstGeom>
+        </p:spPr>
+      </p:pic>
+      <p:pic>
+        <p:nvPicPr>
+          <p:cNvPr id="15" name="Bildobjekt 14">
+            <a:extLst>
+              <a:ext uri="{FF2B5EF4-FFF2-40B4-BE49-F238E27FC236}">
+                <a16:creationId xmlns:a16="http://schemas.microsoft.com/office/drawing/2014/main" id="{B13CA758-E051-4CC9-B137-7C3D2CA300D8}"/>
+              </a:ext>
+            </a:extLst>
+          </p:cNvPr>
+          <p:cNvPicPr>
+            <a:picLocks noChangeAspect="1"/>
+          </p:cNvPicPr>
+          <p:nvPr/>
+        </p:nvPicPr>
+        <p:blipFill>
+          <a:blip r:embed="rId4"/>
+          <a:stretch>
+            <a:fillRect/>
+          </a:stretch>
+        </p:blipFill>
+        <p:spPr>
+          <a:xfrm>
+            <a:off x="3748087" y="953871"/>
+            <a:ext cx="1647825" cy="2886075"/>
+          </a:xfrm>
+          <a:prstGeom prst="rect">
+            <a:avLst/>
+          </a:prstGeom>
+        </p:spPr>
+      </p:pic>
+      <p:pic>
+        <p:nvPicPr>
+          <p:cNvPr id="17" name="Bildobjekt 16">
+            <a:extLst>
+              <a:ext uri="{FF2B5EF4-FFF2-40B4-BE49-F238E27FC236}">
+                <a16:creationId xmlns:a16="http://schemas.microsoft.com/office/drawing/2014/main" id="{407A0942-DF81-4199-9402-59DDABE750F4}"/>
+              </a:ext>
+            </a:extLst>
+          </p:cNvPr>
+          <p:cNvPicPr>
+            <a:picLocks noChangeAspect="1"/>
+          </p:cNvPicPr>
+          <p:nvPr/>
+        </p:nvPicPr>
+        <p:blipFill>
+          <a:blip r:embed="rId5"/>
+          <a:stretch>
+            <a:fillRect/>
+          </a:stretch>
+        </p:blipFill>
+        <p:spPr>
+          <a:xfrm>
+            <a:off x="6472275" y="953871"/>
+            <a:ext cx="1609725" cy="2924175"/>
+          </a:xfrm>
+          <a:prstGeom prst="rect">
+            <a:avLst/>
+          </a:prstGeom>
+        </p:spPr>
+      </p:pic>
+      <p:sp>
+        <p:nvSpPr>
+          <p:cNvPr id="18" name="textruta 17">
+            <a:extLst>
+              <a:ext uri="{FF2B5EF4-FFF2-40B4-BE49-F238E27FC236}">
+                <a16:creationId xmlns:a16="http://schemas.microsoft.com/office/drawing/2014/main" id="{C209C4FA-8CBA-45E3-8E77-3BAC8304F0DA}"/>
+              </a:ext>
+            </a:extLst>
+          </p:cNvPr>
+          <p:cNvSpPr txBox="1"/>
+          <p:nvPr/>
+        </p:nvSpPr>
+        <p:spPr>
+          <a:xfrm>
+            <a:off x="250825" y="3900271"/>
+            <a:ext cx="8006080" cy="338554"/>
+          </a:xfrm>
+          <a:prstGeom prst="rect">
+            <a:avLst/>
+          </a:prstGeom>
+          <a:noFill/>
+        </p:spPr>
+        <p:txBody>
+          <a:bodyPr wrap="square" rtlCol="0">
+            <a:spAutoFit/>
+          </a:bodyPr>
+          <a:lstStyle/>
+          <a:p>
+            <a:r>
+              <a:rPr lang="sv-SE" sz="1600" dirty="0" err="1"/>
+              <a:t>Threshold</a:t>
+            </a:r>
+            <a:r>
+              <a:rPr lang="sv-SE" sz="1600" dirty="0"/>
+              <a:t>:       0.1			        0.5			        0.9 </a:t>
+            </a:r>
+          </a:p>
+        </p:txBody>
+      </p:sp>
+    </p:spTree>
+    <p:extLst>
+      <p:ext uri="{BB962C8B-B14F-4D97-AF65-F5344CB8AC3E}">
+        <p14:creationId xmlns:p14="http://schemas.microsoft.com/office/powerpoint/2010/main" val="4033226477"/>
+      </p:ext>
+    </p:extLst>
+  </p:cSld>
+  <p:clrMapOvr>
+    <a:masterClrMapping/>
+  </p:clrMapOvr>
+  <mc:AlternateContent xmlns:mc="http://schemas.openxmlformats.org/markup-compatibility/2006" xmlns:p14="http://schemas.microsoft.com/office/powerpoint/2010/main">
+    <mc:Choice Requires="p14">
+      <p:transition spd="med" p14:dur="700">
+        <p:fade/>
+      </p:transition>
+    </mc:Choice>
+    <mc:Fallback xmlns="">
+      <p:transition spd="med">
+        <p:fade/>
+      </p:transition>
+    </mc:Fallback>
+  </mc:AlternateContent>
+</p:sld>
+</file>
+
+<file path=ppt/slides/slide11.xml><?xml version="1.0" encoding="utf-8"?>
+<p:sld xmlns:a="http://schemas.openxmlformats.org/drawingml/2006/main" xmlns:r="http://schemas.openxmlformats.org/officeDocument/2006/relationships" xmlns:p="http://schemas.openxmlformats.org/presentationml/2006/main">
+  <p:cSld>
+    <p:spTree>
+      <p:nvGrpSpPr>
+        <p:cNvPr id="1" name=""/>
+        <p:cNvGrpSpPr/>
+        <p:nvPr/>
+      </p:nvGrpSpPr>
+      <p:grpSpPr>
+        <a:xfrm>
+          <a:off x="0" y="0"/>
+          <a:ext cx="0" cy="0"/>
+          <a:chOff x="0" y="0"/>
+          <a:chExt cx="0" cy="0"/>
+        </a:xfrm>
+      </p:grpSpPr>
+      <p:sp>
+        <p:nvSpPr>
+          <p:cNvPr id="9" name="Rubrik 8">
+            <a:extLst>
+              <a:ext uri="{FF2B5EF4-FFF2-40B4-BE49-F238E27FC236}">
+                <a16:creationId xmlns:a16="http://schemas.microsoft.com/office/drawing/2014/main" id="{620A2E57-BC3E-D844-9964-DB4F1615B4F2}"/>
+              </a:ext>
+            </a:extLst>
+          </p:cNvPr>
+          <p:cNvSpPr>
+            <a:spLocks noGrp="1"/>
+          </p:cNvSpPr>
+          <p:nvPr>
+            <p:ph type="title"/>
+          </p:nvPr>
+        </p:nvSpPr>
+        <p:spPr/>
+        <p:txBody>
+          <a:bodyPr/>
+          <a:lstStyle/>
+          <a:p>
+            <a:r>
+              <a:rPr lang="sv-SE" dirty="0" err="1"/>
+              <a:t>Results</a:t>
+            </a:r>
+            <a:r>
+              <a:rPr lang="sv-SE" dirty="0"/>
+              <a:t> – Brain </a:t>
+            </a:r>
+            <a:r>
+              <a:rPr lang="sv-SE" dirty="0" err="1"/>
+              <a:t>Growth</a:t>
+            </a:r>
+            <a:endParaRPr lang="en-GB" dirty="0"/>
+          </a:p>
+        </p:txBody>
+      </p:sp>
+      <p:sp>
+        <p:nvSpPr>
+          <p:cNvPr id="3" name="Platshållare för datum 2">
+            <a:extLst>
+              <a:ext uri="{FF2B5EF4-FFF2-40B4-BE49-F238E27FC236}">
+                <a16:creationId xmlns:a16="http://schemas.microsoft.com/office/drawing/2014/main" id="{A92D5815-6AFC-734B-9E0C-0F2FEA63A4B4}"/>
+              </a:ext>
+            </a:extLst>
+          </p:cNvPr>
+          <p:cNvSpPr>
+            <a:spLocks noGrp="1"/>
+          </p:cNvSpPr>
+          <p:nvPr>
+            <p:ph type="dt" sz="half" idx="11"/>
+          </p:nvPr>
+        </p:nvSpPr>
+        <p:spPr/>
+        <p:txBody>
+          <a:bodyPr/>
+          <a:lstStyle/>
+          <a:p>
+            <a:fld id="{BAD82F0C-0E2A-5546-8972-AA94798A63F5}" type="datetime1">
+              <a:rPr lang="sv-SE" smtClean="0"/>
+              <a:pPr/>
+              <a:t>2020-10-30</a:t>
+            </a:fld>
+            <a:endParaRPr lang="en-GB" dirty="0"/>
+          </a:p>
+        </p:txBody>
+      </p:sp>
+      <p:sp>
+        <p:nvSpPr>
+          <p:cNvPr id="4" name="Platshållare för bildnummer 3">
+            <a:extLst>
+              <a:ext uri="{FF2B5EF4-FFF2-40B4-BE49-F238E27FC236}">
+                <a16:creationId xmlns:a16="http://schemas.microsoft.com/office/drawing/2014/main" id="{C87C319B-AA08-4D41-9648-6D635ED45949}"/>
+              </a:ext>
+            </a:extLst>
+          </p:cNvPr>
+          <p:cNvSpPr>
+            <a:spLocks noGrp="1"/>
+          </p:cNvSpPr>
+          <p:nvPr>
+            <p:ph type="sldNum" sz="quarter" idx="12"/>
+          </p:nvPr>
+        </p:nvSpPr>
+        <p:spPr/>
+        <p:txBody>
+          <a:bodyPr/>
+          <a:lstStyle/>
+          <a:p>
+            <a:fld id="{C338348D-F2D3-AB47-AE2A-1D59B1E58D64}" type="slidenum">
+              <a:rPr lang="en-GB" smtClean="0"/>
+              <a:pPr/>
+              <a:t>11</a:t>
+            </a:fld>
+            <a:endParaRPr lang="en-GB"/>
+          </a:p>
+        </p:txBody>
+      </p:sp>
+      <p:sp>
+        <p:nvSpPr>
+          <p:cNvPr id="10" name="Platshållare för innehåll 9">
+            <a:extLst>
+              <a:ext uri="{FF2B5EF4-FFF2-40B4-BE49-F238E27FC236}">
+                <a16:creationId xmlns:a16="http://schemas.microsoft.com/office/drawing/2014/main" id="{92E94E58-3F2C-E041-B4EA-A2F4BA2697CB}"/>
+              </a:ext>
+            </a:extLst>
+          </p:cNvPr>
+          <p:cNvSpPr>
+            <a:spLocks noGrp="1"/>
+          </p:cNvSpPr>
+          <p:nvPr>
+            <p:ph sz="quarter" idx="13"/>
+          </p:nvPr>
+        </p:nvSpPr>
+        <p:spPr>
+          <a:xfrm>
+            <a:off x="1730692" y="1307293"/>
+            <a:ext cx="6275388" cy="3242372"/>
+          </a:xfrm>
+        </p:spPr>
+        <p:txBody>
+          <a:bodyPr/>
+          <a:lstStyle/>
+          <a:p>
+            <a:pPr marL="0" indent="0">
+              <a:buNone/>
+            </a:pPr>
+            <a:r>
+              <a:rPr lang="en-GB" b="1" dirty="0"/>
+              <a:t>Test </a:t>
+            </a:r>
+            <a:r>
+              <a:rPr lang="en-GB" b="1" dirty="0" err="1"/>
+              <a:t>img</a:t>
+            </a:r>
+            <a:r>
+              <a:rPr lang="en-GB" b="1" dirty="0"/>
+              <a:t> 1      Test </a:t>
+            </a:r>
+            <a:r>
+              <a:rPr lang="en-GB" b="1" dirty="0" err="1"/>
+              <a:t>img</a:t>
+            </a:r>
+            <a:r>
+              <a:rPr lang="en-GB" b="1" dirty="0"/>
+              <a:t> 2    Test </a:t>
+            </a:r>
+            <a:r>
+              <a:rPr lang="en-GB" b="1" dirty="0" err="1"/>
+              <a:t>img</a:t>
+            </a:r>
+            <a:r>
+              <a:rPr lang="en-GB" b="1" dirty="0"/>
+              <a:t> 3   Test </a:t>
+            </a:r>
+            <a:r>
+              <a:rPr lang="en-GB" b="1" dirty="0" err="1"/>
+              <a:t>img</a:t>
+            </a:r>
+            <a:r>
+              <a:rPr lang="en-GB" b="1" dirty="0"/>
+              <a:t> 4    Test </a:t>
+            </a:r>
+            <a:r>
+              <a:rPr lang="en-GB" b="1" dirty="0" err="1"/>
+              <a:t>img</a:t>
+            </a:r>
+            <a:r>
+              <a:rPr lang="en-GB" b="1" dirty="0"/>
+              <a:t> 5   </a:t>
+            </a:r>
+            <a:endParaRPr lang="en-GB" dirty="0"/>
+          </a:p>
+          <a:p>
+            <a:pPr marL="0" indent="0">
+              <a:buNone/>
+            </a:pPr>
+            <a:r>
+              <a:rPr lang="en-GB" dirty="0"/>
+              <a:t>[ 0.93583164  0.91756011  0.92664515  0.92461265  0.91743671 ]    </a:t>
+            </a:r>
+            <a:r>
+              <a:rPr lang="en-GB" b="1" dirty="0"/>
+              <a:t>0.1</a:t>
+            </a:r>
+            <a:endParaRPr lang="en-GB" dirty="0"/>
+          </a:p>
+          <a:p>
+            <a:pPr marL="0" indent="0">
+              <a:buNone/>
+            </a:pPr>
+            <a:r>
+              <a:rPr lang="en-GB" dirty="0"/>
+              <a:t>[ 0.93409206  0.92813544  0.93756521  0.9487477    0.92060032 ]    </a:t>
+            </a:r>
+            <a:r>
+              <a:rPr lang="en-GB" b="1" dirty="0"/>
+              <a:t>0.2</a:t>
+            </a:r>
+            <a:endParaRPr lang="en-GB" dirty="0"/>
+          </a:p>
+          <a:p>
+            <a:pPr marL="0" indent="0">
+              <a:buNone/>
+            </a:pPr>
+            <a:r>
+              <a:rPr lang="en-GB" dirty="0"/>
+              <a:t>[ 0.91498722  0.92744047  0.93498344  0.95139697  0.91743202 ]    </a:t>
+            </a:r>
+            <a:r>
+              <a:rPr lang="en-GB" b="1" dirty="0"/>
+              <a:t>0.3</a:t>
+            </a:r>
+            <a:endParaRPr lang="en-GB" dirty="0"/>
+          </a:p>
+          <a:p>
+            <a:pPr marL="0" indent="0">
+              <a:buNone/>
+            </a:pPr>
+            <a:r>
+              <a:rPr lang="en-GB" dirty="0"/>
+              <a:t>[ 0.91603053  0.92853073  0.93747431  0.94813614  0.91683123 ]    </a:t>
+            </a:r>
+            <a:r>
+              <a:rPr lang="en-GB" b="1" dirty="0"/>
+              <a:t>0.4</a:t>
+            </a:r>
+            <a:endParaRPr lang="en-GB" dirty="0"/>
+          </a:p>
+          <a:p>
+            <a:pPr marL="0" indent="0">
+              <a:buNone/>
+            </a:pPr>
+            <a:r>
+              <a:rPr lang="en-GB" dirty="0"/>
+              <a:t>[ 0.89932147  0.91621787  0.93510343  0.94994179  0.9079803   ]    </a:t>
+            </a:r>
+            <a:r>
+              <a:rPr lang="en-GB" b="1" dirty="0"/>
+              <a:t>0.5</a:t>
+            </a:r>
+            <a:endParaRPr lang="en-GB" dirty="0"/>
+          </a:p>
+          <a:p>
+            <a:pPr marL="0" indent="0">
+              <a:buNone/>
+            </a:pPr>
+            <a:r>
+              <a:rPr lang="en-GB" dirty="0"/>
+              <a:t>[ 0.86764556  0.89445518  0.93347302  0.94487801  0.89759553 ]    </a:t>
+            </a:r>
+            <a:r>
+              <a:rPr lang="en-GB" b="1" dirty="0"/>
+              <a:t>0.6</a:t>
+            </a:r>
+            <a:endParaRPr lang="en-GB" dirty="0"/>
+          </a:p>
+          <a:p>
+            <a:pPr marL="0" indent="0">
+              <a:buNone/>
+            </a:pPr>
+            <a:r>
+              <a:rPr lang="en-GB" dirty="0"/>
+              <a:t>[ 0.87227964  0.89383016  0.93773622  0.94386694  0.89657061 ]    </a:t>
+            </a:r>
+            <a:r>
+              <a:rPr lang="en-GB" b="1" dirty="0"/>
+              <a:t>0.7</a:t>
+            </a:r>
+            <a:endParaRPr lang="en-GB" dirty="0"/>
+          </a:p>
+          <a:p>
+            <a:pPr marL="0" indent="0">
+              <a:buNone/>
+            </a:pPr>
+            <a:r>
+              <a:rPr lang="en-GB" dirty="0"/>
+              <a:t>[ 0.84381791  0.84345653  0.921047      0.9337181    0.8686314   ]    </a:t>
+            </a:r>
+            <a:r>
+              <a:rPr lang="en-GB" b="1" dirty="0"/>
+              <a:t>0.8</a:t>
+            </a:r>
+            <a:endParaRPr lang="en-GB" dirty="0"/>
+          </a:p>
+          <a:p>
+            <a:pPr marL="0" indent="0">
+              <a:buNone/>
+            </a:pPr>
+            <a:r>
+              <a:rPr lang="en-GB" dirty="0"/>
+              <a:t>[ 0.72017241  0.75427952  0.8970039    0.86904251  0.72462609 ]    </a:t>
+            </a:r>
+            <a:r>
+              <a:rPr lang="en-GB" b="1" dirty="0"/>
+              <a:t>0.9</a:t>
+            </a:r>
+          </a:p>
+          <a:p>
+            <a:pPr marL="0" indent="0">
+              <a:buNone/>
+            </a:pPr>
+            <a:r>
+              <a:rPr lang="en-GB" b="1" dirty="0"/>
+              <a:t>Average: </a:t>
+            </a:r>
+            <a:r>
+              <a:rPr lang="en-GB" dirty="0"/>
+              <a:t>0.9033591377190376</a:t>
+            </a:r>
+          </a:p>
+        </p:txBody>
+      </p:sp>
+    </p:spTree>
+    <p:extLst>
+      <p:ext uri="{BB962C8B-B14F-4D97-AF65-F5344CB8AC3E}">
+        <p14:creationId xmlns:p14="http://schemas.microsoft.com/office/powerpoint/2010/main" val="798042257"/>
+      </p:ext>
+    </p:extLst>
+  </p:cSld>
+  <p:clrMapOvr>
+    <a:masterClrMapping/>
+  </p:clrMapOvr>
+  <mc:AlternateContent xmlns:mc="http://schemas.openxmlformats.org/markup-compatibility/2006" xmlns:p14="http://schemas.microsoft.com/office/powerpoint/2010/main">
+    <mc:Choice Requires="p14">
+      <p:transition spd="med" p14:dur="700">
+        <p:fade/>
+      </p:transition>
+    </mc:Choice>
+    <mc:Fallback xmlns="">
+      <p:transition spd="med">
+        <p:fade/>
+      </p:transition>
+    </mc:Fallback>
+  </mc:AlternateContent>
+</p:sld>
+</file>
+
+<file path=ppt/slides/slide12.xml><?xml version="1.0" encoding="utf-8"?>
+<p:sld xmlns:a="http://schemas.openxmlformats.org/drawingml/2006/main" xmlns:r="http://schemas.openxmlformats.org/officeDocument/2006/relationships" xmlns:p="http://schemas.openxmlformats.org/presentationml/2006/main">
+  <p:cSld>
+    <p:spTree>
+      <p:nvGrpSpPr>
+        <p:cNvPr id="1" name=""/>
+        <p:cNvGrpSpPr/>
+        <p:nvPr/>
+      </p:nvGrpSpPr>
+      <p:grpSpPr>
+        <a:xfrm>
+          <a:off x="0" y="0"/>
+          <a:ext cx="0" cy="0"/>
+          <a:chOff x="0" y="0"/>
+          <a:chExt cx="0" cy="0"/>
+        </a:xfrm>
+      </p:grpSpPr>
+      <p:sp>
+        <p:nvSpPr>
+          <p:cNvPr id="9" name="Rubrik 8">
+            <a:extLst>
+              <a:ext uri="{FF2B5EF4-FFF2-40B4-BE49-F238E27FC236}">
+                <a16:creationId xmlns:a16="http://schemas.microsoft.com/office/drawing/2014/main" id="{620A2E57-BC3E-D844-9964-DB4F1615B4F2}"/>
+              </a:ext>
+            </a:extLst>
+          </p:cNvPr>
+          <p:cNvSpPr>
+            <a:spLocks noGrp="1"/>
+          </p:cNvSpPr>
+          <p:nvPr>
+            <p:ph type="title"/>
+          </p:nvPr>
+        </p:nvSpPr>
+        <p:spPr/>
+        <p:txBody>
+          <a:bodyPr/>
+          <a:lstStyle/>
+          <a:p>
+            <a:r>
+              <a:rPr lang="sv-SE" dirty="0" err="1"/>
+              <a:t>Results</a:t>
+            </a:r>
+            <a:r>
+              <a:rPr lang="sv-SE" dirty="0"/>
+              <a:t> – Brain </a:t>
+            </a:r>
+            <a:r>
+              <a:rPr lang="sv-SE" dirty="0" err="1"/>
+              <a:t>Tumor</a:t>
+            </a:r>
+            <a:endParaRPr lang="en-GB" dirty="0"/>
+          </a:p>
+        </p:txBody>
+      </p:sp>
+      <p:sp>
+        <p:nvSpPr>
+          <p:cNvPr id="3" name="Platshållare för datum 2">
+            <a:extLst>
+              <a:ext uri="{FF2B5EF4-FFF2-40B4-BE49-F238E27FC236}">
+                <a16:creationId xmlns:a16="http://schemas.microsoft.com/office/drawing/2014/main" id="{A92D5815-6AFC-734B-9E0C-0F2FEA63A4B4}"/>
+              </a:ext>
+            </a:extLst>
+          </p:cNvPr>
+          <p:cNvSpPr>
+            <a:spLocks noGrp="1"/>
+          </p:cNvSpPr>
+          <p:nvPr>
+            <p:ph type="dt" sz="half" idx="11"/>
+          </p:nvPr>
+        </p:nvSpPr>
+        <p:spPr/>
+        <p:txBody>
+          <a:bodyPr/>
+          <a:lstStyle/>
+          <a:p>
+            <a:fld id="{BAD82F0C-0E2A-5546-8972-AA94798A63F5}" type="datetime1">
+              <a:rPr lang="sv-SE" smtClean="0"/>
+              <a:pPr/>
+              <a:t>2020-10-30</a:t>
+            </a:fld>
+            <a:endParaRPr lang="en-GB" dirty="0"/>
+          </a:p>
+        </p:txBody>
+      </p:sp>
+      <p:sp>
+        <p:nvSpPr>
+          <p:cNvPr id="4" name="Platshållare för bildnummer 3">
+            <a:extLst>
+              <a:ext uri="{FF2B5EF4-FFF2-40B4-BE49-F238E27FC236}">
+                <a16:creationId xmlns:a16="http://schemas.microsoft.com/office/drawing/2014/main" id="{C87C319B-AA08-4D41-9648-6D635ED45949}"/>
+              </a:ext>
+            </a:extLst>
+          </p:cNvPr>
+          <p:cNvSpPr>
+            <a:spLocks noGrp="1"/>
+          </p:cNvSpPr>
+          <p:nvPr>
+            <p:ph type="sldNum" sz="quarter" idx="12"/>
+          </p:nvPr>
+        </p:nvSpPr>
+        <p:spPr/>
+        <p:txBody>
+          <a:bodyPr/>
+          <a:lstStyle/>
+          <a:p>
+            <a:fld id="{C338348D-F2D3-AB47-AE2A-1D59B1E58D64}" type="slidenum">
+              <a:rPr lang="en-GB" smtClean="0"/>
+              <a:pPr/>
+              <a:t>12</a:t>
+            </a:fld>
+            <a:endParaRPr lang="en-GB"/>
+          </a:p>
+        </p:txBody>
+      </p:sp>
+      <p:sp>
+        <p:nvSpPr>
+          <p:cNvPr id="10" name="Platshållare för innehåll 9">
+            <a:extLst>
+              <a:ext uri="{FF2B5EF4-FFF2-40B4-BE49-F238E27FC236}">
+                <a16:creationId xmlns:a16="http://schemas.microsoft.com/office/drawing/2014/main" id="{92E94E58-3F2C-E041-B4EA-A2F4BA2697CB}"/>
+              </a:ext>
+            </a:extLst>
+          </p:cNvPr>
+          <p:cNvSpPr>
+            <a:spLocks noGrp="1"/>
+          </p:cNvSpPr>
+          <p:nvPr>
+            <p:ph sz="quarter" idx="13"/>
+          </p:nvPr>
+        </p:nvSpPr>
+        <p:spPr>
+          <a:xfrm>
+            <a:off x="1191868" y="824026"/>
+            <a:ext cx="3456500" cy="1992320"/>
+          </a:xfrm>
+        </p:spPr>
+        <p:txBody>
+          <a:bodyPr/>
+          <a:lstStyle/>
+          <a:p>
+            <a:pPr marL="0" indent="0" algn="ctr">
+              <a:buNone/>
+            </a:pPr>
+            <a:r>
+              <a:rPr lang="en-US" sz="1000" dirty="0"/>
+              <a:t> </a:t>
+            </a:r>
+            <a:r>
+              <a:rPr lang="en-US" sz="1000" b="1" u="sng" dirty="0"/>
+              <a:t>Task 1</a:t>
+            </a:r>
+            <a:endParaRPr lang="en-US" sz="1000" dirty="0"/>
+          </a:p>
+          <a:p>
+            <a:pPr marL="0" indent="0">
+              <a:buNone/>
+            </a:pPr>
+            <a:r>
+              <a:rPr lang="en-US" sz="1000" dirty="0"/>
+              <a:t>[ </a:t>
+            </a:r>
+            <a:r>
+              <a:rPr lang="en-US" sz="1050" dirty="0"/>
+              <a:t>0.80333654  0.96819294  0.94560937  0.92486772 ]</a:t>
+            </a:r>
+            <a:br>
+              <a:rPr lang="en-US" sz="1050" dirty="0"/>
+            </a:br>
+            <a:r>
+              <a:rPr lang="en-US" sz="1050" dirty="0"/>
+              <a:t>[ 0.79793748  0.966363      0.94403582  0.92378372 ]</a:t>
+            </a:r>
+            <a:br>
+              <a:rPr lang="en-US" sz="1050" dirty="0"/>
+            </a:br>
+            <a:r>
+              <a:rPr lang="en-US" sz="1050" dirty="0"/>
+              <a:t>[ 0.79248948  0.96296296  0.94284799  0.92225898 ]</a:t>
+            </a:r>
+            <a:br>
+              <a:rPr lang="en-US" sz="1050" dirty="0"/>
+            </a:br>
+            <a:r>
+              <a:rPr lang="en-US" sz="1050" dirty="0"/>
+              <a:t>[ 0.65513078  0.95234577  0.90991726  0.93136381 ]</a:t>
+            </a:r>
+            <a:br>
+              <a:rPr lang="en-US" sz="1050" dirty="0"/>
+            </a:br>
+            <a:r>
+              <a:rPr lang="en-US" sz="1050" dirty="0"/>
+              <a:t>[ 0.65050505  0.94924046  0.90762583  0.93061224 ]</a:t>
+            </a:r>
+            <a:br>
+              <a:rPr lang="en-US" sz="1050" dirty="0"/>
+            </a:br>
+            <a:r>
+              <a:rPr lang="en-US" sz="1050" dirty="0"/>
+              <a:t>[ 0.64448052  0.94572491  0.90666667  0.92787724 ]</a:t>
+            </a:r>
+            <a:br>
+              <a:rPr lang="en-US" sz="1050" dirty="0"/>
+            </a:br>
+            <a:r>
+              <a:rPr lang="en-US" sz="1050" dirty="0"/>
+              <a:t>[ 0.56238361  0.89093825  0.82708934  0.91930598 ]</a:t>
+            </a:r>
+            <a:br>
+              <a:rPr lang="en-US" sz="1050" dirty="0"/>
+            </a:br>
+            <a:r>
+              <a:rPr lang="en-US" sz="1050" dirty="0"/>
+              <a:t>[ 0.55726975  0.88557615  0.82485876  0.91747171 ]</a:t>
+            </a:r>
+            <a:br>
+              <a:rPr lang="en-US" sz="1050" dirty="0"/>
+            </a:br>
+            <a:r>
+              <a:rPr lang="en-US" sz="1050" dirty="0"/>
+              <a:t>[ 0.55305164  0.88484848  0.82399369  0.91652847 ]</a:t>
+            </a:r>
+            <a:br>
+              <a:rPr lang="en-US" sz="1050" dirty="0"/>
+            </a:br>
+            <a:r>
+              <a:rPr lang="en-US" sz="1050" dirty="0"/>
+              <a:t>              </a:t>
+            </a:r>
+            <a:br>
+              <a:rPr lang="en-US" sz="1050" dirty="0"/>
+            </a:br>
+            <a:r>
+              <a:rPr lang="en-US" sz="1050" b="1" dirty="0"/>
+              <a:t>Average: </a:t>
+            </a:r>
+            <a:r>
+              <a:rPr lang="en-US" sz="1050" dirty="0"/>
+              <a:t>0.8547081212485439</a:t>
+            </a:r>
+          </a:p>
+          <a:p>
+            <a:endParaRPr lang="en-US" dirty="0"/>
+          </a:p>
+          <a:p>
+            <a:pPr marL="0" indent="0">
+              <a:buNone/>
+            </a:pPr>
+            <a:endParaRPr lang="en-US" dirty="0"/>
+          </a:p>
+        </p:txBody>
+      </p:sp>
+      <p:sp>
+        <p:nvSpPr>
+          <p:cNvPr id="5" name="Platshållare för innehåll 4">
+            <a:extLst>
+              <a:ext uri="{FF2B5EF4-FFF2-40B4-BE49-F238E27FC236}">
+                <a16:creationId xmlns:a16="http://schemas.microsoft.com/office/drawing/2014/main" id="{C983ADBF-605D-4773-8F44-320C06123F83}"/>
+              </a:ext>
+            </a:extLst>
+          </p:cNvPr>
+          <p:cNvSpPr>
+            <a:spLocks noGrp="1"/>
+          </p:cNvSpPr>
+          <p:nvPr>
+            <p:ph sz="quarter" idx="14"/>
+          </p:nvPr>
+        </p:nvSpPr>
+        <p:spPr>
+          <a:xfrm>
+            <a:off x="4836891" y="815892"/>
+            <a:ext cx="3587906" cy="2000454"/>
+          </a:xfrm>
+        </p:spPr>
+        <p:txBody>
+          <a:bodyPr/>
+          <a:lstStyle/>
+          <a:p>
+            <a:pPr marL="0" indent="0" algn="ctr">
+              <a:buNone/>
+            </a:pPr>
+            <a:r>
+              <a:rPr lang="en-US" sz="1050" b="1" u="sng" dirty="0"/>
+              <a:t>Task 2</a:t>
+            </a:r>
+          </a:p>
+          <a:p>
+            <a:pPr marL="0" indent="0">
+              <a:buNone/>
+            </a:pPr>
+            <a:r>
+              <a:rPr lang="en-US" sz="1050" dirty="0"/>
+              <a:t>[ 0.93387653  0.95982469  0.90964348  0.94965705 ] </a:t>
+            </a:r>
+            <a:br>
+              <a:rPr lang="en-US" sz="1050" dirty="0"/>
+            </a:br>
+            <a:r>
+              <a:rPr lang="en-US" sz="1050" dirty="0"/>
+              <a:t>[ 0.93220339  0.95715855  0.90667919  0.94758692 ] </a:t>
+            </a:r>
+            <a:br>
+              <a:rPr lang="en-US" sz="1050" dirty="0"/>
+            </a:br>
+            <a:r>
+              <a:rPr lang="en-US" sz="1050" dirty="0"/>
+              <a:t>[ 0.92778303  0.95476278  0.90264026  0.9452037   ] </a:t>
+            </a:r>
+            <a:br>
+              <a:rPr lang="en-US" sz="1050" dirty="0"/>
+            </a:br>
+            <a:r>
+              <a:rPr lang="en-US" sz="1050" dirty="0"/>
+              <a:t>[ 0.86197183  0.94879518  0.63844702  0.96122779 ] </a:t>
+            </a:r>
+            <a:br>
+              <a:rPr lang="en-US" sz="1050" dirty="0"/>
+            </a:br>
+            <a:r>
+              <a:rPr lang="en-US" sz="1050" dirty="0"/>
+              <a:t>[ 0.85762904  0.95049505  0.63254806  0.95824889 ] </a:t>
+            </a:r>
+            <a:br>
+              <a:rPr lang="en-US" sz="1050" dirty="0"/>
+            </a:br>
+            <a:r>
+              <a:rPr lang="en-US" sz="1050" dirty="0"/>
+              <a:t>[ 0.85616438  0.94793262  0.62602069  0.95528455 ] </a:t>
+            </a:r>
+            <a:br>
+              <a:rPr lang="en-US" sz="1050" dirty="0"/>
+            </a:br>
+            <a:r>
+              <a:rPr lang="en-US" sz="1050" dirty="0"/>
+              <a:t>[ 0.39443155  0.92740047  0.36479052  0.53393665 ] </a:t>
+            </a:r>
+            <a:br>
+              <a:rPr lang="en-US" sz="1050" dirty="0"/>
+            </a:br>
+            <a:r>
+              <a:rPr lang="en-US" sz="1050" dirty="0"/>
+              <a:t>[ 0.37220259  0.92941176  0.35519591  0.52830189 ] </a:t>
+            </a:r>
+            <a:br>
+              <a:rPr lang="en-US" sz="1050" dirty="0"/>
+            </a:br>
+            <a:r>
+              <a:rPr lang="en-US" sz="1050" dirty="0"/>
+              <a:t>[ 0.35866983  0.92781065  0.3470437    0.55172414 ]</a:t>
+            </a:r>
+            <a:br>
+              <a:rPr lang="en-US" sz="1050" dirty="0"/>
+            </a:br>
+            <a:r>
+              <a:rPr lang="en-US" sz="1050" dirty="0"/>
+              <a:t>                </a:t>
+            </a:r>
+            <a:br>
+              <a:rPr lang="en-US" sz="1050" dirty="0"/>
+            </a:br>
+            <a:r>
+              <a:rPr lang="en-US" sz="1050" b="1" dirty="0"/>
+              <a:t>Average: </a:t>
+            </a:r>
+            <a:r>
+              <a:rPr lang="en-US" sz="1050" dirty="0"/>
+              <a:t>0.7781306762803059</a:t>
+            </a:r>
+          </a:p>
+          <a:p>
+            <a:endParaRPr lang="sv-SE" dirty="0"/>
+          </a:p>
+        </p:txBody>
+      </p:sp>
+      <p:sp>
+        <p:nvSpPr>
+          <p:cNvPr id="6" name="textruta 5">
+            <a:extLst>
+              <a:ext uri="{FF2B5EF4-FFF2-40B4-BE49-F238E27FC236}">
+                <a16:creationId xmlns:a16="http://schemas.microsoft.com/office/drawing/2014/main" id="{6BA8E3F0-FC2F-4ABE-9E0B-CA2DCC1F423D}"/>
+              </a:ext>
+            </a:extLst>
+          </p:cNvPr>
+          <p:cNvSpPr txBox="1"/>
+          <p:nvPr/>
+        </p:nvSpPr>
+        <p:spPr>
+          <a:xfrm>
+            <a:off x="2937606" y="2673593"/>
+            <a:ext cx="3421524" cy="2469907"/>
+          </a:xfrm>
+          <a:prstGeom prst="rect">
+            <a:avLst/>
+          </a:prstGeom>
+          <a:noFill/>
+        </p:spPr>
+        <p:txBody>
+          <a:bodyPr wrap="square" rtlCol="0">
+            <a:spAutoFit/>
+          </a:bodyPr>
+          <a:lstStyle/>
+          <a:p>
+            <a:pPr marL="0" indent="0" algn="ctr">
+              <a:buNone/>
+            </a:pPr>
+            <a:r>
+              <a:rPr lang="en-US" sz="1050" b="1" u="sng" dirty="0">
+                <a:cs typeface="Arial" panose="020B0604020202020204" pitchFamily="34" charset="0"/>
+              </a:rPr>
+              <a:t>Task 3</a:t>
+            </a:r>
+          </a:p>
+          <a:p>
+            <a:pPr marL="0" indent="0" algn="ctr">
+              <a:buNone/>
+            </a:pPr>
+            <a:endParaRPr lang="en-US" sz="1050" b="1" u="sng" dirty="0">
+              <a:cs typeface="Arial" panose="020B0604020202020204" pitchFamily="34" charset="0"/>
+            </a:endParaRPr>
+          </a:p>
+          <a:p>
+            <a:pPr marL="0" indent="0">
+              <a:buNone/>
+            </a:pPr>
+            <a:r>
+              <a:rPr lang="en-US" sz="1050" dirty="0">
+                <a:cs typeface="Arial" panose="020B0604020202020204" pitchFamily="34" charset="0"/>
+              </a:rPr>
+              <a:t>[ 0.72067039  0.89373297  0.71050521  0.95891537 ]</a:t>
+            </a:r>
+          </a:p>
+          <a:p>
+            <a:pPr marL="0" indent="0">
+              <a:buNone/>
+            </a:pPr>
+            <a:r>
+              <a:rPr lang="en-US" sz="1050" dirty="0">
+                <a:cs typeface="Arial" panose="020B0604020202020204" pitchFamily="34" charset="0"/>
+              </a:rPr>
+              <a:t>[ 0.70185449  0.89931034  0.69480519  0.95720165 ]</a:t>
+            </a:r>
+          </a:p>
+          <a:p>
+            <a:pPr marL="0" indent="0">
+              <a:buNone/>
+            </a:pPr>
+            <a:r>
+              <a:rPr lang="en-US" sz="1050" dirty="0">
+                <a:cs typeface="Arial" panose="020B0604020202020204" pitchFamily="34" charset="0"/>
+              </a:rPr>
+              <a:t>[ 0.68596237  0.89693593  0.67763158  0.95332507 ]</a:t>
+            </a:r>
+          </a:p>
+          <a:p>
+            <a:pPr marL="0" indent="0">
+              <a:buNone/>
+            </a:pPr>
+            <a:r>
+              <a:rPr lang="en-US" sz="1050" dirty="0">
+                <a:cs typeface="Arial" panose="020B0604020202020204" pitchFamily="34" charset="0"/>
+              </a:rPr>
+              <a:t>[ 0.72621359  0.91780822  0.501228 5   0.95283843 ]</a:t>
+            </a:r>
+          </a:p>
+          <a:p>
+            <a:pPr marL="0" indent="0">
+              <a:buNone/>
+            </a:pPr>
+            <a:r>
+              <a:rPr lang="en-US" sz="1050" dirty="0">
+                <a:cs typeface="Arial" panose="020B0604020202020204" pitchFamily="34" charset="0"/>
+              </a:rPr>
+              <a:t>[ 0.71400394  0.91854419  0.488228      0.95096322 ]</a:t>
+            </a:r>
+          </a:p>
+          <a:p>
+            <a:pPr marL="0" indent="0">
+              <a:buNone/>
+            </a:pPr>
+            <a:r>
+              <a:rPr lang="en-US" sz="1050" dirty="0">
+                <a:cs typeface="Arial" panose="020B0604020202020204" pitchFamily="34" charset="0"/>
+              </a:rPr>
+              <a:t>[ 0.71146245  0.92146597  0.45627376  0.94958352 ]</a:t>
+            </a:r>
+          </a:p>
+          <a:p>
+            <a:pPr marL="0" indent="0">
+              <a:buNone/>
+            </a:pPr>
+            <a:r>
+              <a:rPr lang="en-US" sz="1050" dirty="0">
+                <a:cs typeface="Arial" panose="020B0604020202020204" pitchFamily="34" charset="0"/>
+              </a:rPr>
+              <a:t>[ 0.71428571  0.91242363  0.26691729  0.90846116 ]</a:t>
+            </a:r>
+          </a:p>
+          <a:p>
+            <a:pPr marL="0" indent="0">
+              <a:buNone/>
+            </a:pPr>
+            <a:r>
+              <a:rPr lang="en-US" sz="1050" dirty="0">
+                <a:cs typeface="Arial" panose="020B0604020202020204" pitchFamily="34" charset="0"/>
+              </a:rPr>
+              <a:t>[ 0.71321696  0.90983607  0.22393822  0.90293678 ]</a:t>
+            </a:r>
+          </a:p>
+          <a:p>
+            <a:pPr marL="0" indent="0">
+              <a:buNone/>
+            </a:pPr>
+            <a:r>
+              <a:rPr lang="en-US" sz="1050" dirty="0">
+                <a:cs typeface="Arial" panose="020B0604020202020204" pitchFamily="34" charset="0"/>
+              </a:rPr>
+              <a:t>[ 0.71              0.90721649  0.21052632  0.89955022 ]</a:t>
+            </a:r>
+            <a:br>
+              <a:rPr lang="en-US" sz="400" dirty="0">
+                <a:cs typeface="Arial" panose="020B0604020202020204" pitchFamily="34" charset="0"/>
+              </a:rPr>
+            </a:br>
+            <a:r>
+              <a:rPr lang="en-US" sz="1050" dirty="0">
+                <a:cs typeface="Arial" panose="020B0604020202020204" pitchFamily="34" charset="0"/>
+              </a:rPr>
+              <a:t>               </a:t>
+            </a:r>
+            <a:br>
+              <a:rPr lang="en-US" sz="1050" dirty="0">
+                <a:cs typeface="Arial" panose="020B0604020202020204" pitchFamily="34" charset="0"/>
+              </a:rPr>
+            </a:br>
+            <a:r>
+              <a:rPr lang="en-US" sz="1050" b="1" dirty="0">
+                <a:cs typeface="Arial" panose="020B0604020202020204" pitchFamily="34" charset="0"/>
+              </a:rPr>
+              <a:t>Average: </a:t>
+            </a:r>
+            <a:r>
+              <a:rPr lang="en-US" sz="1050" dirty="0">
+                <a:cs typeface="Arial" panose="020B0604020202020204" pitchFamily="34" charset="0"/>
+              </a:rPr>
+              <a:t>0.7566325900087255</a:t>
+            </a:r>
+            <a:endParaRPr lang="en-GB" sz="1050" dirty="0">
+              <a:cs typeface="Arial" panose="020B0604020202020204" pitchFamily="34" charset="0"/>
+            </a:endParaRPr>
+          </a:p>
+          <a:p>
+            <a:endParaRPr lang="sv-SE" dirty="0"/>
+          </a:p>
+        </p:txBody>
+      </p:sp>
+    </p:spTree>
+    <p:extLst>
+      <p:ext uri="{BB962C8B-B14F-4D97-AF65-F5344CB8AC3E}">
+        <p14:creationId xmlns:p14="http://schemas.microsoft.com/office/powerpoint/2010/main" val="2726125716"/>
+      </p:ext>
+    </p:extLst>
+  </p:cSld>
+  <p:clrMapOvr>
+    <a:masterClrMapping/>
+  </p:clrMapOvr>
+  <mc:AlternateContent xmlns:mc="http://schemas.openxmlformats.org/markup-compatibility/2006" xmlns:p14="http://schemas.microsoft.com/office/powerpoint/2010/main">
+    <mc:Choice Requires="p14">
+      <p:transition spd="med" p14:dur="700">
+        <p:fade/>
+      </p:transition>
+    </mc:Choice>
+    <mc:Fallback xmlns="">
+      <p:transition spd="med">
+        <p:fade/>
+      </p:transition>
+    </mc:Fallback>
+  </mc:AlternateContent>
+</p:sld>
+</file>
+
+<file path=ppt/slides/slide13.xml><?xml version="1.0" encoding="utf-8"?>
+<p:sld xmlns:a="http://schemas.openxmlformats.org/drawingml/2006/main" xmlns:r="http://schemas.openxmlformats.org/officeDocument/2006/relationships" xmlns:p="http://schemas.openxmlformats.org/presentationml/2006/main">
+  <p:cSld>
+    <p:spTree>
+      <p:nvGrpSpPr>
+        <p:cNvPr id="1" name=""/>
+        <p:cNvGrpSpPr/>
+        <p:nvPr/>
+      </p:nvGrpSpPr>
+      <p:grpSpPr>
+        <a:xfrm>
+          <a:off x="0" y="0"/>
+          <a:ext cx="0" cy="0"/>
+          <a:chOff x="0" y="0"/>
+          <a:chExt cx="0" cy="0"/>
+        </a:xfrm>
+      </p:grpSpPr>
+      <p:sp>
+        <p:nvSpPr>
+          <p:cNvPr id="9" name="Rubrik 8">
+            <a:extLst>
+              <a:ext uri="{FF2B5EF4-FFF2-40B4-BE49-F238E27FC236}">
+                <a16:creationId xmlns:a16="http://schemas.microsoft.com/office/drawing/2014/main" id="{620A2E57-BC3E-D844-9964-DB4F1615B4F2}"/>
+              </a:ext>
+            </a:extLst>
+          </p:cNvPr>
+          <p:cNvSpPr>
+            <a:spLocks noGrp="1"/>
+          </p:cNvSpPr>
+          <p:nvPr>
+            <p:ph type="title"/>
+          </p:nvPr>
+        </p:nvSpPr>
+        <p:spPr/>
+        <p:txBody>
+          <a:bodyPr/>
+          <a:lstStyle/>
+          <a:p>
+            <a:r>
+              <a:rPr lang="sv-SE" dirty="0" err="1"/>
+              <a:t>Results</a:t>
+            </a:r>
+            <a:r>
+              <a:rPr lang="sv-SE" dirty="0"/>
+              <a:t> – </a:t>
+            </a:r>
+            <a:r>
+              <a:rPr lang="sv-SE" dirty="0" err="1"/>
+              <a:t>Kidney</a:t>
+            </a:r>
+            <a:endParaRPr lang="en-GB" dirty="0"/>
+          </a:p>
+        </p:txBody>
+      </p:sp>
+      <p:sp>
+        <p:nvSpPr>
+          <p:cNvPr id="3" name="Platshållare för datum 2">
+            <a:extLst>
+              <a:ext uri="{FF2B5EF4-FFF2-40B4-BE49-F238E27FC236}">
+                <a16:creationId xmlns:a16="http://schemas.microsoft.com/office/drawing/2014/main" id="{A92D5815-6AFC-734B-9E0C-0F2FEA63A4B4}"/>
+              </a:ext>
+            </a:extLst>
+          </p:cNvPr>
+          <p:cNvSpPr>
+            <a:spLocks noGrp="1"/>
+          </p:cNvSpPr>
+          <p:nvPr>
+            <p:ph type="dt" sz="half" idx="11"/>
+          </p:nvPr>
+        </p:nvSpPr>
+        <p:spPr/>
+        <p:txBody>
+          <a:bodyPr/>
+          <a:lstStyle/>
+          <a:p>
+            <a:fld id="{BAD82F0C-0E2A-5546-8972-AA94798A63F5}" type="datetime1">
+              <a:rPr lang="sv-SE" smtClean="0"/>
+              <a:pPr/>
+              <a:t>2020-10-30</a:t>
+            </a:fld>
+            <a:endParaRPr lang="en-GB" dirty="0"/>
+          </a:p>
+        </p:txBody>
+      </p:sp>
+      <p:sp>
+        <p:nvSpPr>
+          <p:cNvPr id="4" name="Platshållare för bildnummer 3">
+            <a:extLst>
+              <a:ext uri="{FF2B5EF4-FFF2-40B4-BE49-F238E27FC236}">
+                <a16:creationId xmlns:a16="http://schemas.microsoft.com/office/drawing/2014/main" id="{C87C319B-AA08-4D41-9648-6D635ED45949}"/>
+              </a:ext>
+            </a:extLst>
+          </p:cNvPr>
+          <p:cNvSpPr>
+            <a:spLocks noGrp="1"/>
+          </p:cNvSpPr>
+          <p:nvPr>
+            <p:ph type="sldNum" sz="quarter" idx="12"/>
+          </p:nvPr>
+        </p:nvSpPr>
+        <p:spPr/>
+        <p:txBody>
+          <a:bodyPr/>
+          <a:lstStyle/>
+          <a:p>
+            <a:fld id="{C338348D-F2D3-AB47-AE2A-1D59B1E58D64}" type="slidenum">
+              <a:rPr lang="en-GB" smtClean="0"/>
+              <a:pPr/>
+              <a:t>13</a:t>
+            </a:fld>
+            <a:endParaRPr lang="en-GB"/>
+          </a:p>
+        </p:txBody>
+      </p:sp>
+      <p:sp>
+        <p:nvSpPr>
+          <p:cNvPr id="10" name="Platshållare för innehåll 9">
+            <a:extLst>
+              <a:ext uri="{FF2B5EF4-FFF2-40B4-BE49-F238E27FC236}">
+                <a16:creationId xmlns:a16="http://schemas.microsoft.com/office/drawing/2014/main" id="{92E94E58-3F2C-E041-B4EA-A2F4BA2697CB}"/>
+              </a:ext>
+            </a:extLst>
+          </p:cNvPr>
+          <p:cNvSpPr>
+            <a:spLocks noGrp="1"/>
+          </p:cNvSpPr>
+          <p:nvPr>
+            <p:ph sz="quarter" idx="13"/>
+          </p:nvPr>
+        </p:nvSpPr>
+        <p:spPr>
+          <a:xfrm>
+            <a:off x="2136279" y="1248411"/>
+            <a:ext cx="4871441" cy="3378324"/>
+          </a:xfrm>
+        </p:spPr>
+        <p:txBody>
+          <a:bodyPr/>
+          <a:lstStyle/>
+          <a:p>
+            <a:pPr marL="0" indent="0">
+              <a:buNone/>
+            </a:pPr>
+            <a:r>
+              <a:rPr lang="en-GB" b="1" dirty="0"/>
+              <a:t>Test </a:t>
+            </a:r>
+            <a:r>
+              <a:rPr lang="en-GB" b="1" dirty="0" err="1"/>
+              <a:t>img</a:t>
+            </a:r>
+            <a:r>
+              <a:rPr lang="en-GB" b="1" dirty="0"/>
+              <a:t> 1      Test </a:t>
+            </a:r>
+            <a:r>
+              <a:rPr lang="en-GB" b="1" dirty="0" err="1"/>
+              <a:t>img</a:t>
+            </a:r>
+            <a:r>
+              <a:rPr lang="en-GB" b="1" dirty="0"/>
+              <a:t> 2    Test </a:t>
+            </a:r>
+            <a:r>
+              <a:rPr lang="en-GB" b="1" dirty="0" err="1"/>
+              <a:t>img</a:t>
+            </a:r>
+            <a:r>
+              <a:rPr lang="en-GB" b="1" dirty="0"/>
+              <a:t> 3   Test </a:t>
+            </a:r>
+            <a:r>
+              <a:rPr lang="en-GB" b="1" dirty="0" err="1"/>
+              <a:t>img</a:t>
+            </a:r>
+            <a:r>
+              <a:rPr lang="en-GB" b="1" dirty="0"/>
+              <a:t> 4        </a:t>
+            </a:r>
+          </a:p>
+          <a:p>
+            <a:pPr marL="0" indent="0">
+              <a:buNone/>
+            </a:pPr>
+            <a:r>
+              <a:rPr lang="en-GB" dirty="0"/>
+              <a:t>[ 0.9639128    0.95709282  0.73751274  0.64533177 ]   </a:t>
+            </a:r>
+            <a:r>
+              <a:rPr lang="en-GB" b="1" dirty="0"/>
+              <a:t>0.1</a:t>
+            </a:r>
+            <a:endParaRPr lang="en-GB" dirty="0"/>
+          </a:p>
+          <a:p>
+            <a:pPr marL="0" indent="0">
+              <a:buNone/>
+            </a:pPr>
+            <a:r>
+              <a:rPr lang="en-GB" dirty="0"/>
+              <a:t>[ 0.96252755  0.95736094  0.73765037  0.64424779 ]   </a:t>
+            </a:r>
+            <a:r>
+              <a:rPr lang="en-GB" b="1" dirty="0"/>
+              <a:t>0.2</a:t>
+            </a:r>
+            <a:endParaRPr lang="en-GB" dirty="0"/>
+          </a:p>
+          <a:p>
+            <a:pPr marL="0" indent="0">
+              <a:buNone/>
+            </a:pPr>
+            <a:r>
+              <a:rPr lang="en-GB" dirty="0"/>
+              <a:t>[ 0.96129746  0.95655233  0.73788905  0.6441348   ]   </a:t>
+            </a:r>
+            <a:r>
+              <a:rPr lang="en-GB" b="1" dirty="0"/>
+              <a:t>0.3</a:t>
+            </a:r>
+            <a:endParaRPr lang="en-GB" dirty="0"/>
+          </a:p>
+          <a:p>
+            <a:pPr marL="0" indent="0">
+              <a:buNone/>
+            </a:pPr>
+            <a:r>
+              <a:rPr lang="en-GB" dirty="0"/>
+              <a:t>[ 0.97769254  0.96540763  0.96364686  0.96430213 ]   </a:t>
+            </a:r>
+            <a:r>
+              <a:rPr lang="en-GB" b="1" dirty="0"/>
+              <a:t>0.4</a:t>
+            </a:r>
+            <a:endParaRPr lang="en-GB" dirty="0"/>
+          </a:p>
+          <a:p>
+            <a:pPr marL="0" indent="0">
+              <a:buNone/>
+            </a:pPr>
+            <a:r>
+              <a:rPr lang="en-GB" dirty="0"/>
+              <a:t>[ 0.97591581  0.96595705  0.96262007  0.96375921 ]   </a:t>
+            </a:r>
+            <a:r>
+              <a:rPr lang="en-GB" b="1" dirty="0"/>
+              <a:t>0.5</a:t>
+            </a:r>
+            <a:endParaRPr lang="en-GB" dirty="0"/>
+          </a:p>
+          <a:p>
+            <a:pPr marL="0" indent="0">
+              <a:buNone/>
+            </a:pPr>
+            <a:r>
+              <a:rPr lang="en-GB" dirty="0"/>
+              <a:t>[ 0.97506083  0.96706192  0.96206937  0.96364757 ]   </a:t>
+            </a:r>
+            <a:r>
+              <a:rPr lang="en-GB" b="1" dirty="0"/>
+              <a:t>0.6</a:t>
+            </a:r>
+            <a:endParaRPr lang="en-GB" dirty="0"/>
+          </a:p>
+          <a:p>
+            <a:pPr marL="0" indent="0">
+              <a:buNone/>
+            </a:pPr>
+            <a:r>
+              <a:rPr lang="en-GB" dirty="0"/>
+              <a:t>[ 0.97238638  0.96049184  0.95776699  0.96033948 ]   </a:t>
+            </a:r>
+            <a:r>
+              <a:rPr lang="en-GB" b="1" dirty="0"/>
+              <a:t>0.7</a:t>
+            </a:r>
+            <a:endParaRPr lang="en-GB" dirty="0"/>
+          </a:p>
+          <a:p>
+            <a:pPr marL="0" indent="0">
+              <a:buNone/>
+            </a:pPr>
+            <a:r>
+              <a:rPr lang="en-GB" dirty="0"/>
+              <a:t>[ 0.9712929    0.96024279  0.95580178  0.95833333 ]   </a:t>
+            </a:r>
+            <a:r>
+              <a:rPr lang="en-GB" b="1" dirty="0"/>
+              <a:t>0.8</a:t>
+            </a:r>
+            <a:endParaRPr lang="en-GB" dirty="0"/>
+          </a:p>
+          <a:p>
+            <a:pPr marL="0" indent="0">
+              <a:buNone/>
+            </a:pPr>
+            <a:r>
+              <a:rPr lang="en-GB" dirty="0"/>
+              <a:t>[ 0.97014925  0.96012986  0.95396263  0.95819618 ]   </a:t>
+            </a:r>
+            <a:r>
+              <a:rPr lang="en-GB" b="1" dirty="0"/>
+              <a:t>0.9</a:t>
+            </a:r>
+            <a:endParaRPr lang="en-GB" dirty="0"/>
+          </a:p>
+          <a:p>
+            <a:pPr marL="0" indent="0">
+              <a:buNone/>
+            </a:pPr>
+            <a:r>
+              <a:rPr lang="en-GB" b="1" dirty="0"/>
+              <a:t>Average: </a:t>
+            </a:r>
+            <a:r>
+              <a:rPr lang="en-GB" dirty="0"/>
+              <a:t>0.9181040223071035</a:t>
+            </a:r>
+          </a:p>
+        </p:txBody>
+      </p:sp>
+    </p:spTree>
+    <p:extLst>
+      <p:ext uri="{BB962C8B-B14F-4D97-AF65-F5344CB8AC3E}">
+        <p14:creationId xmlns:p14="http://schemas.microsoft.com/office/powerpoint/2010/main" val="2432406708"/>
+      </p:ext>
+    </p:extLst>
+  </p:cSld>
+  <p:clrMapOvr>
+    <a:masterClrMapping/>
+  </p:clrMapOvr>
+  <mc:AlternateContent xmlns:mc="http://schemas.openxmlformats.org/markup-compatibility/2006" xmlns:p14="http://schemas.microsoft.com/office/powerpoint/2010/main">
+    <mc:Choice Requires="p14">
+      <p:transition spd="med" p14:dur="700">
+        <p:fade/>
+      </p:transition>
+    </mc:Choice>
+    <mc:Fallback xmlns="">
+      <p:transition spd="med">
+        <p:fade/>
+      </p:transition>
+    </mc:Fallback>
+  </mc:AlternateContent>
+</p:sld>
+</file>
+
+<file path=ppt/slides/slide14.xml><?xml version="1.0" encoding="utf-8"?>
+<p:sld xmlns:a="http://schemas.openxmlformats.org/drawingml/2006/main" xmlns:r="http://schemas.openxmlformats.org/officeDocument/2006/relationships" xmlns:p="http://schemas.openxmlformats.org/presentationml/2006/main">
+  <p:cSld>
+    <p:spTree>
+      <p:nvGrpSpPr>
+        <p:cNvPr id="1" name=""/>
+        <p:cNvGrpSpPr/>
+        <p:nvPr/>
+      </p:nvGrpSpPr>
+      <p:grpSpPr>
+        <a:xfrm>
+          <a:off x="0" y="0"/>
+          <a:ext cx="0" cy="0"/>
+          <a:chOff x="0" y="0"/>
+          <a:chExt cx="0" cy="0"/>
+        </a:xfrm>
+      </p:grpSpPr>
+      <p:sp>
+        <p:nvSpPr>
+          <p:cNvPr id="9" name="Rubrik 8">
+            <a:extLst>
+              <a:ext uri="{FF2B5EF4-FFF2-40B4-BE49-F238E27FC236}">
+                <a16:creationId xmlns:a16="http://schemas.microsoft.com/office/drawing/2014/main" id="{620A2E57-BC3E-D844-9964-DB4F1615B4F2}"/>
+              </a:ext>
+            </a:extLst>
+          </p:cNvPr>
+          <p:cNvSpPr>
+            <a:spLocks noGrp="1"/>
+          </p:cNvSpPr>
+          <p:nvPr>
+            <p:ph type="title"/>
+          </p:nvPr>
+        </p:nvSpPr>
+        <p:spPr/>
+        <p:txBody>
+          <a:bodyPr/>
+          <a:lstStyle/>
+          <a:p>
+            <a:r>
+              <a:rPr lang="sv-SE" dirty="0" err="1"/>
+              <a:t>Results</a:t>
+            </a:r>
+            <a:r>
+              <a:rPr lang="sv-SE" dirty="0"/>
+              <a:t> – </a:t>
+            </a:r>
+            <a:r>
+              <a:rPr lang="sv-SE" dirty="0" err="1"/>
+              <a:t>Prostate</a:t>
+            </a:r>
+            <a:endParaRPr lang="en-GB" dirty="0"/>
+          </a:p>
+        </p:txBody>
+      </p:sp>
+      <p:sp>
+        <p:nvSpPr>
+          <p:cNvPr id="3" name="Platshållare för datum 2">
+            <a:extLst>
+              <a:ext uri="{FF2B5EF4-FFF2-40B4-BE49-F238E27FC236}">
+                <a16:creationId xmlns:a16="http://schemas.microsoft.com/office/drawing/2014/main" id="{A92D5815-6AFC-734B-9E0C-0F2FEA63A4B4}"/>
+              </a:ext>
+            </a:extLst>
+          </p:cNvPr>
+          <p:cNvSpPr>
+            <a:spLocks noGrp="1"/>
+          </p:cNvSpPr>
+          <p:nvPr>
+            <p:ph type="dt" sz="half" idx="11"/>
+          </p:nvPr>
+        </p:nvSpPr>
+        <p:spPr/>
+        <p:txBody>
+          <a:bodyPr/>
+          <a:lstStyle/>
+          <a:p>
+            <a:fld id="{BAD82F0C-0E2A-5546-8972-AA94798A63F5}" type="datetime1">
+              <a:rPr lang="sv-SE" smtClean="0"/>
+              <a:pPr/>
+              <a:t>2020-10-30</a:t>
+            </a:fld>
+            <a:endParaRPr lang="en-GB" dirty="0"/>
+          </a:p>
+        </p:txBody>
+      </p:sp>
+      <p:sp>
+        <p:nvSpPr>
+          <p:cNvPr id="4" name="Platshållare för bildnummer 3">
+            <a:extLst>
+              <a:ext uri="{FF2B5EF4-FFF2-40B4-BE49-F238E27FC236}">
+                <a16:creationId xmlns:a16="http://schemas.microsoft.com/office/drawing/2014/main" id="{C87C319B-AA08-4D41-9648-6D635ED45949}"/>
+              </a:ext>
+            </a:extLst>
+          </p:cNvPr>
+          <p:cNvSpPr>
+            <a:spLocks noGrp="1"/>
+          </p:cNvSpPr>
+          <p:nvPr>
+            <p:ph type="sldNum" sz="quarter" idx="12"/>
+          </p:nvPr>
+        </p:nvSpPr>
+        <p:spPr/>
+        <p:txBody>
+          <a:bodyPr/>
+          <a:lstStyle/>
+          <a:p>
+            <a:fld id="{C338348D-F2D3-AB47-AE2A-1D59B1E58D64}" type="slidenum">
+              <a:rPr lang="en-GB" smtClean="0"/>
+              <a:pPr/>
+              <a:t>14</a:t>
+            </a:fld>
+            <a:endParaRPr lang="en-GB"/>
+          </a:p>
+        </p:txBody>
+      </p:sp>
+      <p:sp>
+        <p:nvSpPr>
+          <p:cNvPr id="10" name="Platshållare för innehåll 9">
+            <a:extLst>
+              <a:ext uri="{FF2B5EF4-FFF2-40B4-BE49-F238E27FC236}">
+                <a16:creationId xmlns:a16="http://schemas.microsoft.com/office/drawing/2014/main" id="{92E94E58-3F2C-E041-B4EA-A2F4BA2697CB}"/>
+              </a:ext>
+            </a:extLst>
+          </p:cNvPr>
+          <p:cNvSpPr>
+            <a:spLocks noGrp="1"/>
+          </p:cNvSpPr>
+          <p:nvPr>
+            <p:ph sz="quarter" idx="13"/>
+          </p:nvPr>
+        </p:nvSpPr>
+        <p:spPr>
+          <a:xfrm>
+            <a:off x="1664652" y="925626"/>
+            <a:ext cx="6046788" cy="2227374"/>
+          </a:xfrm>
+        </p:spPr>
+        <p:txBody>
+          <a:bodyPr/>
+          <a:lstStyle/>
+          <a:p>
+            <a:pPr marL="0" indent="0" algn="ctr">
+              <a:buNone/>
+            </a:pPr>
+            <a:r>
+              <a:rPr lang="en-US" sz="1100" dirty="0"/>
+              <a:t> </a:t>
+            </a:r>
+            <a:r>
+              <a:rPr lang="en-US" sz="1100" b="1" u="sng" dirty="0"/>
+              <a:t>Task 1</a:t>
+            </a:r>
+            <a:endParaRPr lang="en-US" sz="1100" dirty="0"/>
+          </a:p>
+          <a:p>
+            <a:pPr marL="0" indent="0">
+              <a:buNone/>
+            </a:pPr>
+            <a:r>
+              <a:rPr lang="en-US" sz="1100" dirty="0"/>
+              <a:t>[ 0.89154465  0.94723236  0.81266661  0.89447263  0.92829861  0.88936978  0.78054278 ]</a:t>
+            </a:r>
+            <a:br>
+              <a:rPr lang="en-US" sz="1100" dirty="0"/>
+            </a:br>
+            <a:r>
+              <a:rPr lang="en-US" sz="1100" dirty="0"/>
+              <a:t>[ 0.93964567  0.96457946  0.90959612  0.95527939  0.95736155  0.96386504  0.94889747 ]</a:t>
+            </a:r>
+            <a:br>
+              <a:rPr lang="en-US" sz="1100" dirty="0"/>
+            </a:br>
+            <a:r>
+              <a:rPr lang="en-US" sz="1100" dirty="0"/>
+              <a:t>[ 0.95871993  0.96987709  0.92675734  0.96313586  0.95662669  0.96633685  0.94807999 ]</a:t>
+            </a:r>
+            <a:br>
+              <a:rPr lang="en-US" sz="1100" dirty="0"/>
+            </a:br>
+            <a:r>
+              <a:rPr lang="en-US" sz="1100" dirty="0"/>
+              <a:t>[ 0.96242351  0.959739      0.92642392  0.96279135  0.95650054  0.96344419  0.87097812 ]</a:t>
+            </a:r>
+            <a:br>
+              <a:rPr lang="en-US" sz="1100" dirty="0"/>
+            </a:br>
+            <a:r>
+              <a:rPr lang="en-US" sz="1100" dirty="0"/>
+              <a:t>[ 0.96890844  0.96544713  0.93120324  0.96842337  0.95631272  0.95907846  0.86629111 ]</a:t>
+            </a:r>
+            <a:br>
+              <a:rPr lang="en-US" sz="1100" dirty="0"/>
+            </a:br>
+            <a:r>
+              <a:rPr lang="en-US" sz="1100" dirty="0"/>
+              <a:t>[ 0.96162291  0.96799011  0.92245602  0.97398068  0.96332147  0.96358298  0.84760776 ]</a:t>
+            </a:r>
+            <a:br>
+              <a:rPr lang="en-US" sz="1100" dirty="0"/>
+            </a:br>
+            <a:r>
+              <a:rPr lang="en-US" sz="1100" dirty="0"/>
+              <a:t>[ 0.95710134  0.9615261    0.89936413  0.96957023  0.93307398  0.95144645  0.82347221 ]</a:t>
+            </a:r>
+            <a:br>
+              <a:rPr lang="en-US" sz="1100" dirty="0"/>
+            </a:br>
+            <a:r>
+              <a:rPr lang="en-US" sz="1100" dirty="0"/>
+              <a:t>[ 0.96334524  0.96689257  0.90343472  0.97419719  0.92715897  0.94723186  0.80882858 ]</a:t>
+            </a:r>
+            <a:br>
+              <a:rPr lang="en-US" sz="1100" dirty="0"/>
+            </a:br>
+            <a:r>
+              <a:rPr lang="en-US" sz="1100" dirty="0"/>
+              <a:t>[ 0.94926557  0.94512048  0.89762388  0.94413624  0.90673369  0.92561418  0.71532633 ]</a:t>
+            </a:r>
+            <a:br>
+              <a:rPr lang="en-US" sz="1100" dirty="0"/>
+            </a:br>
+            <a:r>
+              <a:rPr lang="en-US" sz="1100" dirty="0"/>
+              <a:t>		</a:t>
+            </a:r>
+            <a:br>
+              <a:rPr lang="en-US" sz="1100" dirty="0"/>
+            </a:br>
+            <a:r>
+              <a:rPr lang="en-US" sz="1100" b="1" dirty="0"/>
+              <a:t>Average: </a:t>
+            </a:r>
+            <a:r>
+              <a:rPr lang="en-US" sz="1100" dirty="0"/>
+              <a:t>0.9295536010084651</a:t>
+            </a:r>
+            <a:endParaRPr lang="en-GB" sz="1100" dirty="0"/>
+          </a:p>
+        </p:txBody>
+      </p:sp>
+      <p:sp>
+        <p:nvSpPr>
+          <p:cNvPr id="5" name="Platshållare för innehåll 4">
+            <a:extLst>
+              <a:ext uri="{FF2B5EF4-FFF2-40B4-BE49-F238E27FC236}">
+                <a16:creationId xmlns:a16="http://schemas.microsoft.com/office/drawing/2014/main" id="{C983ADBF-605D-4773-8F44-320C06123F83}"/>
+              </a:ext>
+            </a:extLst>
+          </p:cNvPr>
+          <p:cNvSpPr>
+            <a:spLocks noGrp="1"/>
+          </p:cNvSpPr>
+          <p:nvPr>
+            <p:ph sz="quarter" idx="14"/>
+          </p:nvPr>
+        </p:nvSpPr>
+        <p:spPr>
+          <a:xfrm>
+            <a:off x="1664652" y="2847214"/>
+            <a:ext cx="6046788" cy="2219779"/>
+          </a:xfrm>
+        </p:spPr>
+        <p:txBody>
+          <a:bodyPr/>
+          <a:lstStyle/>
+          <a:p>
+            <a:pPr marL="0" indent="0" algn="ctr">
+              <a:buNone/>
+            </a:pPr>
+            <a:r>
+              <a:rPr lang="en-US" sz="1100" dirty="0"/>
+              <a:t> </a:t>
+            </a:r>
+            <a:r>
+              <a:rPr lang="en-US" sz="1100" b="1" u="sng" dirty="0"/>
+              <a:t>Task 2</a:t>
+            </a:r>
+            <a:endParaRPr lang="en-US" sz="1100" dirty="0"/>
+          </a:p>
+          <a:p>
+            <a:pPr marL="0" indent="0">
+              <a:buNone/>
+            </a:pPr>
+            <a:r>
+              <a:rPr lang="en-US" sz="1100" dirty="0"/>
+              <a:t>[ 0.75798471  0.95817479  0.77040663  0.87990698  0.87248782  0.88249926  0.7866023   ]</a:t>
+            </a:r>
+            <a:br>
+              <a:rPr lang="en-US" sz="1100" dirty="0"/>
+            </a:br>
+            <a:r>
+              <a:rPr lang="en-US" sz="1100" dirty="0"/>
+              <a:t>[ 0.90858806  0.9789827    0.93387194  0.94092756  0.93291905  0.94537668  0.93718464 ]</a:t>
+            </a:r>
+            <a:br>
+              <a:rPr lang="en-US" sz="1100" dirty="0"/>
+            </a:br>
+            <a:r>
+              <a:rPr lang="en-US" sz="1100" dirty="0"/>
+              <a:t>[ 0.90777693  0.97953513  0.93340709  0.9413741    0.93209266  0.94416739  0.93780369 ]</a:t>
+            </a:r>
+            <a:br>
+              <a:rPr lang="en-US" sz="1100" dirty="0"/>
+            </a:br>
+            <a:r>
+              <a:rPr lang="en-US" sz="1100" dirty="0"/>
+              <a:t>[ 0.91865751  0.96592953  0.93827918  0.94052773  0.92996455  0.94208232  0.93552092 ]</a:t>
+            </a:r>
+            <a:br>
+              <a:rPr lang="en-US" sz="1100" dirty="0"/>
+            </a:br>
+            <a:r>
+              <a:rPr lang="en-US" sz="1100" dirty="0"/>
+              <a:t>[ 0.91433601  0.96733447  0.93654994  0.93859891  0.92659903  0.93875028  0.93083976 ]</a:t>
+            </a:r>
+            <a:br>
+              <a:rPr lang="en-US" sz="1100" dirty="0"/>
+            </a:br>
+            <a:r>
+              <a:rPr lang="en-US" sz="1100" dirty="0"/>
+              <a:t>[ 0.90950532  0.96341247  0.93122939  0.94107498  0.89879499  0.93641381  0.93199513 ]</a:t>
+            </a:r>
+            <a:br>
+              <a:rPr lang="en-US" sz="1100" dirty="0"/>
+            </a:br>
+            <a:r>
+              <a:rPr lang="en-US" sz="1100" dirty="0"/>
+              <a:t>[ 0.91287346  0.94477377  0.90148465  0.91467227  0.85209127  0.90066225  0.92044135 ]</a:t>
+            </a:r>
+            <a:br>
+              <a:rPr lang="en-US" sz="1100" dirty="0"/>
+            </a:br>
+            <a:r>
+              <a:rPr lang="en-US" sz="1100" dirty="0"/>
+              <a:t>[ 0.91085759  0.94460246  0.90073007  0.91276032  0.85053363  0.89753014  0.92135582 ]</a:t>
+            </a:r>
+            <a:br>
+              <a:rPr lang="en-US" sz="1100" dirty="0"/>
+            </a:br>
+            <a:r>
+              <a:rPr lang="en-US" sz="1100" dirty="0"/>
+              <a:t>[ 0.90852889  0.63265835  0.8132334    0.87916822  0.81273796  0.84976621  0.89232237 ]</a:t>
+            </a:r>
+            <a:br>
+              <a:rPr lang="en-US" sz="1100" dirty="0"/>
+            </a:br>
+            <a:r>
+              <a:rPr lang="en-US" sz="1100" dirty="0"/>
+              <a:t>              </a:t>
+            </a:r>
+            <a:br>
+              <a:rPr lang="en-US" sz="1100" dirty="0"/>
+            </a:br>
+            <a:r>
+              <a:rPr lang="en-US" sz="1100" b="1" dirty="0"/>
+              <a:t>Average: </a:t>
+            </a:r>
+            <a:r>
+              <a:rPr lang="en-US" sz="1100" dirty="0"/>
+              <a:t>0.9074960445007931</a:t>
+            </a:r>
+          </a:p>
+          <a:p>
+            <a:endParaRPr lang="sv-SE" dirty="0"/>
+          </a:p>
+        </p:txBody>
+      </p:sp>
+    </p:spTree>
+    <p:extLst>
+      <p:ext uri="{BB962C8B-B14F-4D97-AF65-F5344CB8AC3E}">
+        <p14:creationId xmlns:p14="http://schemas.microsoft.com/office/powerpoint/2010/main" val="2169209795"/>
+      </p:ext>
+    </p:extLst>
+  </p:cSld>
+  <p:clrMapOvr>
+    <a:masterClrMapping/>
+  </p:clrMapOvr>
+  <mc:AlternateContent xmlns:mc="http://schemas.openxmlformats.org/markup-compatibility/2006" xmlns:p14="http://schemas.microsoft.com/office/powerpoint/2010/main">
+    <mc:Choice Requires="p14">
+      <p:transition spd="med" p14:dur="700">
+        <p:fade/>
+      </p:transition>
+    </mc:Choice>
+    <mc:Fallback xmlns="">
+      <p:transition spd="med">
+        <p:fade/>
+      </p:transition>
+    </mc:Fallback>
+  </mc:AlternateContent>
+</p:sld>
+</file>
+
+<file path=ppt/slides/slide15.xml><?xml version="1.0" encoding="utf-8"?>
+<p:sld xmlns:a="http://schemas.openxmlformats.org/drawingml/2006/main" xmlns:r="http://schemas.openxmlformats.org/officeDocument/2006/relationships" xmlns:p="http://schemas.openxmlformats.org/presentationml/2006/main">
+  <p:cSld>
+    <p:spTree>
+      <p:nvGrpSpPr>
+        <p:cNvPr id="1" name=""/>
+        <p:cNvGrpSpPr/>
+        <p:nvPr/>
+      </p:nvGrpSpPr>
+      <p:grpSpPr>
+        <a:xfrm>
+          <a:off x="0" y="0"/>
+          <a:ext cx="0" cy="0"/>
+          <a:chOff x="0" y="0"/>
+          <a:chExt cx="0" cy="0"/>
+        </a:xfrm>
+      </p:grpSpPr>
+      <p:sp>
+        <p:nvSpPr>
+          <p:cNvPr id="9" name="Rubrik 8">
+            <a:extLst>
+              <a:ext uri="{FF2B5EF4-FFF2-40B4-BE49-F238E27FC236}">
+                <a16:creationId xmlns:a16="http://schemas.microsoft.com/office/drawing/2014/main" id="{620A2E57-BC3E-D844-9964-DB4F1615B4F2}"/>
+              </a:ext>
+            </a:extLst>
+          </p:cNvPr>
+          <p:cNvSpPr>
+            <a:spLocks noGrp="1"/>
+          </p:cNvSpPr>
+          <p:nvPr>
+            <p:ph type="title"/>
+          </p:nvPr>
+        </p:nvSpPr>
+        <p:spPr/>
+        <p:txBody>
+          <a:bodyPr/>
+          <a:lstStyle/>
+          <a:p>
+            <a:r>
+              <a:rPr lang="sv-SE" dirty="0" err="1"/>
+              <a:t>Evaluation</a:t>
+            </a:r>
+            <a:endParaRPr lang="en-GB" dirty="0"/>
+          </a:p>
+        </p:txBody>
+      </p:sp>
+      <p:sp>
+        <p:nvSpPr>
+          <p:cNvPr id="3" name="Platshållare för datum 2">
+            <a:extLst>
+              <a:ext uri="{FF2B5EF4-FFF2-40B4-BE49-F238E27FC236}">
+                <a16:creationId xmlns:a16="http://schemas.microsoft.com/office/drawing/2014/main" id="{A92D5815-6AFC-734B-9E0C-0F2FEA63A4B4}"/>
+              </a:ext>
+            </a:extLst>
+          </p:cNvPr>
+          <p:cNvSpPr>
+            <a:spLocks noGrp="1"/>
+          </p:cNvSpPr>
+          <p:nvPr>
+            <p:ph type="dt" sz="half" idx="11"/>
+          </p:nvPr>
+        </p:nvSpPr>
+        <p:spPr/>
+        <p:txBody>
+          <a:bodyPr/>
+          <a:lstStyle/>
+          <a:p>
+            <a:fld id="{BAD82F0C-0E2A-5546-8972-AA94798A63F5}" type="datetime1">
+              <a:rPr lang="sv-SE" smtClean="0"/>
+              <a:pPr/>
+              <a:t>2020-10-30</a:t>
+            </a:fld>
+            <a:endParaRPr lang="en-GB" dirty="0"/>
+          </a:p>
+        </p:txBody>
+      </p:sp>
+      <p:sp>
+        <p:nvSpPr>
+          <p:cNvPr id="4" name="Platshållare för bildnummer 3">
+            <a:extLst>
+              <a:ext uri="{FF2B5EF4-FFF2-40B4-BE49-F238E27FC236}">
+                <a16:creationId xmlns:a16="http://schemas.microsoft.com/office/drawing/2014/main" id="{C87C319B-AA08-4D41-9648-6D635ED45949}"/>
+              </a:ext>
+            </a:extLst>
+          </p:cNvPr>
+          <p:cNvSpPr>
+            <a:spLocks noGrp="1"/>
+          </p:cNvSpPr>
+          <p:nvPr>
+            <p:ph type="sldNum" sz="quarter" idx="12"/>
+          </p:nvPr>
+        </p:nvSpPr>
+        <p:spPr/>
+        <p:txBody>
+          <a:bodyPr/>
+          <a:lstStyle/>
+          <a:p>
+            <a:fld id="{C338348D-F2D3-AB47-AE2A-1D59B1E58D64}" type="slidenum">
+              <a:rPr lang="en-GB" smtClean="0"/>
+              <a:pPr/>
+              <a:t>15</a:t>
+            </a:fld>
+            <a:endParaRPr lang="en-GB"/>
+          </a:p>
+        </p:txBody>
+      </p:sp>
+      <p:pic>
+        <p:nvPicPr>
+          <p:cNvPr id="6" name="Platshållare för innehåll 5">
+            <a:extLst>
+              <a:ext uri="{FF2B5EF4-FFF2-40B4-BE49-F238E27FC236}">
+                <a16:creationId xmlns:a16="http://schemas.microsoft.com/office/drawing/2014/main" id="{CF0217D5-9390-45D3-BB84-32C3F7355411}"/>
+              </a:ext>
+            </a:extLst>
+          </p:cNvPr>
+          <p:cNvPicPr>
+            <a:picLocks noGrp="1" noChangeAspect="1"/>
+          </p:cNvPicPr>
+          <p:nvPr>
+            <p:ph sz="quarter" idx="13"/>
+          </p:nvPr>
+        </p:nvPicPr>
+        <p:blipFill>
+          <a:blip r:embed="rId3"/>
+          <a:stretch>
+            <a:fillRect/>
+          </a:stretch>
+        </p:blipFill>
+        <p:spPr>
+          <a:xfrm>
+            <a:off x="250825" y="1301229"/>
+            <a:ext cx="8362495" cy="2090623"/>
+          </a:xfrm>
+        </p:spPr>
+      </p:pic>
+      <p:graphicFrame>
+        <p:nvGraphicFramePr>
+          <p:cNvPr id="7" name="Tabell 7">
+            <a:extLst>
+              <a:ext uri="{FF2B5EF4-FFF2-40B4-BE49-F238E27FC236}">
+                <a16:creationId xmlns:a16="http://schemas.microsoft.com/office/drawing/2014/main" id="{221538D4-069C-43C7-86AB-0DE790DA7E2B}"/>
+              </a:ext>
+            </a:extLst>
+          </p:cNvPr>
+          <p:cNvGraphicFramePr>
+            <a:graphicFrameLocks noGrp="1"/>
+          </p:cNvGraphicFramePr>
+          <p:nvPr>
+            <p:ph sz="quarter" idx="14"/>
+            <p:extLst>
+              <p:ext uri="{D42A27DB-BD31-4B8C-83A1-F6EECF244321}">
+                <p14:modId xmlns:p14="http://schemas.microsoft.com/office/powerpoint/2010/main" val="1291193606"/>
+              </p:ext>
+            </p:extLst>
+          </p:nvPr>
+        </p:nvGraphicFramePr>
+        <p:xfrm>
+          <a:off x="2550160" y="3406288"/>
+          <a:ext cx="6063160" cy="370840"/>
+        </p:xfrm>
+        <a:graphic>
+          <a:graphicData uri="http://schemas.openxmlformats.org/drawingml/2006/table">
+            <a:tbl>
+              <a:tblPr firstRow="1" bandRow="1">
+                <a:tableStyleId>{5C22544A-7EE6-4342-B048-85BDC9FD1C3A}</a:tableStyleId>
+              </a:tblPr>
+              <a:tblGrid>
+                <a:gridCol w="757895">
+                  <a:extLst>
+                    <a:ext uri="{9D8B030D-6E8A-4147-A177-3AD203B41FA5}">
+                      <a16:colId xmlns:a16="http://schemas.microsoft.com/office/drawing/2014/main" val="2632776698"/>
+                    </a:ext>
+                  </a:extLst>
+                </a:gridCol>
+                <a:gridCol w="694985">
+                  <a:extLst>
+                    <a:ext uri="{9D8B030D-6E8A-4147-A177-3AD203B41FA5}">
+                      <a16:colId xmlns:a16="http://schemas.microsoft.com/office/drawing/2014/main" val="3111625199"/>
+                    </a:ext>
+                  </a:extLst>
+                </a:gridCol>
+                <a:gridCol w="751840">
+                  <a:extLst>
+                    <a:ext uri="{9D8B030D-6E8A-4147-A177-3AD203B41FA5}">
+                      <a16:colId xmlns:a16="http://schemas.microsoft.com/office/drawing/2014/main" val="2372057541"/>
+                    </a:ext>
+                  </a:extLst>
+                </a:gridCol>
+                <a:gridCol w="751840">
+                  <a:extLst>
+                    <a:ext uri="{9D8B030D-6E8A-4147-A177-3AD203B41FA5}">
+                      <a16:colId xmlns:a16="http://schemas.microsoft.com/office/drawing/2014/main" val="1381140191"/>
+                    </a:ext>
+                  </a:extLst>
+                </a:gridCol>
+                <a:gridCol w="762000">
+                  <a:extLst>
+                    <a:ext uri="{9D8B030D-6E8A-4147-A177-3AD203B41FA5}">
+                      <a16:colId xmlns:a16="http://schemas.microsoft.com/office/drawing/2014/main" val="1894951198"/>
+                    </a:ext>
+                  </a:extLst>
+                </a:gridCol>
+                <a:gridCol w="721360">
+                  <a:extLst>
+                    <a:ext uri="{9D8B030D-6E8A-4147-A177-3AD203B41FA5}">
+                      <a16:colId xmlns:a16="http://schemas.microsoft.com/office/drawing/2014/main" val="4037419617"/>
+                    </a:ext>
+                  </a:extLst>
+                </a:gridCol>
+                <a:gridCol w="731520">
+                  <a:extLst>
+                    <a:ext uri="{9D8B030D-6E8A-4147-A177-3AD203B41FA5}">
+                      <a16:colId xmlns:a16="http://schemas.microsoft.com/office/drawing/2014/main" val="2762870675"/>
+                    </a:ext>
+                  </a:extLst>
+                </a:gridCol>
+                <a:gridCol w="891720">
+                  <a:extLst>
+                    <a:ext uri="{9D8B030D-6E8A-4147-A177-3AD203B41FA5}">
+                      <a16:colId xmlns:a16="http://schemas.microsoft.com/office/drawing/2014/main" val="1786545859"/>
+                    </a:ext>
+                  </a:extLst>
+                </a:gridCol>
+              </a:tblGrid>
+              <a:tr h="370840">
+                <a:tc>
+                  <a:txBody>
+                    <a:bodyPr/>
+                    <a:lstStyle/>
+                    <a:p>
+                      <a:pPr algn="ctr"/>
+                      <a:r>
+                        <a:rPr lang="sv-SE" sz="1200" b="0" dirty="0">
+                          <a:solidFill>
+                            <a:schemeClr val="tx1"/>
+                          </a:solidFill>
+                        </a:rPr>
+                        <a:t>0.864</a:t>
+                      </a:r>
+                    </a:p>
+                  </a:txBody>
+                  <a:tcPr>
+                    <a:lnL w="12700" cap="flat" cmpd="sng" algn="ctr">
+                      <a:solidFill>
+                        <a:schemeClr val="tx1"/>
+                      </a:solidFill>
+                      <a:prstDash val="solid"/>
+                      <a:round/>
+                      <a:headEnd type="none" w="med" len="med"/>
+                      <a:tailEnd type="none" w="med" len="med"/>
+                    </a:lnL>
+                    <a:lnR w="12700" cap="flat" cmpd="sng" algn="ctr">
+                      <a:solidFill>
+                        <a:schemeClr val="tx1"/>
+                      </a:solidFill>
+                      <a:prstDash val="solid"/>
+                      <a:round/>
+                      <a:headEnd type="none" w="med" len="med"/>
+                      <a:tailEnd type="none" w="med" len="med"/>
+                    </a:lnR>
+                    <a:lnT w="12700" cap="flat" cmpd="sng" algn="ctr">
+                      <a:solidFill>
+                        <a:schemeClr val="tx1"/>
+                      </a:solidFill>
+                      <a:prstDash val="solid"/>
+                      <a:round/>
+                      <a:headEnd type="none" w="med" len="med"/>
+                      <a:tailEnd type="none" w="med" len="med"/>
+                    </a:lnT>
+                    <a:lnB w="12700" cap="flat" cmpd="sng" algn="ctr">
+                      <a:solidFill>
+                        <a:schemeClr val="tx1"/>
+                      </a:solidFill>
+                      <a:prstDash val="solid"/>
+                      <a:round/>
+                      <a:headEnd type="none" w="med" len="med"/>
+                      <a:tailEnd type="none" w="med" len="med"/>
+                    </a:lnB>
+                    <a:lnTlToBr w="12700" cmpd="sng">
+                      <a:noFill/>
+                      <a:prstDash val="solid"/>
+                    </a:lnTlToBr>
+                    <a:lnBlToTr w="12700" cmpd="sng">
+                      <a:noFill/>
+                      <a:prstDash val="solid"/>
+                    </a:lnBlToTr>
+                    <a:solidFill>
+                      <a:schemeClr val="bg1"/>
+                    </a:solidFill>
+                  </a:tcPr>
+                </a:tc>
+                <a:tc>
+                  <a:txBody>
+                    <a:bodyPr/>
+                    <a:lstStyle/>
+                    <a:p>
+                      <a:pPr algn="ctr"/>
+                      <a:r>
+                        <a:rPr lang="sv-SE" sz="1200" b="0" dirty="0">
+                          <a:solidFill>
+                            <a:schemeClr val="tx1"/>
+                          </a:solidFill>
+                        </a:rPr>
+                        <a:t>0.9034</a:t>
+                      </a:r>
+                    </a:p>
+                  </a:txBody>
+                  <a:tcPr>
+                    <a:lnL w="12700" cap="flat" cmpd="sng" algn="ctr">
+                      <a:solidFill>
+                        <a:schemeClr val="tx1"/>
+                      </a:solidFill>
+                      <a:prstDash val="solid"/>
+                      <a:round/>
+                      <a:headEnd type="none" w="med" len="med"/>
+                      <a:tailEnd type="none" w="med" len="med"/>
+                    </a:lnL>
+                    <a:lnR w="12700" cap="flat" cmpd="sng" algn="ctr">
+                      <a:solidFill>
+                        <a:schemeClr val="tx1"/>
+                      </a:solidFill>
+                      <a:prstDash val="solid"/>
+                      <a:round/>
+                      <a:headEnd type="none" w="med" len="med"/>
+                      <a:tailEnd type="none" w="med" len="med"/>
+                    </a:lnR>
+                    <a:lnT w="12700" cap="flat" cmpd="sng" algn="ctr">
+                      <a:solidFill>
+                        <a:schemeClr val="tx1"/>
+                      </a:solidFill>
+                      <a:prstDash val="solid"/>
+                      <a:round/>
+                      <a:headEnd type="none" w="med" len="med"/>
+                      <a:tailEnd type="none" w="med" len="med"/>
+                    </a:lnT>
+                    <a:lnB w="12700" cap="flat" cmpd="sng" algn="ctr">
+                      <a:solidFill>
+                        <a:schemeClr val="tx1"/>
+                      </a:solidFill>
+                      <a:prstDash val="solid"/>
+                      <a:round/>
+                      <a:headEnd type="none" w="med" len="med"/>
+                      <a:tailEnd type="none" w="med" len="med"/>
+                    </a:lnB>
+                    <a:lnTlToBr w="12700" cmpd="sng">
+                      <a:noFill/>
+                      <a:prstDash val="solid"/>
+                    </a:lnTlToBr>
+                    <a:lnBlToTr w="12700" cmpd="sng">
+                      <a:noFill/>
+                      <a:prstDash val="solid"/>
+                    </a:lnBlToTr>
+                    <a:solidFill>
+                      <a:schemeClr val="bg1"/>
+                    </a:solidFill>
+                  </a:tcPr>
+                </a:tc>
+                <a:tc>
+                  <a:txBody>
+                    <a:bodyPr/>
+                    <a:lstStyle/>
+                    <a:p>
+                      <a:pPr algn="ctr"/>
+                      <a:r>
+                        <a:rPr lang="sv-SE" sz="1200" b="0" dirty="0">
+                          <a:solidFill>
+                            <a:schemeClr val="tx1"/>
+                          </a:solidFill>
+                        </a:rPr>
+                        <a:t>0.8547</a:t>
+                      </a:r>
+                    </a:p>
+                  </a:txBody>
+                  <a:tcPr>
+                    <a:lnL w="12700" cap="flat" cmpd="sng" algn="ctr">
+                      <a:solidFill>
+                        <a:schemeClr val="tx1"/>
+                      </a:solidFill>
+                      <a:prstDash val="solid"/>
+                      <a:round/>
+                      <a:headEnd type="none" w="med" len="med"/>
+                      <a:tailEnd type="none" w="med" len="med"/>
+                    </a:lnL>
+                    <a:lnR w="12700" cap="flat" cmpd="sng" algn="ctr">
+                      <a:solidFill>
+                        <a:schemeClr val="tx1"/>
+                      </a:solidFill>
+                      <a:prstDash val="solid"/>
+                      <a:round/>
+                      <a:headEnd type="none" w="med" len="med"/>
+                      <a:tailEnd type="none" w="med" len="med"/>
+                    </a:lnR>
+                    <a:lnT w="12700" cap="flat" cmpd="sng" algn="ctr">
+                      <a:solidFill>
+                        <a:schemeClr val="tx1"/>
+                      </a:solidFill>
+                      <a:prstDash val="solid"/>
+                      <a:round/>
+                      <a:headEnd type="none" w="med" len="med"/>
+                      <a:tailEnd type="none" w="med" len="med"/>
+                    </a:lnT>
+                    <a:lnB w="12700" cap="flat" cmpd="sng" algn="ctr">
+                      <a:solidFill>
+                        <a:schemeClr val="tx1"/>
+                      </a:solidFill>
+                      <a:prstDash val="solid"/>
+                      <a:round/>
+                      <a:headEnd type="none" w="med" len="med"/>
+                      <a:tailEnd type="none" w="med" len="med"/>
+                    </a:lnB>
+                    <a:lnTlToBr w="12700" cmpd="sng">
+                      <a:noFill/>
+                      <a:prstDash val="solid"/>
+                    </a:lnTlToBr>
+                    <a:lnBlToTr w="12700" cmpd="sng">
+                      <a:noFill/>
+                      <a:prstDash val="solid"/>
+                    </a:lnBlToTr>
+                    <a:solidFill>
+                      <a:schemeClr val="bg1"/>
+                    </a:solidFill>
+                  </a:tcPr>
+                </a:tc>
+                <a:tc>
+                  <a:txBody>
+                    <a:bodyPr/>
+                    <a:lstStyle/>
+                    <a:p>
+                      <a:pPr algn="ctr"/>
+                      <a:r>
+                        <a:rPr lang="sv-SE" sz="1200" b="0" dirty="0">
+                          <a:solidFill>
+                            <a:schemeClr val="tx1"/>
+                          </a:solidFill>
+                        </a:rPr>
+                        <a:t>0.7781</a:t>
+                      </a:r>
+                    </a:p>
+                  </a:txBody>
+                  <a:tcPr>
+                    <a:lnL w="12700" cap="flat" cmpd="sng" algn="ctr">
+                      <a:solidFill>
+                        <a:schemeClr val="tx1"/>
+                      </a:solidFill>
+                      <a:prstDash val="solid"/>
+                      <a:round/>
+                      <a:headEnd type="none" w="med" len="med"/>
+                      <a:tailEnd type="none" w="med" len="med"/>
+                    </a:lnL>
+                    <a:lnR w="12700" cap="flat" cmpd="sng" algn="ctr">
+                      <a:solidFill>
+                        <a:schemeClr val="tx1"/>
+                      </a:solidFill>
+                      <a:prstDash val="solid"/>
+                      <a:round/>
+                      <a:headEnd type="none" w="med" len="med"/>
+                      <a:tailEnd type="none" w="med" len="med"/>
+                    </a:lnR>
+                    <a:lnT w="12700" cap="flat" cmpd="sng" algn="ctr">
+                      <a:solidFill>
+                        <a:schemeClr val="tx1"/>
+                      </a:solidFill>
+                      <a:prstDash val="solid"/>
+                      <a:round/>
+                      <a:headEnd type="none" w="med" len="med"/>
+                      <a:tailEnd type="none" w="med" len="med"/>
+                    </a:lnT>
+                    <a:lnB w="12700" cap="flat" cmpd="sng" algn="ctr">
+                      <a:solidFill>
+                        <a:schemeClr val="tx1"/>
+                      </a:solidFill>
+                      <a:prstDash val="solid"/>
+                      <a:round/>
+                      <a:headEnd type="none" w="med" len="med"/>
+                      <a:tailEnd type="none" w="med" len="med"/>
+                    </a:lnB>
+                    <a:lnTlToBr w="12700" cmpd="sng">
+                      <a:noFill/>
+                      <a:prstDash val="solid"/>
+                    </a:lnTlToBr>
+                    <a:lnBlToTr w="12700" cmpd="sng">
+                      <a:noFill/>
+                      <a:prstDash val="solid"/>
+                    </a:lnBlToTr>
+                    <a:solidFill>
+                      <a:schemeClr val="bg1"/>
+                    </a:solidFill>
+                  </a:tcPr>
+                </a:tc>
+                <a:tc>
+                  <a:txBody>
+                    <a:bodyPr/>
+                    <a:lstStyle/>
+                    <a:p>
+                      <a:pPr algn="ctr"/>
+                      <a:r>
+                        <a:rPr lang="sv-SE" sz="1200" b="0" dirty="0">
+                          <a:solidFill>
+                            <a:schemeClr val="tx1"/>
+                          </a:solidFill>
+                        </a:rPr>
+                        <a:t>0.7566</a:t>
+                      </a:r>
+                    </a:p>
+                  </a:txBody>
+                  <a:tcPr>
+                    <a:lnL w="12700" cap="flat" cmpd="sng" algn="ctr">
+                      <a:solidFill>
+                        <a:schemeClr val="tx1"/>
+                      </a:solidFill>
+                      <a:prstDash val="solid"/>
+                      <a:round/>
+                      <a:headEnd type="none" w="med" len="med"/>
+                      <a:tailEnd type="none" w="med" len="med"/>
+                    </a:lnL>
+                    <a:lnR w="12700" cap="flat" cmpd="sng" algn="ctr">
+                      <a:solidFill>
+                        <a:schemeClr val="tx1"/>
+                      </a:solidFill>
+                      <a:prstDash val="solid"/>
+                      <a:round/>
+                      <a:headEnd type="none" w="med" len="med"/>
+                      <a:tailEnd type="none" w="med" len="med"/>
+                    </a:lnR>
+                    <a:lnT w="12700" cap="flat" cmpd="sng" algn="ctr">
+                      <a:solidFill>
+                        <a:schemeClr val="tx1"/>
+                      </a:solidFill>
+                      <a:prstDash val="solid"/>
+                      <a:round/>
+                      <a:headEnd type="none" w="med" len="med"/>
+                      <a:tailEnd type="none" w="med" len="med"/>
+                    </a:lnT>
+                    <a:lnB w="12700" cap="flat" cmpd="sng" algn="ctr">
+                      <a:solidFill>
+                        <a:schemeClr val="tx1"/>
+                      </a:solidFill>
+                      <a:prstDash val="solid"/>
+                      <a:round/>
+                      <a:headEnd type="none" w="med" len="med"/>
+                      <a:tailEnd type="none" w="med" len="med"/>
+                    </a:lnB>
+                    <a:lnTlToBr w="12700" cmpd="sng">
+                      <a:noFill/>
+                      <a:prstDash val="solid"/>
+                    </a:lnTlToBr>
+                    <a:lnBlToTr w="12700" cmpd="sng">
+                      <a:noFill/>
+                      <a:prstDash val="solid"/>
+                    </a:lnBlToTr>
+                    <a:solidFill>
+                      <a:schemeClr val="bg1"/>
+                    </a:solidFill>
+                  </a:tcPr>
+                </a:tc>
+                <a:tc>
+                  <a:txBody>
+                    <a:bodyPr/>
+                    <a:lstStyle/>
+                    <a:p>
+                      <a:pPr algn="ctr"/>
+                      <a:r>
+                        <a:rPr lang="sv-SE" sz="1200" b="0" dirty="0">
+                          <a:solidFill>
+                            <a:schemeClr val="tx1"/>
+                          </a:solidFill>
+                        </a:rPr>
+                        <a:t>0.9181</a:t>
+                      </a:r>
+                    </a:p>
+                  </a:txBody>
+                  <a:tcPr>
+                    <a:lnL w="12700" cap="flat" cmpd="sng" algn="ctr">
+                      <a:solidFill>
+                        <a:schemeClr val="tx1"/>
+                      </a:solidFill>
+                      <a:prstDash val="solid"/>
+                      <a:round/>
+                      <a:headEnd type="none" w="med" len="med"/>
+                      <a:tailEnd type="none" w="med" len="med"/>
+                    </a:lnL>
+                    <a:lnR w="12700" cap="flat" cmpd="sng" algn="ctr">
+                      <a:solidFill>
+                        <a:schemeClr val="tx1"/>
+                      </a:solidFill>
+                      <a:prstDash val="solid"/>
+                      <a:round/>
+                      <a:headEnd type="none" w="med" len="med"/>
+                      <a:tailEnd type="none" w="med" len="med"/>
+                    </a:lnR>
+                    <a:lnT w="12700" cap="flat" cmpd="sng" algn="ctr">
+                      <a:solidFill>
+                        <a:schemeClr val="tx1"/>
+                      </a:solidFill>
+                      <a:prstDash val="solid"/>
+                      <a:round/>
+                      <a:headEnd type="none" w="med" len="med"/>
+                      <a:tailEnd type="none" w="med" len="med"/>
+                    </a:lnT>
+                    <a:lnB w="12700" cap="flat" cmpd="sng" algn="ctr">
+                      <a:solidFill>
+                        <a:schemeClr val="tx1"/>
+                      </a:solidFill>
+                      <a:prstDash val="solid"/>
+                      <a:round/>
+                      <a:headEnd type="none" w="med" len="med"/>
+                      <a:tailEnd type="none" w="med" len="med"/>
+                    </a:lnB>
+                    <a:lnTlToBr w="12700" cmpd="sng">
+                      <a:noFill/>
+                      <a:prstDash val="solid"/>
+                    </a:lnTlToBr>
+                    <a:lnBlToTr w="12700" cmpd="sng">
+                      <a:noFill/>
+                      <a:prstDash val="solid"/>
+                    </a:lnBlToTr>
+                    <a:solidFill>
+                      <a:schemeClr val="bg1"/>
+                    </a:solidFill>
+                  </a:tcPr>
+                </a:tc>
+                <a:tc>
+                  <a:txBody>
+                    <a:bodyPr/>
+                    <a:lstStyle/>
+                    <a:p>
+                      <a:pPr algn="ctr"/>
+                      <a:r>
+                        <a:rPr lang="sv-SE" sz="1200" b="0" dirty="0">
+                          <a:solidFill>
+                            <a:schemeClr val="tx1"/>
+                          </a:solidFill>
+                        </a:rPr>
+                        <a:t>0.9296</a:t>
+                      </a:r>
+                    </a:p>
+                  </a:txBody>
+                  <a:tcPr>
+                    <a:lnL w="12700" cap="flat" cmpd="sng" algn="ctr">
+                      <a:solidFill>
+                        <a:schemeClr val="tx1"/>
+                      </a:solidFill>
+                      <a:prstDash val="solid"/>
+                      <a:round/>
+                      <a:headEnd type="none" w="med" len="med"/>
+                      <a:tailEnd type="none" w="med" len="med"/>
+                    </a:lnL>
+                    <a:lnR w="12700" cap="flat" cmpd="sng" algn="ctr">
+                      <a:solidFill>
+                        <a:schemeClr val="tx1"/>
+                      </a:solidFill>
+                      <a:prstDash val="solid"/>
+                      <a:round/>
+                      <a:headEnd type="none" w="med" len="med"/>
+                      <a:tailEnd type="none" w="med" len="med"/>
+                    </a:lnR>
+                    <a:lnT w="12700" cap="flat" cmpd="sng" algn="ctr">
+                      <a:solidFill>
+                        <a:schemeClr val="tx1"/>
+                      </a:solidFill>
+                      <a:prstDash val="solid"/>
+                      <a:round/>
+                      <a:headEnd type="none" w="med" len="med"/>
+                      <a:tailEnd type="none" w="med" len="med"/>
+                    </a:lnT>
+                    <a:lnB w="12700" cap="flat" cmpd="sng" algn="ctr">
+                      <a:solidFill>
+                        <a:schemeClr val="tx1"/>
+                      </a:solidFill>
+                      <a:prstDash val="solid"/>
+                      <a:round/>
+                      <a:headEnd type="none" w="med" len="med"/>
+                      <a:tailEnd type="none" w="med" len="med"/>
+                    </a:lnB>
+                    <a:lnTlToBr w="12700" cmpd="sng">
+                      <a:noFill/>
+                      <a:prstDash val="solid"/>
+                    </a:lnTlToBr>
+                    <a:lnBlToTr w="12700" cmpd="sng">
+                      <a:noFill/>
+                      <a:prstDash val="solid"/>
+                    </a:lnBlToTr>
+                    <a:solidFill>
+                      <a:schemeClr val="bg1"/>
+                    </a:solidFill>
+                  </a:tcPr>
+                </a:tc>
+                <a:tc>
+                  <a:txBody>
+                    <a:bodyPr/>
+                    <a:lstStyle/>
+                    <a:p>
+                      <a:pPr algn="l"/>
+                      <a:r>
+                        <a:rPr lang="sv-SE" sz="1200" b="0" dirty="0">
+                          <a:solidFill>
+                            <a:schemeClr val="tx1"/>
+                          </a:solidFill>
+                        </a:rPr>
+                        <a:t>  0.9075</a:t>
+                      </a:r>
+                    </a:p>
+                  </a:txBody>
+                  <a:tcPr>
+                    <a:lnL w="12700" cap="flat" cmpd="sng" algn="ctr">
+                      <a:solidFill>
+                        <a:schemeClr val="tx1"/>
+                      </a:solidFill>
+                      <a:prstDash val="solid"/>
+                      <a:round/>
+                      <a:headEnd type="none" w="med" len="med"/>
+                      <a:tailEnd type="none" w="med" len="med"/>
+                    </a:lnL>
+                    <a:lnR w="12700" cap="flat" cmpd="sng" algn="ctr">
+                      <a:solidFill>
+                        <a:schemeClr val="tx1"/>
+                      </a:solidFill>
+                      <a:prstDash val="solid"/>
+                      <a:round/>
+                      <a:headEnd type="none" w="med" len="med"/>
+                      <a:tailEnd type="none" w="med" len="med"/>
+                    </a:lnR>
+                    <a:lnT w="12700" cap="flat" cmpd="sng" algn="ctr">
+                      <a:solidFill>
+                        <a:schemeClr val="tx1"/>
+                      </a:solidFill>
+                      <a:prstDash val="solid"/>
+                      <a:round/>
+                      <a:headEnd type="none" w="med" len="med"/>
+                      <a:tailEnd type="none" w="med" len="med"/>
+                    </a:lnT>
+                    <a:lnB w="12700" cap="flat" cmpd="sng" algn="ctr">
+                      <a:solidFill>
+                        <a:schemeClr val="tx1"/>
+                      </a:solidFill>
+                      <a:prstDash val="solid"/>
+                      <a:round/>
+                      <a:headEnd type="none" w="med" len="med"/>
+                      <a:tailEnd type="none" w="med" len="med"/>
+                    </a:lnB>
+                    <a:lnTlToBr w="12700" cmpd="sng">
+                      <a:noFill/>
+                      <a:prstDash val="solid"/>
+                    </a:lnTlToBr>
+                    <a:lnBlToTr w="12700" cmpd="sng">
+                      <a:noFill/>
+                      <a:prstDash val="solid"/>
+                    </a:lnBlToTr>
+                    <a:solidFill>
+                      <a:schemeClr val="bg1"/>
+                    </a:solidFill>
+                  </a:tcPr>
+                </a:tc>
+                <a:extLst>
+                  <a:ext uri="{0D108BD9-81ED-4DB2-BD59-A6C34878D82A}">
+                    <a16:rowId xmlns:a16="http://schemas.microsoft.com/office/drawing/2014/main" val="3339713488"/>
+                  </a:ext>
+                </a:extLst>
+              </a:tr>
+            </a:tbl>
+          </a:graphicData>
+        </a:graphic>
+      </p:graphicFrame>
+      <p:sp>
+        <p:nvSpPr>
+          <p:cNvPr id="8" name="textruta 7">
+            <a:extLst>
+              <a:ext uri="{FF2B5EF4-FFF2-40B4-BE49-F238E27FC236}">
+                <a16:creationId xmlns:a16="http://schemas.microsoft.com/office/drawing/2014/main" id="{42EC76A5-3B93-4E92-8743-625B5E27DEE3}"/>
+              </a:ext>
+            </a:extLst>
+          </p:cNvPr>
+          <p:cNvSpPr txBox="1"/>
+          <p:nvPr/>
+        </p:nvSpPr>
+        <p:spPr>
+          <a:xfrm>
+            <a:off x="1279525" y="3406288"/>
+            <a:ext cx="1576705" cy="338554"/>
+          </a:xfrm>
+          <a:prstGeom prst="rect">
+            <a:avLst/>
+          </a:prstGeom>
+          <a:noFill/>
+        </p:spPr>
+        <p:txBody>
+          <a:bodyPr wrap="square" rtlCol="0">
+            <a:spAutoFit/>
+          </a:bodyPr>
+          <a:lstStyle/>
+          <a:p>
+            <a:r>
+              <a:rPr lang="sv-SE" sz="1600" dirty="0" err="1"/>
+              <a:t>Our</a:t>
+            </a:r>
+            <a:r>
+              <a:rPr lang="sv-SE" sz="1600" dirty="0"/>
+              <a:t> scores:</a:t>
+            </a:r>
+          </a:p>
+        </p:txBody>
+      </p:sp>
+    </p:spTree>
+    <p:extLst>
+      <p:ext uri="{BB962C8B-B14F-4D97-AF65-F5344CB8AC3E}">
+        <p14:creationId xmlns:p14="http://schemas.microsoft.com/office/powerpoint/2010/main" val="1821248610"/>
+      </p:ext>
+    </p:extLst>
+  </p:cSld>
+  <p:clrMapOvr>
+    <a:masterClrMapping/>
+  </p:clrMapOvr>
+  <mc:AlternateContent xmlns:mc="http://schemas.openxmlformats.org/markup-compatibility/2006" xmlns:p14="http://schemas.microsoft.com/office/powerpoint/2010/main">
+    <mc:Choice Requires="p14">
+      <p:transition spd="med" p14:dur="700">
+        <p:fade/>
+      </p:transition>
+    </mc:Choice>
+    <mc:Fallback xmlns="">
+      <p:transition spd="med">
+        <p:fade/>
+      </p:transition>
+    </mc:Fallback>
+  </mc:AlternateContent>
+</p:sld>
+</file>
+
+<file path=ppt/slides/slide16.xml><?xml version="1.0" encoding="utf-8"?>
+<p:sld xmlns:a="http://schemas.openxmlformats.org/drawingml/2006/main" xmlns:r="http://schemas.openxmlformats.org/officeDocument/2006/relationships" xmlns:p="http://schemas.openxmlformats.org/presentationml/2006/main">
+  <p:cSld>
+    <p:spTree>
+      <p:nvGrpSpPr>
+        <p:cNvPr id="1" name=""/>
+        <p:cNvGrpSpPr/>
+        <p:nvPr/>
+      </p:nvGrpSpPr>
+      <p:grpSpPr>
+        <a:xfrm>
+          <a:off x="0" y="0"/>
+          <a:ext cx="0" cy="0"/>
+          <a:chOff x="0" y="0"/>
+          <a:chExt cx="0" cy="0"/>
+        </a:xfrm>
+      </p:grpSpPr>
+      <p:sp>
+        <p:nvSpPr>
+          <p:cNvPr id="9" name="Rubrik 8">
+            <a:extLst>
+              <a:ext uri="{FF2B5EF4-FFF2-40B4-BE49-F238E27FC236}">
+                <a16:creationId xmlns:a16="http://schemas.microsoft.com/office/drawing/2014/main" id="{620A2E57-BC3E-D844-9964-DB4F1615B4F2}"/>
+              </a:ext>
+            </a:extLst>
+          </p:cNvPr>
+          <p:cNvSpPr>
+            <a:spLocks noGrp="1"/>
+          </p:cNvSpPr>
+          <p:nvPr>
+            <p:ph type="title"/>
+          </p:nvPr>
+        </p:nvSpPr>
+        <p:spPr>
+          <a:xfrm>
+            <a:off x="795571" y="2234813"/>
+            <a:ext cx="7552857" cy="673874"/>
+          </a:xfrm>
+        </p:spPr>
+        <p:txBody>
+          <a:bodyPr/>
+          <a:lstStyle/>
+          <a:p>
+            <a:pPr algn="ctr"/>
+            <a:r>
+              <a:rPr lang="en-GB" dirty="0"/>
+              <a:t>Thank you for listening!</a:t>
+            </a:r>
+            <a:br>
+              <a:rPr lang="en-GB" dirty="0"/>
+            </a:br>
+            <a:br>
+              <a:rPr lang="en-GB" dirty="0"/>
+            </a:br>
+            <a:r>
+              <a:rPr lang="en-GB" dirty="0"/>
+              <a:t>Questions?</a:t>
+            </a:r>
+          </a:p>
+        </p:txBody>
+      </p:sp>
+      <p:sp>
+        <p:nvSpPr>
+          <p:cNvPr id="3" name="Platshållare för datum 2">
+            <a:extLst>
+              <a:ext uri="{FF2B5EF4-FFF2-40B4-BE49-F238E27FC236}">
+                <a16:creationId xmlns:a16="http://schemas.microsoft.com/office/drawing/2014/main" id="{A92D5815-6AFC-734B-9E0C-0F2FEA63A4B4}"/>
+              </a:ext>
+            </a:extLst>
+          </p:cNvPr>
+          <p:cNvSpPr>
+            <a:spLocks noGrp="1"/>
+          </p:cNvSpPr>
+          <p:nvPr>
+            <p:ph type="dt" sz="half" idx="11"/>
+          </p:nvPr>
+        </p:nvSpPr>
+        <p:spPr/>
+        <p:txBody>
+          <a:bodyPr/>
+          <a:lstStyle/>
+          <a:p>
+            <a:fld id="{BAD82F0C-0E2A-5546-8972-AA94798A63F5}" type="datetime1">
+              <a:rPr lang="sv-SE" smtClean="0"/>
+              <a:pPr/>
+              <a:t>2020-10-30</a:t>
+            </a:fld>
+            <a:endParaRPr lang="en-GB" dirty="0"/>
+          </a:p>
+        </p:txBody>
+      </p:sp>
+      <p:sp>
+        <p:nvSpPr>
+          <p:cNvPr id="4" name="Platshållare för bildnummer 3">
+            <a:extLst>
+              <a:ext uri="{FF2B5EF4-FFF2-40B4-BE49-F238E27FC236}">
+                <a16:creationId xmlns:a16="http://schemas.microsoft.com/office/drawing/2014/main" id="{C87C319B-AA08-4D41-9648-6D635ED45949}"/>
+              </a:ext>
+            </a:extLst>
+          </p:cNvPr>
+          <p:cNvSpPr>
+            <a:spLocks noGrp="1"/>
+          </p:cNvSpPr>
+          <p:nvPr>
+            <p:ph type="sldNum" sz="quarter" idx="12"/>
+          </p:nvPr>
+        </p:nvSpPr>
+        <p:spPr/>
+        <p:txBody>
+          <a:bodyPr/>
+          <a:lstStyle/>
+          <a:p>
+            <a:fld id="{C338348D-F2D3-AB47-AE2A-1D59B1E58D64}" type="slidenum">
+              <a:rPr lang="en-GB" smtClean="0"/>
+              <a:pPr/>
+              <a:t>16</a:t>
             </a:fld>
             <a:endParaRPr lang="en-GB"/>
           </a:p>
@@ -11094,7 +14457,7 @@
             <a:fld id="{0D45677C-6021-4B4B-8D00-4AA6DB0D4902}" type="datetime1">
               <a:rPr lang="sv-SE" smtClean="0"/>
               <a:pPr/>
-              <a:t>2020-10-13</a:t>
+              <a:t>2020-10-30</a:t>
             </a:fld>
             <a:endParaRPr lang="en-GB" dirty="0"/>
           </a:p>
@@ -11371,7 +14734,7 @@
           <a:p>
             <a:r>
               <a:rPr lang="sv-SE" dirty="0"/>
-              <a:t>Data</a:t>
+              <a:t>Data </a:t>
             </a:r>
           </a:p>
         </p:txBody>
@@ -11393,7 +14756,7 @@
           <a:p>
             <a:fld id="{BAD82F0C-0E2A-5546-8972-AA94798A63F5}" type="datetime1">
               <a:rPr lang="sv-SE" smtClean="0"/>
-              <a:t>2020-10-13</a:t>
+              <a:t>2020-10-30</a:t>
             </a:fld>
             <a:endParaRPr lang="en-GB" dirty="0"/>
           </a:p>
@@ -11636,6 +14999,152 @@
       </p:grpSpPr>
       <p:sp>
         <p:nvSpPr>
+          <p:cNvPr id="2" name="Title 1"/>
+          <p:cNvSpPr>
+            <a:spLocks noGrp="1"/>
+          </p:cNvSpPr>
+          <p:nvPr>
+            <p:ph type="title"/>
+          </p:nvPr>
+        </p:nvSpPr>
+        <p:spPr/>
+        <p:txBody>
+          <a:bodyPr/>
+          <a:lstStyle/>
+          <a:p>
+            <a:r>
+              <a:rPr lang="sv-SE" dirty="0"/>
+              <a:t>Data – </a:t>
+            </a:r>
+            <a:r>
+              <a:rPr lang="sv-SE" dirty="0" err="1"/>
+              <a:t>Examples</a:t>
+            </a:r>
+            <a:endParaRPr lang="sv-SE" dirty="0"/>
+          </a:p>
+        </p:txBody>
+      </p:sp>
+      <p:sp>
+        <p:nvSpPr>
+          <p:cNvPr id="3" name="Date Placeholder 2"/>
+          <p:cNvSpPr>
+            <a:spLocks noGrp="1"/>
+          </p:cNvSpPr>
+          <p:nvPr>
+            <p:ph type="dt" sz="half" idx="11"/>
+          </p:nvPr>
+        </p:nvSpPr>
+        <p:spPr/>
+        <p:txBody>
+          <a:bodyPr/>
+          <a:lstStyle/>
+          <a:p>
+            <a:fld id="{BAD82F0C-0E2A-5546-8972-AA94798A63F5}" type="datetime1">
+              <a:rPr lang="sv-SE" smtClean="0"/>
+              <a:t>2020-10-30</a:t>
+            </a:fld>
+            <a:endParaRPr lang="en-GB" dirty="0"/>
+          </a:p>
+        </p:txBody>
+      </p:sp>
+      <p:sp>
+        <p:nvSpPr>
+          <p:cNvPr id="4" name="Slide Number Placeholder 3"/>
+          <p:cNvSpPr>
+            <a:spLocks noGrp="1"/>
+          </p:cNvSpPr>
+          <p:nvPr>
+            <p:ph type="sldNum" sz="quarter" idx="12"/>
+          </p:nvPr>
+        </p:nvSpPr>
+        <p:spPr/>
+        <p:txBody>
+          <a:bodyPr/>
+          <a:lstStyle/>
+          <a:p>
+            <a:fld id="{C338348D-F2D3-AB47-AE2A-1D59B1E58D64}" type="slidenum">
+              <a:rPr lang="en-GB" smtClean="0"/>
+              <a:pPr/>
+              <a:t>4</a:t>
+            </a:fld>
+            <a:endParaRPr lang="en-GB"/>
+          </a:p>
+        </p:txBody>
+      </p:sp>
+      <p:pic>
+        <p:nvPicPr>
+          <p:cNvPr id="8" name="Bildobjekt 7">
+            <a:extLst>
+              <a:ext uri="{FF2B5EF4-FFF2-40B4-BE49-F238E27FC236}">
+                <a16:creationId xmlns:a16="http://schemas.microsoft.com/office/drawing/2014/main" id="{CC84E5F7-2962-4F34-A23F-586A7B6C0A26}"/>
+              </a:ext>
+            </a:extLst>
+          </p:cNvPr>
+          <p:cNvPicPr>
+            <a:picLocks noChangeAspect="1"/>
+          </p:cNvPicPr>
+          <p:nvPr/>
+        </p:nvPicPr>
+        <p:blipFill>
+          <a:blip r:embed="rId3"/>
+          <a:stretch>
+            <a:fillRect/>
+          </a:stretch>
+        </p:blipFill>
+        <p:spPr>
+          <a:xfrm>
+            <a:off x="1060463" y="1141319"/>
+            <a:ext cx="6705600" cy="3592508"/>
+          </a:xfrm>
+          <a:prstGeom prst="rect">
+            <a:avLst/>
+          </a:prstGeom>
+        </p:spPr>
+      </p:pic>
+    </p:spTree>
+    <p:extLst>
+      <p:ext uri="{BB962C8B-B14F-4D97-AF65-F5344CB8AC3E}">
+        <p14:creationId xmlns:p14="http://schemas.microsoft.com/office/powerpoint/2010/main" val="2223549507"/>
+      </p:ext>
+    </p:extLst>
+  </p:cSld>
+  <p:clrMapOvr>
+    <a:masterClrMapping/>
+  </p:clrMapOvr>
+  <mc:AlternateContent xmlns:mc="http://schemas.openxmlformats.org/markup-compatibility/2006" xmlns:p14="http://schemas.microsoft.com/office/powerpoint/2010/main">
+    <mc:Choice Requires="p14">
+      <p:transition spd="med" p14:dur="700">
+        <p:fade/>
+      </p:transition>
+    </mc:Choice>
+    <mc:Fallback xmlns="">
+      <p:transition spd="med">
+        <p:fade/>
+      </p:transition>
+    </mc:Fallback>
+  </mc:AlternateContent>
+</p:sld>
+</file>
+
+<file path=ppt/slides/slide5.xml><?xml version="1.0" encoding="utf-8"?>
+<p:sld xmlns:a="http://schemas.openxmlformats.org/drawingml/2006/main" xmlns:r="http://schemas.openxmlformats.org/officeDocument/2006/relationships" xmlns:p="http://schemas.openxmlformats.org/presentationml/2006/main">
+  <p:cSld>
+    <p:spTree>
+      <p:nvGrpSpPr>
+        <p:cNvPr id="1" name=""/>
+        <p:cNvGrpSpPr/>
+        <p:nvPr/>
+      </p:nvGrpSpPr>
+      <p:grpSpPr>
+        <a:xfrm>
+          <a:off x="0" y="0"/>
+          <a:ext cx="0" cy="0"/>
+          <a:chOff x="0" y="0"/>
+          <a:chExt cx="0" cy="0"/>
+        </a:xfrm>
+      </p:grpSpPr>
+      <p:sp>
+        <p:nvSpPr>
           <p:cNvPr id="9" name="Rubrik 8">
             <a:extLst>
               <a:ext uri="{FF2B5EF4-FFF2-40B4-BE49-F238E27FC236}">
@@ -11687,7 +15196,7 @@
             <a:fld id="{BAD82F0C-0E2A-5546-8972-AA94798A63F5}" type="datetime1">
               <a:rPr lang="sv-SE" smtClean="0"/>
               <a:pPr/>
-              <a:t>2020-10-13</a:t>
+              <a:t>2020-10-30</a:t>
             </a:fld>
             <a:endParaRPr lang="en-GB" dirty="0"/>
           </a:p>
@@ -11717,7 +15226,7 @@
             <a:fld id="{C338348D-F2D3-AB47-AE2A-1D59B1E58D64}" type="slidenum">
               <a:rPr lang="en-GB" smtClean="0"/>
               <a:pPr/>
-              <a:t>4</a:t>
+              <a:t>5</a:t>
             </a:fld>
             <a:endParaRPr lang="en-GB"/>
           </a:p>
@@ -12567,7 +16076,7 @@
           <a:p>
             <a:r>
               <a:rPr lang="sv-SE" sz="1400" dirty="0"/>
-              <a:t>Split: 70 / 10 / 20</a:t>
+              <a:t>Split: ~ 70 / 10 / 20</a:t>
             </a:r>
           </a:p>
         </p:txBody>
@@ -12602,282 +16111,231 @@
           <a:p>
             <a:r>
               <a:rPr lang="sv-SE" sz="1400" dirty="0"/>
-              <a:t>Split: 75 / 12.5 / 12.5</a:t>
+              <a:t>Split: ~ 75 / 12.5 / 12.5</a:t>
             </a:r>
           </a:p>
         </p:txBody>
       </p:sp>
+      <p:cxnSp>
+        <p:nvCxnSpPr>
+          <p:cNvPr id="5" name="Rak koppling 4">
+            <a:extLst>
+              <a:ext uri="{FF2B5EF4-FFF2-40B4-BE49-F238E27FC236}">
+                <a16:creationId xmlns:a16="http://schemas.microsoft.com/office/drawing/2014/main" id="{55D6AD3B-B6A9-48FF-BDCF-E9D8478308C3}"/>
+              </a:ext>
+            </a:extLst>
+          </p:cNvPr>
+          <p:cNvCxnSpPr/>
+          <p:nvPr/>
+        </p:nvCxnSpPr>
+        <p:spPr>
+          <a:xfrm>
+            <a:off x="3474720" y="1991360"/>
+            <a:ext cx="926919" cy="1471929"/>
+          </a:xfrm>
+          <a:prstGeom prst="line">
+            <a:avLst/>
+          </a:prstGeom>
+        </p:spPr>
+        <p:style>
+          <a:lnRef idx="1">
+            <a:schemeClr val="accent4"/>
+          </a:lnRef>
+          <a:fillRef idx="0">
+            <a:schemeClr val="accent4"/>
+          </a:fillRef>
+          <a:effectRef idx="0">
+            <a:schemeClr val="accent4"/>
+          </a:effectRef>
+          <a:fontRef idx="minor">
+            <a:schemeClr val="tx1"/>
+          </a:fontRef>
+        </p:style>
+      </p:cxnSp>
+      <p:cxnSp>
+        <p:nvCxnSpPr>
+          <p:cNvPr id="7" name="Rak koppling 6">
+            <a:extLst>
+              <a:ext uri="{FF2B5EF4-FFF2-40B4-BE49-F238E27FC236}">
+                <a16:creationId xmlns:a16="http://schemas.microsoft.com/office/drawing/2014/main" id="{5912D56F-62B3-4BF5-B3EF-AA667BABA565}"/>
+              </a:ext>
+            </a:extLst>
+          </p:cNvPr>
+          <p:cNvCxnSpPr/>
+          <p:nvPr/>
+        </p:nvCxnSpPr>
+        <p:spPr>
+          <a:xfrm flipV="1">
+            <a:off x="3464560" y="2021840"/>
+            <a:ext cx="937079" cy="1441449"/>
+          </a:xfrm>
+          <a:prstGeom prst="line">
+            <a:avLst/>
+          </a:prstGeom>
+        </p:spPr>
+        <p:style>
+          <a:lnRef idx="1">
+            <a:schemeClr val="accent4"/>
+          </a:lnRef>
+          <a:fillRef idx="0">
+            <a:schemeClr val="accent4"/>
+          </a:fillRef>
+          <a:effectRef idx="0">
+            <a:schemeClr val="accent4"/>
+          </a:effectRef>
+          <a:fontRef idx="minor">
+            <a:schemeClr val="tx1"/>
+          </a:fontRef>
+        </p:style>
+      </p:cxnSp>
+      <p:sp>
+        <p:nvSpPr>
+          <p:cNvPr id="11" name="Frihandsfigur: Form 10">
+            <a:extLst>
+              <a:ext uri="{FF2B5EF4-FFF2-40B4-BE49-F238E27FC236}">
+                <a16:creationId xmlns:a16="http://schemas.microsoft.com/office/drawing/2014/main" id="{59128FCD-215D-496B-87F4-84C88BE78116}"/>
+              </a:ext>
+            </a:extLst>
+          </p:cNvPr>
+          <p:cNvSpPr/>
+          <p:nvPr/>
+        </p:nvSpPr>
+        <p:spPr>
+          <a:xfrm>
+            <a:off x="1910080" y="3555963"/>
+            <a:ext cx="6742590" cy="907485"/>
+          </a:xfrm>
+          <a:custGeom>
+            <a:avLst/>
+            <a:gdLst>
+              <a:gd name="connsiteX0" fmla="*/ 0 w 6742590"/>
+              <a:gd name="connsiteY0" fmla="*/ 50837 h 907485"/>
+              <a:gd name="connsiteX1" fmla="*/ 6380480 w 6742590"/>
+              <a:gd name="connsiteY1" fmla="*/ 50837 h 907485"/>
+              <a:gd name="connsiteX2" fmla="*/ 5994400 w 6742590"/>
+              <a:gd name="connsiteY2" fmla="*/ 579157 h 907485"/>
+              <a:gd name="connsiteX3" fmla="*/ 6004560 w 6742590"/>
+              <a:gd name="connsiteY3" fmla="*/ 579157 h 907485"/>
+            </a:gdLst>
+            <a:ahLst/>
+            <a:cxnLst>
+              <a:cxn ang="0">
+                <a:pos x="connsiteX0" y="connsiteY0"/>
+              </a:cxn>
+              <a:cxn ang="0">
+                <a:pos x="connsiteX1" y="connsiteY1"/>
+              </a:cxn>
+              <a:cxn ang="0">
+                <a:pos x="connsiteX2" y="connsiteY2"/>
+              </a:cxn>
+              <a:cxn ang="0">
+                <a:pos x="connsiteX3" y="connsiteY3"/>
+              </a:cxn>
+            </a:cxnLst>
+            <a:rect l="l" t="t" r="r" b="b"/>
+            <a:pathLst>
+              <a:path w="6742590" h="907485">
+                <a:moveTo>
+                  <a:pt x="0" y="50837"/>
+                </a:moveTo>
+                <a:cubicBezTo>
+                  <a:pt x="2690706" y="6810"/>
+                  <a:pt x="5381413" y="-37216"/>
+                  <a:pt x="6380480" y="50837"/>
+                </a:cubicBezTo>
+                <a:cubicBezTo>
+                  <a:pt x="7379547" y="138890"/>
+                  <a:pt x="5994400" y="579157"/>
+                  <a:pt x="5994400" y="579157"/>
+                </a:cubicBezTo>
+                <a:cubicBezTo>
+                  <a:pt x="5931747" y="667210"/>
+                  <a:pt x="6131560" y="1271730"/>
+                  <a:pt x="6004560" y="579157"/>
+                </a:cubicBezTo>
+              </a:path>
+            </a:pathLst>
+          </a:custGeom>
+          <a:noFill/>
+          <a:ln>
+            <a:noFill/>
+          </a:ln>
+        </p:spPr>
+        <p:style>
+          <a:lnRef idx="2">
+            <a:schemeClr val="accent1">
+              <a:shade val="50000"/>
+            </a:schemeClr>
+          </a:lnRef>
+          <a:fillRef idx="1">
+            <a:schemeClr val="accent1"/>
+          </a:fillRef>
+          <a:effectRef idx="0">
+            <a:schemeClr val="accent1"/>
+          </a:effectRef>
+          <a:fontRef idx="minor">
+            <a:schemeClr val="lt1"/>
+          </a:fontRef>
+        </p:style>
+        <p:txBody>
+          <a:bodyPr rtlCol="0" anchor="ctr"/>
+          <a:lstStyle/>
+          <a:p>
+            <a:pPr algn="ctr"/>
+            <a:endParaRPr lang="sv-SE"/>
+          </a:p>
+        </p:txBody>
+      </p:sp>
+      <p:cxnSp>
+        <p:nvCxnSpPr>
+          <p:cNvPr id="14" name="Koppling: böjd 13">
+            <a:extLst>
+              <a:ext uri="{FF2B5EF4-FFF2-40B4-BE49-F238E27FC236}">
+                <a16:creationId xmlns:a16="http://schemas.microsoft.com/office/drawing/2014/main" id="{48BD4F10-7F84-46AD-B2DF-2A2DF61DA65D}"/>
+              </a:ext>
+            </a:extLst>
+          </p:cNvPr>
+          <p:cNvCxnSpPr>
+            <a:cxnSpLocks/>
+            <a:endCxn id="11" idx="1"/>
+          </p:cNvCxnSpPr>
+          <p:nvPr/>
+        </p:nvCxnSpPr>
+        <p:spPr>
+          <a:xfrm>
+            <a:off x="1828800" y="3555963"/>
+            <a:ext cx="6461760" cy="50837"/>
+          </a:xfrm>
+          <a:prstGeom prst="curvedConnector5">
+            <a:avLst>
+              <a:gd name="adj1" fmla="val -629"/>
+              <a:gd name="adj2" fmla="val 1029250"/>
+              <a:gd name="adj3" fmla="val 100236"/>
+            </a:avLst>
+          </a:prstGeom>
+          <a:ln>
+            <a:tailEnd type="triangle"/>
+          </a:ln>
+        </p:spPr>
+        <p:style>
+          <a:lnRef idx="1">
+            <a:schemeClr val="accent3"/>
+          </a:lnRef>
+          <a:fillRef idx="0">
+            <a:schemeClr val="accent3"/>
+          </a:fillRef>
+          <a:effectRef idx="0">
+            <a:schemeClr val="accent3"/>
+          </a:effectRef>
+          <a:fontRef idx="minor">
+            <a:schemeClr val="tx1"/>
+          </a:fontRef>
+        </p:style>
+      </p:cxnSp>
     </p:spTree>
     <p:extLst>
       <p:ext uri="{BB962C8B-B14F-4D97-AF65-F5344CB8AC3E}">
         <p14:creationId xmlns:p14="http://schemas.microsoft.com/office/powerpoint/2010/main" val="2931091246"/>
-      </p:ext>
-    </p:extLst>
-  </p:cSld>
-  <p:clrMapOvr>
-    <a:masterClrMapping/>
-  </p:clrMapOvr>
-  <mc:AlternateContent xmlns:mc="http://schemas.openxmlformats.org/markup-compatibility/2006" xmlns:p14="http://schemas.microsoft.com/office/powerpoint/2010/main">
-    <mc:Choice Requires="p14">
-      <p:transition spd="med" p14:dur="700">
-        <p:fade/>
-      </p:transition>
-    </mc:Choice>
-    <mc:Fallback xmlns="">
-      <p:transition spd="med">
-        <p:fade/>
-      </p:transition>
-    </mc:Fallback>
-  </mc:AlternateContent>
-</p:sld>
-</file>
-
-<file path=ppt/slides/slide5.xml><?xml version="1.0" encoding="utf-8"?>
-<p:sld xmlns:a="http://schemas.openxmlformats.org/drawingml/2006/main" xmlns:r="http://schemas.openxmlformats.org/officeDocument/2006/relationships" xmlns:p="http://schemas.openxmlformats.org/presentationml/2006/main">
-  <p:cSld>
-    <p:spTree>
-      <p:nvGrpSpPr>
-        <p:cNvPr id="1" name=""/>
-        <p:cNvGrpSpPr/>
-        <p:nvPr/>
-      </p:nvGrpSpPr>
-      <p:grpSpPr>
-        <a:xfrm>
-          <a:off x="0" y="0"/>
-          <a:ext cx="0" cy="0"/>
-          <a:chOff x="0" y="0"/>
-          <a:chExt cx="0" cy="0"/>
-        </a:xfrm>
-      </p:grpSpPr>
-      <p:sp>
-        <p:nvSpPr>
-          <p:cNvPr id="9" name="Rubrik 8">
-            <a:extLst>
-              <a:ext uri="{FF2B5EF4-FFF2-40B4-BE49-F238E27FC236}">
-                <a16:creationId xmlns:a16="http://schemas.microsoft.com/office/drawing/2014/main" id="{620A2E57-BC3E-D844-9964-DB4F1615B4F2}"/>
-              </a:ext>
-            </a:extLst>
-          </p:cNvPr>
-          <p:cNvSpPr>
-            <a:spLocks noGrp="1"/>
-          </p:cNvSpPr>
-          <p:nvPr>
-            <p:ph type="title"/>
-          </p:nvPr>
-        </p:nvSpPr>
-        <p:spPr/>
-        <p:txBody>
-          <a:bodyPr/>
-          <a:lstStyle/>
-          <a:p>
-            <a:r>
-              <a:rPr lang="sv-SE" dirty="0"/>
-              <a:t>The task in detail</a:t>
-            </a:r>
-            <a:endParaRPr lang="en-GB" dirty="0"/>
-          </a:p>
-        </p:txBody>
-      </p:sp>
-      <p:sp>
-        <p:nvSpPr>
-          <p:cNvPr id="3" name="Platshållare för datum 2">
-            <a:extLst>
-              <a:ext uri="{FF2B5EF4-FFF2-40B4-BE49-F238E27FC236}">
-                <a16:creationId xmlns:a16="http://schemas.microsoft.com/office/drawing/2014/main" id="{A92D5815-6AFC-734B-9E0C-0F2FEA63A4B4}"/>
-              </a:ext>
-            </a:extLst>
-          </p:cNvPr>
-          <p:cNvSpPr>
-            <a:spLocks noGrp="1"/>
-          </p:cNvSpPr>
-          <p:nvPr>
-            <p:ph type="dt" sz="half" idx="11"/>
-          </p:nvPr>
-        </p:nvSpPr>
-        <p:spPr/>
-        <p:txBody>
-          <a:bodyPr/>
-          <a:lstStyle/>
-          <a:p>
-            <a:fld id="{BAD82F0C-0E2A-5546-8972-AA94798A63F5}" type="datetime1">
-              <a:rPr lang="sv-SE" smtClean="0"/>
-              <a:pPr/>
-              <a:t>2020-10-13</a:t>
-            </a:fld>
-            <a:endParaRPr lang="en-GB" dirty="0"/>
-          </a:p>
-        </p:txBody>
-      </p:sp>
-      <p:sp>
-        <p:nvSpPr>
-          <p:cNvPr id="4" name="Platshållare för bildnummer 3">
-            <a:extLst>
-              <a:ext uri="{FF2B5EF4-FFF2-40B4-BE49-F238E27FC236}">
-                <a16:creationId xmlns:a16="http://schemas.microsoft.com/office/drawing/2014/main" id="{C87C319B-AA08-4D41-9648-6D635ED45949}"/>
-              </a:ext>
-            </a:extLst>
-          </p:cNvPr>
-          <p:cNvSpPr>
-            <a:spLocks noGrp="1"/>
-          </p:cNvSpPr>
-          <p:nvPr>
-            <p:ph type="sldNum" sz="quarter" idx="12"/>
-          </p:nvPr>
-        </p:nvSpPr>
-        <p:spPr/>
-        <p:txBody>
-          <a:bodyPr/>
-          <a:lstStyle/>
-          <a:p>
-            <a:fld id="{C338348D-F2D3-AB47-AE2A-1D59B1E58D64}" type="slidenum">
-              <a:rPr lang="en-GB" smtClean="0"/>
-              <a:pPr/>
-              <a:t>5</a:t>
-            </a:fld>
-            <a:endParaRPr lang="en-GB"/>
-          </a:p>
-        </p:txBody>
-      </p:sp>
-      <p:sp>
-        <p:nvSpPr>
-          <p:cNvPr id="10" name="Platshållare för innehåll 9">
-            <a:extLst>
-              <a:ext uri="{FF2B5EF4-FFF2-40B4-BE49-F238E27FC236}">
-                <a16:creationId xmlns:a16="http://schemas.microsoft.com/office/drawing/2014/main" id="{92E94E58-3F2C-E041-B4EA-A2F4BA2697CB}"/>
-              </a:ext>
-            </a:extLst>
-          </p:cNvPr>
-          <p:cNvSpPr>
-            <a:spLocks noGrp="1"/>
-          </p:cNvSpPr>
-          <p:nvPr>
-            <p:ph sz="quarter" idx="13"/>
-          </p:nvPr>
-        </p:nvSpPr>
-        <p:spPr>
-          <a:xfrm>
-            <a:off x="1061999" y="1071756"/>
-            <a:ext cx="7253326" cy="3781438"/>
-          </a:xfrm>
-        </p:spPr>
-        <p:txBody>
-          <a:bodyPr/>
-          <a:lstStyle/>
-          <a:p>
-            <a:pPr marL="0" indent="0">
-              <a:buNone/>
-            </a:pPr>
-            <a:r>
-              <a:rPr lang="en-GB" b="1" u="sng" dirty="0"/>
-              <a:t>Task</a:t>
-            </a:r>
-            <a:r>
-              <a:rPr lang="en-GB" b="1" dirty="0"/>
-              <a:t> </a:t>
-            </a:r>
-          </a:p>
-          <a:p>
-            <a:pPr marL="0" indent="0">
-              <a:buNone/>
-            </a:pPr>
-            <a:r>
-              <a:rPr lang="en-GB" dirty="0"/>
-              <a:t>S</a:t>
-            </a:r>
-            <a:r>
-              <a:rPr lang="en-US" b="0" i="0" dirty="0">
-                <a:effectLst/>
-              </a:rPr>
-              <a:t>egment the given binary structures and predict the distribution of the experts' labels by returning one mask with continuous values in between 0 and 1, that is supposed to reproduce the cumulated segmentations of the experts.  </a:t>
-            </a:r>
-            <a:br>
-              <a:rPr lang="en-US" b="0" i="0" dirty="0">
-                <a:effectLst/>
-              </a:rPr>
-            </a:br>
-            <a:br>
-              <a:rPr lang="en-US" b="0" i="0" dirty="0">
-                <a:effectLst/>
-              </a:rPr>
-            </a:br>
-            <a:r>
-              <a:rPr lang="en-US" b="0" i="0" dirty="0">
-                <a:solidFill>
-                  <a:srgbClr val="212529"/>
-                </a:solidFill>
-                <a:effectLst/>
-              </a:rPr>
-              <a:t>Predictions and continuous ground truth labels are compared by thresholding the continuous labels at predefined thresholds and calculating the volumetric overlap of the resulting binary volumes using Dice score (the</a:t>
-            </a:r>
-            <a:r>
-              <a:rPr lang="en-US" b="1" i="0" dirty="0">
-                <a:solidFill>
-                  <a:srgbClr val="212529"/>
-                </a:solidFill>
-                <a:effectLst/>
-              </a:rPr>
-              <a:t> continuous </a:t>
-            </a:r>
-            <a:r>
-              <a:rPr lang="en-US" b="0" i="0" dirty="0">
-                <a:solidFill>
-                  <a:srgbClr val="212529"/>
-                </a:solidFill>
-                <a:effectLst/>
-              </a:rPr>
-              <a:t>ground truth labels are obtained by</a:t>
-            </a:r>
-            <a:r>
-              <a:rPr lang="en-US" b="1" i="0" dirty="0">
-                <a:solidFill>
-                  <a:srgbClr val="212529"/>
-                </a:solidFill>
-                <a:effectLst/>
-              </a:rPr>
-              <a:t> averaging multiple experts' annotations</a:t>
-            </a:r>
-            <a:r>
-              <a:rPr lang="en-US" b="0" i="0" dirty="0">
-                <a:solidFill>
-                  <a:srgbClr val="212529"/>
-                </a:solidFill>
-                <a:effectLst/>
-              </a:rPr>
-              <a:t>). To this end, ground truth and prediction are binarized at ten probability levels (that are 0.1, 0.2, ..., 0.8, 0.9).</a:t>
-            </a:r>
-            <a:br>
-              <a:rPr lang="en-US" b="0" i="0" dirty="0">
-                <a:solidFill>
-                  <a:srgbClr val="212529"/>
-                </a:solidFill>
-                <a:effectLst/>
-              </a:rPr>
-            </a:br>
-            <a:br>
-              <a:rPr lang="en-US" b="0" i="0" dirty="0">
-                <a:solidFill>
-                  <a:srgbClr val="212529"/>
-                </a:solidFill>
-                <a:effectLst/>
-              </a:rPr>
-            </a:br>
-            <a:r>
-              <a:rPr lang="en-US" b="0" i="0" dirty="0">
-                <a:solidFill>
-                  <a:srgbClr val="212529"/>
-                </a:solidFill>
-                <a:effectLst/>
-              </a:rPr>
-              <a:t>Dice scores for all thresholds will be averaged. Dice scores will be averaged across all tasks and all image data sets. </a:t>
-            </a:r>
-            <a:endParaRPr lang="en-GB" dirty="0"/>
-          </a:p>
-        </p:txBody>
-      </p:sp>
-    </p:spTree>
-    <p:extLst>
-      <p:ext uri="{BB962C8B-B14F-4D97-AF65-F5344CB8AC3E}">
-        <p14:creationId xmlns:p14="http://schemas.microsoft.com/office/powerpoint/2010/main" val="2402110972"/>
       </p:ext>
     </p:extLst>
   </p:cSld>
@@ -12918,10 +16376,10 @@
       </p:grpSpPr>
       <p:sp>
         <p:nvSpPr>
-          <p:cNvPr id="2" name="Rubrik 1">
+          <p:cNvPr id="9" name="Rubrik 8">
             <a:extLst>
               <a:ext uri="{FF2B5EF4-FFF2-40B4-BE49-F238E27FC236}">
-                <a16:creationId xmlns:a16="http://schemas.microsoft.com/office/drawing/2014/main" id="{BE675483-E03D-4A35-919B-929770B8A7F0}"/>
+                <a16:creationId xmlns:a16="http://schemas.microsoft.com/office/drawing/2014/main" id="{620A2E57-BC3E-D844-9964-DB4F1615B4F2}"/>
               </a:ext>
             </a:extLst>
           </p:cNvPr>
@@ -12938,9 +16396,10 @@
           <a:lstStyle/>
           <a:p>
             <a:r>
-              <a:rPr lang="en-US" dirty="0"/>
-              <a:t>How we approached this problem</a:t>
-            </a:r>
+              <a:rPr lang="sv-SE" dirty="0"/>
+              <a:t>The task in detail</a:t>
+            </a:r>
+            <a:endParaRPr lang="en-GB" dirty="0"/>
           </a:p>
         </p:txBody>
       </p:sp>
@@ -12949,7 +16408,7 @@
           <p:cNvPr id="3" name="Platshållare för datum 2">
             <a:extLst>
               <a:ext uri="{FF2B5EF4-FFF2-40B4-BE49-F238E27FC236}">
-                <a16:creationId xmlns:a16="http://schemas.microsoft.com/office/drawing/2014/main" id="{D4D77DDA-5169-47EB-9520-3D7C8F71D11B}"/>
+                <a16:creationId xmlns:a16="http://schemas.microsoft.com/office/drawing/2014/main" id="{A92D5815-6AFC-734B-9E0C-0F2FEA63A4B4}"/>
               </a:ext>
             </a:extLst>
           </p:cNvPr>
@@ -12967,7 +16426,8 @@
           <a:p>
             <a:fld id="{BAD82F0C-0E2A-5546-8972-AA94798A63F5}" type="datetime1">
               <a:rPr lang="sv-SE" smtClean="0"/>
-              <a:t>2020-10-13</a:t>
+              <a:pPr/>
+              <a:t>2020-10-30</a:t>
             </a:fld>
             <a:endParaRPr lang="en-GB" dirty="0"/>
           </a:p>
@@ -12978,7 +16438,7 @@
           <p:cNvPr id="4" name="Platshållare för bildnummer 3">
             <a:extLst>
               <a:ext uri="{FF2B5EF4-FFF2-40B4-BE49-F238E27FC236}">
-                <a16:creationId xmlns:a16="http://schemas.microsoft.com/office/drawing/2014/main" id="{34EAE252-77BF-447E-8FFB-DDB5C55836B8}"/>
+                <a16:creationId xmlns:a16="http://schemas.microsoft.com/office/drawing/2014/main" id="{C87C319B-AA08-4D41-9648-6D635ED45949}"/>
               </a:ext>
             </a:extLst>
           </p:cNvPr>
@@ -13005,10 +16465,10 @@
       </p:sp>
       <p:sp>
         <p:nvSpPr>
-          <p:cNvPr id="5" name="Platshållare för innehåll 4">
+          <p:cNvPr id="10" name="Platshållare för innehåll 9">
             <a:extLst>
               <a:ext uri="{FF2B5EF4-FFF2-40B4-BE49-F238E27FC236}">
-                <a16:creationId xmlns:a16="http://schemas.microsoft.com/office/drawing/2014/main" id="{4E834B38-63BE-400D-B8EE-4A4EDF57D1CD}"/>
+                <a16:creationId xmlns:a16="http://schemas.microsoft.com/office/drawing/2014/main" id="{92E94E58-3F2C-E041-B4EA-A2F4BA2697CB}"/>
               </a:ext>
             </a:extLst>
           </p:cNvPr>
@@ -13021,8 +16481,8 @@
         </p:nvSpPr>
         <p:spPr>
           <a:xfrm>
-            <a:off x="1060463" y="1046854"/>
-            <a:ext cx="6881850" cy="3781438"/>
+            <a:off x="1061999" y="1071756"/>
+            <a:ext cx="7253326" cy="3781438"/>
           </a:xfrm>
         </p:spPr>
         <p:txBody>
@@ -13033,99 +16493,155 @@
               <a:buNone/>
             </a:pPr>
             <a:r>
-              <a:rPr lang="en-US" b="1" u="sng" dirty="0"/>
-              <a:t>Predictions</a:t>
-            </a:r>
-          </a:p>
-          <a:p>
-            <a:pPr marL="342900" indent="-342900">
-              <a:buFont typeface="+mj-lt"/>
-              <a:buAutoNum type="arabicPeriod"/>
-            </a:pPr>
-            <a:r>
-              <a:rPr lang="en-US" dirty="0"/>
-              <a:t>We trained one network for each expert. I.e. for brain-growth we trained 7 networks as we had 7 expert segmentations for each image.</a:t>
-            </a:r>
-          </a:p>
-          <a:p>
-            <a:pPr marL="342900" indent="-342900">
-              <a:buFont typeface="+mj-lt"/>
-              <a:buAutoNum type="arabicPeriod"/>
-            </a:pPr>
-            <a:r>
-              <a:rPr lang="en-US" dirty="0"/>
-              <a:t>Then we averaged the predictions of these networks. Thus, creating a continuous mask.</a:t>
-            </a:r>
-          </a:p>
-          <a:p>
-            <a:pPr marL="342900" indent="-342900">
-              <a:buFont typeface="+mj-lt"/>
-              <a:buAutoNum type="arabicPeriod"/>
-            </a:pPr>
-            <a:r>
-              <a:rPr lang="en-US" dirty="0"/>
-              <a:t>After that we binarized this continuous mask at the 9 chosen threshold levels (0.1, 0.2, …, 1.0), producing 9 binarized masks.</a:t>
-            </a:r>
-          </a:p>
-          <a:p>
-            <a:pPr marL="342900" indent="-342900">
-              <a:buFont typeface="+mj-lt"/>
-              <a:buAutoNum type="arabicPeriod"/>
-            </a:pPr>
-            <a:r>
-              <a:rPr lang="en-US" dirty="0"/>
-              <a:t>These 9 binarized masks were then compared to the expert masks </a:t>
-            </a:r>
-            <a:br>
-              <a:rPr lang="en-US" dirty="0"/>
-            </a:br>
-            <a:endParaRPr lang="en-US" dirty="0"/>
+              <a:rPr lang="en-GB" b="1" u="sng" dirty="0"/>
+              <a:t>Task</a:t>
+            </a:r>
+            <a:r>
+              <a:rPr lang="en-GB" b="1" dirty="0"/>
+              <a:t> </a:t>
+            </a:r>
           </a:p>
           <a:p>
             <a:pPr marL="0" indent="0">
               <a:buNone/>
             </a:pPr>
             <a:r>
-              <a:rPr lang="en-US" b="1" u="sng" dirty="0"/>
-              <a:t>The expert masks  </a:t>
-            </a:r>
-          </a:p>
-          <a:p>
-            <a:pPr marL="342900" indent="-342900">
-              <a:buFont typeface="+mj-lt"/>
-              <a:buAutoNum type="arabicPeriod"/>
-            </a:pPr>
-            <a:r>
-              <a:rPr lang="en-US" dirty="0"/>
-              <a:t>In order to be able be able to do the comparison we had to do two steps</a:t>
-            </a:r>
-          </a:p>
-          <a:p>
-            <a:pPr marL="342900" indent="-342900">
-              <a:buFont typeface="+mj-lt"/>
-              <a:buAutoNum type="arabicPeriod"/>
-            </a:pPr>
-            <a:r>
-              <a:rPr lang="en-US" dirty="0"/>
-              <a:t>Averaging of all the expert masks to create a continuous mask.</a:t>
-            </a:r>
-          </a:p>
-          <a:p>
-            <a:pPr marL="342900" indent="-342900">
-              <a:buFont typeface="+mj-lt"/>
-              <a:buAutoNum type="arabicPeriod"/>
-            </a:pPr>
-            <a:r>
-              <a:rPr lang="en-US" dirty="0"/>
-              <a:t>This continuous mask was then binarized into 9 different masks which we then made comparisons with. </a:t>
-            </a:r>
+              <a:rPr lang="en-GB" dirty="0"/>
+              <a:t>S</a:t>
+            </a:r>
+            <a:r>
+              <a:rPr lang="en-US" b="0" i="0" dirty="0">
+                <a:effectLst/>
+              </a:rPr>
+              <a:t>egment the given binary structures and predict the distribution of the experts' labels by </a:t>
+            </a:r>
+            <a:r>
+              <a:rPr lang="en-US" b="1" i="0" dirty="0">
+                <a:effectLst/>
+              </a:rPr>
+              <a:t>returning one mask with continuous values</a:t>
+            </a:r>
+            <a:r>
+              <a:rPr lang="en-US" b="0" i="0" dirty="0">
+                <a:effectLst/>
+              </a:rPr>
+              <a:t> in between 0 and 1, that is supposed to reproduce the cumulated segmentations of the experts.  </a:t>
+            </a:r>
+            <a:br>
+              <a:rPr lang="en-US" b="0" i="0" dirty="0">
+                <a:effectLst/>
+              </a:rPr>
+            </a:br>
+            <a:br>
+              <a:rPr lang="en-US" b="1" i="0" dirty="0">
+                <a:effectLst/>
+              </a:rPr>
+            </a:br>
+            <a:r>
+              <a:rPr lang="en-US" i="0" dirty="0">
+                <a:solidFill>
+                  <a:srgbClr val="212529"/>
+                </a:solidFill>
+                <a:effectLst/>
+              </a:rPr>
+              <a:t>Predictions and continuous ground truth labels are compared by </a:t>
+            </a:r>
+            <a:r>
+              <a:rPr lang="en-US" b="1" i="0" dirty="0">
+                <a:solidFill>
+                  <a:srgbClr val="212529"/>
+                </a:solidFill>
+                <a:effectLst/>
+              </a:rPr>
+              <a:t>thresholding the continuous labels at predefined thresholds</a:t>
+            </a:r>
+            <a:r>
+              <a:rPr lang="en-US" i="0" dirty="0">
+                <a:solidFill>
+                  <a:srgbClr val="212529"/>
+                </a:solidFill>
+                <a:effectLst/>
+              </a:rPr>
+              <a:t> </a:t>
+            </a:r>
+            <a:r>
+              <a:rPr lang="en-US" b="0" i="0" dirty="0">
+                <a:solidFill>
+                  <a:srgbClr val="212529"/>
+                </a:solidFill>
+                <a:effectLst/>
+              </a:rPr>
+              <a:t>and calculating the volumetric overlap of the resulting binary volumes using Dice score (the</a:t>
+            </a:r>
+            <a:r>
+              <a:rPr lang="en-US" b="1" i="0" dirty="0">
+                <a:solidFill>
+                  <a:srgbClr val="212529"/>
+                </a:solidFill>
+                <a:effectLst/>
+              </a:rPr>
+              <a:t> continuous </a:t>
+            </a:r>
+            <a:r>
+              <a:rPr lang="en-US" b="0" i="0" dirty="0">
+                <a:solidFill>
+                  <a:srgbClr val="212529"/>
+                </a:solidFill>
+                <a:effectLst/>
+              </a:rPr>
+              <a:t>ground truth labels are obtained by</a:t>
+            </a:r>
+            <a:r>
+              <a:rPr lang="en-US" b="1" i="0" dirty="0">
+                <a:solidFill>
+                  <a:srgbClr val="212529"/>
+                </a:solidFill>
+                <a:effectLst/>
+              </a:rPr>
+              <a:t> averaging multiple experts' annotations</a:t>
+            </a:r>
+            <a:r>
+              <a:rPr lang="en-US" b="0" i="0" dirty="0">
+                <a:solidFill>
+                  <a:srgbClr val="212529"/>
+                </a:solidFill>
+                <a:effectLst/>
+              </a:rPr>
+              <a:t>). To this end, ground truth and prediction are binarized at ten probability levels (that are 0.1, 0.2, ..., 0.8, 0.9).</a:t>
+            </a:r>
+            <a:br>
+              <a:rPr lang="en-US" b="0" i="0" dirty="0">
+                <a:solidFill>
+                  <a:srgbClr val="212529"/>
+                </a:solidFill>
+                <a:effectLst/>
+              </a:rPr>
+            </a:br>
+            <a:br>
+              <a:rPr lang="en-US" b="0" i="0" dirty="0">
+                <a:solidFill>
+                  <a:srgbClr val="212529"/>
+                </a:solidFill>
+                <a:effectLst/>
+              </a:rPr>
+            </a:br>
+            <a:r>
+              <a:rPr lang="en-US" b="0" i="0" dirty="0">
+                <a:solidFill>
+                  <a:srgbClr val="212529"/>
+                </a:solidFill>
+                <a:effectLst/>
+              </a:rPr>
+              <a:t>Dice scores for all thresholds will be averaged. Dice scores will be averaged across all tasks and all image data sets. </a:t>
+            </a:r>
+            <a:endParaRPr lang="en-GB" dirty="0"/>
           </a:p>
         </p:txBody>
       </p:sp>
     </p:spTree>
     <p:extLst>
       <p:ext uri="{BB962C8B-B14F-4D97-AF65-F5344CB8AC3E}">
-        <p14:creationId xmlns:p14="http://schemas.microsoft.com/office/powerpoint/2010/main" val="3206634333"/>
+        <p14:creationId xmlns:p14="http://schemas.microsoft.com/office/powerpoint/2010/main" val="2402110972"/>
       </p:ext>
     </p:extLst>
   </p:cSld>
@@ -13166,10 +16682,10 @@
       </p:grpSpPr>
       <p:sp>
         <p:nvSpPr>
-          <p:cNvPr id="9" name="Rubrik 8">
+          <p:cNvPr id="2" name="Rubrik 1">
             <a:extLst>
               <a:ext uri="{FF2B5EF4-FFF2-40B4-BE49-F238E27FC236}">
-                <a16:creationId xmlns:a16="http://schemas.microsoft.com/office/drawing/2014/main" id="{620A2E57-BC3E-D844-9964-DB4F1615B4F2}"/>
+                <a16:creationId xmlns:a16="http://schemas.microsoft.com/office/drawing/2014/main" id="{BE675483-E03D-4A35-919B-929770B8A7F0}"/>
               </a:ext>
             </a:extLst>
           </p:cNvPr>
@@ -13186,10 +16702,9 @@
           <a:lstStyle/>
           <a:p>
             <a:r>
-              <a:rPr lang="sv-SE" dirty="0"/>
-              <a:t>The different architectures</a:t>
-            </a:r>
-            <a:endParaRPr lang="en-GB" dirty="0"/>
+              <a:rPr lang="en-US" dirty="0"/>
+              <a:t>How we approached this problem</a:t>
+            </a:r>
           </a:p>
         </p:txBody>
       </p:sp>
@@ -13198,7 +16713,7 @@
           <p:cNvPr id="3" name="Platshållare för datum 2">
             <a:extLst>
               <a:ext uri="{FF2B5EF4-FFF2-40B4-BE49-F238E27FC236}">
-                <a16:creationId xmlns:a16="http://schemas.microsoft.com/office/drawing/2014/main" id="{A92D5815-6AFC-734B-9E0C-0F2FEA63A4B4}"/>
+                <a16:creationId xmlns:a16="http://schemas.microsoft.com/office/drawing/2014/main" id="{D4D77DDA-5169-47EB-9520-3D7C8F71D11B}"/>
               </a:ext>
             </a:extLst>
           </p:cNvPr>
@@ -13216,8 +16731,7 @@
           <a:p>
             <a:fld id="{BAD82F0C-0E2A-5546-8972-AA94798A63F5}" type="datetime1">
               <a:rPr lang="sv-SE" smtClean="0"/>
-              <a:pPr/>
-              <a:t>2020-10-13</a:t>
+              <a:t>2020-10-30</a:t>
             </a:fld>
             <a:endParaRPr lang="en-GB" dirty="0"/>
           </a:p>
@@ -13228,7 +16742,7 @@
           <p:cNvPr id="4" name="Platshållare för bildnummer 3">
             <a:extLst>
               <a:ext uri="{FF2B5EF4-FFF2-40B4-BE49-F238E27FC236}">
-                <a16:creationId xmlns:a16="http://schemas.microsoft.com/office/drawing/2014/main" id="{C87C319B-AA08-4D41-9648-6D635ED45949}"/>
+                <a16:creationId xmlns:a16="http://schemas.microsoft.com/office/drawing/2014/main" id="{34EAE252-77BF-447E-8FFB-DDB5C55836B8}"/>
               </a:ext>
             </a:extLst>
           </p:cNvPr>
@@ -13255,10 +16769,10 @@
       </p:sp>
       <p:sp>
         <p:nvSpPr>
-          <p:cNvPr id="10" name="Platshållare för innehåll 9">
+          <p:cNvPr id="5" name="Platshållare för innehåll 4">
             <a:extLst>
               <a:ext uri="{FF2B5EF4-FFF2-40B4-BE49-F238E27FC236}">
-                <a16:creationId xmlns:a16="http://schemas.microsoft.com/office/drawing/2014/main" id="{92E94E58-3F2C-E041-B4EA-A2F4BA2697CB}"/>
+                <a16:creationId xmlns:a16="http://schemas.microsoft.com/office/drawing/2014/main" id="{4E834B38-63BE-400D-B8EE-4A4EDF57D1CD}"/>
               </a:ext>
             </a:extLst>
           </p:cNvPr>
@@ -13271,8 +16785,8 @@
         </p:nvSpPr>
         <p:spPr>
           <a:xfrm>
-            <a:off x="1061999" y="1071756"/>
-            <a:ext cx="7215226" cy="3781438"/>
+            <a:off x="1060463" y="1046854"/>
+            <a:ext cx="6881850" cy="3781438"/>
           </a:xfrm>
         </p:spPr>
         <p:txBody>
@@ -13283,57 +16797,89 @@
               <a:buNone/>
             </a:pPr>
             <a:r>
-              <a:rPr lang="en-GB" dirty="0"/>
-              <a:t>The </a:t>
-            </a:r>
-            <a:r>
-              <a:rPr lang="en-GB" b="1" dirty="0"/>
-              <a:t>core of our architecture </a:t>
-            </a:r>
-            <a:r>
-              <a:rPr lang="en-GB" dirty="0"/>
-              <a:t>is that we are using an </a:t>
-            </a:r>
-            <a:r>
-              <a:rPr lang="en-GB" b="1" dirty="0"/>
-              <a:t>ensemble of networks</a:t>
-            </a:r>
-            <a:r>
-              <a:rPr lang="en-GB" dirty="0"/>
-              <a:t> to create the continuous prediction mask </a:t>
-            </a:r>
+              <a:rPr lang="en-US" b="1" u="sng" dirty="0"/>
+              <a:t>Predictions</a:t>
+            </a:r>
+          </a:p>
+          <a:p>
+            <a:pPr marL="342900" indent="-342900">
+              <a:buFont typeface="+mj-lt"/>
+              <a:buAutoNum type="arabicPeriod"/>
+            </a:pPr>
+            <a:r>
+              <a:rPr lang="en-US" dirty="0"/>
+              <a:t>We trained one network for each expert. I.e. for brain-growth we trained 7 networks as we had 7 expert segmentations for each image.</a:t>
+            </a:r>
+          </a:p>
+          <a:p>
+            <a:pPr marL="342900" indent="-342900">
+              <a:buFont typeface="+mj-lt"/>
+              <a:buAutoNum type="arabicPeriod"/>
+            </a:pPr>
+            <a:r>
+              <a:rPr lang="en-US" dirty="0"/>
+              <a:t>Then we created an ensemble by averaging the predictions of these networks. Thus, creating a continuous mask.</a:t>
+            </a:r>
+          </a:p>
+          <a:p>
+            <a:pPr marL="342900" indent="-342900">
+              <a:buFont typeface="+mj-lt"/>
+              <a:buAutoNum type="arabicPeriod"/>
+            </a:pPr>
+            <a:r>
+              <a:rPr lang="en-US" dirty="0"/>
+              <a:t>After that we binarized the continuous masks, at the 9 chosen threshold levels (0.1, 0.2, …, 0.9), producing 9 binarized masks.</a:t>
+            </a:r>
+            <a:br>
+              <a:rPr lang="en-US" dirty="0"/>
+            </a:br>
+            <a:endParaRPr lang="en-US" dirty="0"/>
           </a:p>
           <a:p>
             <a:pPr marL="0" indent="0">
               <a:buNone/>
             </a:pPr>
             <a:r>
-              <a:rPr lang="en-GB" b="1" u="sng" dirty="0"/>
-              <a:t>Architecture of the networks within the ensemble</a:t>
-            </a:r>
-          </a:p>
-          <a:p>
-            <a:r>
-              <a:rPr lang="en-GB" dirty="0"/>
-              <a:t>We used U-Net &amp; Data Augmentation as a starting point</a:t>
-            </a:r>
-          </a:p>
-          <a:p>
-            <a:r>
-              <a:rPr lang="en-GB" dirty="0"/>
-              <a:t>Dropout / Spatial Dropout</a:t>
-            </a:r>
-          </a:p>
-          <a:p>
-            <a:r>
-              <a:rPr lang="en-GB" dirty="0"/>
-              <a:t>LSTM</a:t>
-            </a:r>
-          </a:p>
-          <a:p>
-            <a:r>
-              <a:rPr lang="en-GB" dirty="0"/>
-              <a:t>Deep U - Net</a:t>
+              <a:rPr lang="en-US" b="1" u="sng" dirty="0"/>
+              <a:t>The expert masks  </a:t>
+            </a:r>
+          </a:p>
+          <a:p>
+            <a:pPr marL="0" indent="0">
+              <a:buNone/>
+            </a:pPr>
+            <a:r>
+              <a:rPr lang="en-US" dirty="0"/>
+              <a:t>The comparison were done in two steps:</a:t>
+            </a:r>
+          </a:p>
+          <a:p>
+            <a:pPr marL="342900" indent="-342900">
+              <a:buFont typeface="+mj-lt"/>
+              <a:buAutoNum type="arabicPeriod"/>
+            </a:pPr>
+            <a:r>
+              <a:rPr lang="en-US" dirty="0"/>
+              <a:t>Averaging of all the expert masks to create a continuous mask.</a:t>
+            </a:r>
+          </a:p>
+          <a:p>
+            <a:pPr marL="342900" indent="-342900">
+              <a:buFont typeface="+mj-lt"/>
+              <a:buAutoNum type="arabicPeriod"/>
+            </a:pPr>
+            <a:r>
+              <a:rPr lang="en-US" dirty="0"/>
+              <a:t>This continuous mask was then binarized into 9 different masks using the same threshold levels as the prediction masks.</a:t>
+            </a:r>
+          </a:p>
+          <a:p>
+            <a:pPr marL="0" indent="0">
+              <a:buNone/>
+            </a:pPr>
+            <a:r>
+              <a:rPr lang="en-US" dirty="0"/>
+              <a:t>Finally, these were compared with the prediction masks for each threshold level and the average Dice value is returned. </a:t>
             </a:r>
           </a:p>
         </p:txBody>
@@ -13341,7 +16887,7 @@
     </p:spTree>
     <p:extLst>
       <p:ext uri="{BB962C8B-B14F-4D97-AF65-F5344CB8AC3E}">
-        <p14:creationId xmlns:p14="http://schemas.microsoft.com/office/powerpoint/2010/main" val="3563084433"/>
+        <p14:creationId xmlns:p14="http://schemas.microsoft.com/office/powerpoint/2010/main" val="3206634333"/>
       </p:ext>
     </p:extLst>
   </p:cSld>
@@ -13402,8 +16948,12 @@
           <a:lstStyle/>
           <a:p>
             <a:r>
+              <a:rPr lang="sv-SE" dirty="0"/>
+              <a:t>Data pre-</a:t>
+            </a:r>
+            <a:r>
               <a:rPr lang="sv-SE" dirty="0" err="1"/>
-              <a:t>Results</a:t>
+              <a:t>processing</a:t>
             </a:r>
             <a:endParaRPr lang="en-GB" dirty="0"/>
           </a:p>
@@ -13433,7 +16983,7 @@
             <a:fld id="{BAD82F0C-0E2A-5546-8972-AA94798A63F5}" type="datetime1">
               <a:rPr lang="sv-SE" smtClean="0"/>
               <a:pPr/>
-              <a:t>2020-10-13</a:t>
+              <a:t>2020-10-30</a:t>
             </a:fld>
             <a:endParaRPr lang="en-GB" dirty="0"/>
           </a:p>
@@ -13487,52 +17037,92 @@
         </p:nvSpPr>
         <p:spPr>
           <a:xfrm>
-            <a:off x="1061999" y="1071756"/>
-            <a:ext cx="3893459" cy="3781438"/>
+            <a:off x="1060462" y="925626"/>
+            <a:ext cx="7148817" cy="3707334"/>
           </a:xfrm>
         </p:spPr>
         <p:txBody>
           <a:bodyPr/>
           <a:lstStyle/>
           <a:p>
-            <a:endParaRPr lang="en-GB" dirty="0"/>
-          </a:p>
-        </p:txBody>
-      </p:sp>
-      <p:sp>
-        <p:nvSpPr>
-          <p:cNvPr id="5" name="Platshållare för innehåll 4">
-            <a:extLst>
-              <a:ext uri="{FF2B5EF4-FFF2-40B4-BE49-F238E27FC236}">
-                <a16:creationId xmlns:a16="http://schemas.microsoft.com/office/drawing/2014/main" id="{C983ADBF-605D-4773-8F44-320C06123F83}"/>
-              </a:ext>
-            </a:extLst>
-          </p:cNvPr>
-          <p:cNvSpPr>
-            <a:spLocks noGrp="1"/>
-          </p:cNvSpPr>
-          <p:nvPr>
-            <p:ph sz="quarter" idx="14"/>
-          </p:nvPr>
-        </p:nvSpPr>
-        <p:spPr>
-          <a:xfrm>
-            <a:off x="5122104" y="1074626"/>
-            <a:ext cx="3427341" cy="3781438"/>
-          </a:xfrm>
-        </p:spPr>
-        <p:txBody>
-          <a:bodyPr/>
-          <a:lstStyle/>
-          <a:p>
-            <a:endParaRPr lang="sv-SE" dirty="0"/>
+            <a:pPr marL="0" indent="0">
+              <a:buNone/>
+            </a:pPr>
+            <a:r>
+              <a:rPr lang="en-GB" sz="1300" b="1" u="sng" dirty="0"/>
+              <a:t>Reshaping</a:t>
+            </a:r>
+          </a:p>
+          <a:p>
+            <a:pPr marL="0" indent="0">
+              <a:buNone/>
+            </a:pPr>
+            <a:r>
+              <a:rPr lang="en-GB" sz="1300" dirty="0"/>
+              <a:t>U – Net requires symmetrical images, with size of factors of 2. We performed zero-padding on the data to increase the image size or removed data from the edges to decrease the image size. </a:t>
+            </a:r>
+          </a:p>
+          <a:p>
+            <a:pPr marL="0" indent="0">
+              <a:buNone/>
+            </a:pPr>
+            <a:r>
+              <a:rPr lang="en-GB" sz="1300" b="1" u="sng" dirty="0"/>
+              <a:t>Data augmentation</a:t>
+            </a:r>
+          </a:p>
+          <a:p>
+            <a:pPr marL="0" indent="0">
+              <a:buNone/>
+            </a:pPr>
+            <a:r>
+              <a:rPr lang="en-GB" sz="1300" dirty="0"/>
+              <a:t>Since we had a small amount of data, we leveraged data augmentation in order to decrease the risk of the network overfitting. The augmentations we used were:</a:t>
+            </a:r>
+            <a:endParaRPr lang="en-GB" sz="1300" b="1" u="sng" dirty="0"/>
+          </a:p>
+          <a:p>
+            <a:r>
+              <a:rPr lang="en-GB" sz="1300" dirty="0"/>
+              <a:t>Random rotation by 10 degrees</a:t>
+            </a:r>
+          </a:p>
+          <a:p>
+            <a:r>
+              <a:rPr lang="en-GB" sz="1300" dirty="0"/>
+              <a:t>Random height and width shift with range 0.1</a:t>
+            </a:r>
+          </a:p>
+          <a:p>
+            <a:r>
+              <a:rPr lang="en-GB" sz="1300" dirty="0"/>
+              <a:t>Random horizontal flip (except kidney, since all masks were located to the right)</a:t>
+            </a:r>
+          </a:p>
+          <a:p>
+            <a:pPr marL="0" indent="0">
+              <a:buNone/>
+            </a:pPr>
+            <a:r>
+              <a:rPr lang="en-GB" sz="1300" b="1" u="sng" dirty="0"/>
+              <a:t>Windowing</a:t>
+            </a:r>
+          </a:p>
+          <a:p>
+            <a:pPr marL="0" indent="0">
+              <a:buNone/>
+            </a:pPr>
+            <a:r>
+              <a:rPr lang="en-GB" sz="1300" dirty="0"/>
+              <a:t>For the kidney dataset we found intensity windowing to be essential for good performance. Intensity windowing could only be applied to kidney since they were the only CT images. </a:t>
+            </a:r>
           </a:p>
         </p:txBody>
       </p:sp>
     </p:spTree>
     <p:extLst>
       <p:ext uri="{BB962C8B-B14F-4D97-AF65-F5344CB8AC3E}">
-        <p14:creationId xmlns:p14="http://schemas.microsoft.com/office/powerpoint/2010/main" val="798042257"/>
+        <p14:creationId xmlns:p14="http://schemas.microsoft.com/office/powerpoint/2010/main" val="1781551981"/>
       </p:ext>
     </p:extLst>
   </p:cSld>
@@ -13593,8 +17183,8 @@
           <a:lstStyle/>
           <a:p>
             <a:r>
-              <a:rPr lang="sv-SE" dirty="0" err="1"/>
-              <a:t>Evaluation</a:t>
+              <a:rPr lang="sv-SE" dirty="0"/>
+              <a:t>The different architectures</a:t>
             </a:r>
             <a:endParaRPr lang="en-GB" dirty="0"/>
           </a:p>
@@ -13624,7 +17214,7 @@
             <a:fld id="{BAD82F0C-0E2A-5546-8972-AA94798A63F5}" type="datetime1">
               <a:rPr lang="sv-SE" smtClean="0"/>
               <a:pPr/>
-              <a:t>2020-10-13</a:t>
+              <a:t>2020-10-30</a:t>
             </a:fld>
             <a:endParaRPr lang="en-GB" dirty="0"/>
           </a:p>
@@ -13679,64 +17269,136 @@
         <p:spPr>
           <a:xfrm>
             <a:off x="1061999" y="1071756"/>
-            <a:ext cx="3893459" cy="3781438"/>
+            <a:ext cx="7215226" cy="3781438"/>
           </a:xfrm>
         </p:spPr>
         <p:txBody>
           <a:bodyPr/>
           <a:lstStyle/>
           <a:p>
-            <a:endParaRPr lang="en-GB" dirty="0"/>
+            <a:pPr marL="0" indent="0">
+              <a:buNone/>
+            </a:pPr>
+            <a:r>
+              <a:rPr lang="en-GB" dirty="0"/>
+              <a:t>The </a:t>
+            </a:r>
+            <a:r>
+              <a:rPr lang="en-GB" b="1" dirty="0"/>
+              <a:t>core of our architecture </a:t>
+            </a:r>
+            <a:r>
+              <a:rPr lang="en-GB" dirty="0"/>
+              <a:t>is that we are using an </a:t>
+            </a:r>
+            <a:r>
+              <a:rPr lang="en-GB" b="1" dirty="0"/>
+              <a:t>ensemble of networks</a:t>
+            </a:r>
+            <a:r>
+              <a:rPr lang="en-GB" dirty="0"/>
+              <a:t> to create the continuous prediction masks by means of averaging the prediction of each individual network</a:t>
+            </a:r>
+          </a:p>
+          <a:p>
+            <a:pPr marL="0" indent="0">
+              <a:buNone/>
+            </a:pPr>
+            <a:r>
+              <a:rPr lang="en-GB" b="1" u="sng" dirty="0"/>
+              <a:t>Architecture of the networks within the ensemble</a:t>
+            </a:r>
+          </a:p>
+          <a:p>
+            <a:r>
+              <a:rPr lang="en-GB" dirty="0"/>
+              <a:t>We used U-Net as a starting point</a:t>
+            </a:r>
+          </a:p>
+          <a:p>
+            <a:r>
+              <a:rPr lang="en-GB" dirty="0"/>
+              <a:t>Deep U - Net</a:t>
+            </a:r>
+          </a:p>
+          <a:p>
+            <a:r>
+              <a:rPr lang="en-GB" dirty="0"/>
+              <a:t>Dropout / Spatial Dropout</a:t>
+            </a:r>
+          </a:p>
+          <a:p>
+            <a:r>
+              <a:rPr lang="en-GB" dirty="0"/>
+              <a:t>LSTM</a:t>
+            </a:r>
           </a:p>
         </p:txBody>
       </p:sp>
-      <p:sp>
-        <p:nvSpPr>
-          <p:cNvPr id="5" name="Platshållare för innehåll 4">
+      <p:pic>
+        <p:nvPicPr>
+          <p:cNvPr id="1026" name="Picture 2">
             <a:extLst>
               <a:ext uri="{FF2B5EF4-FFF2-40B4-BE49-F238E27FC236}">
-                <a16:creationId xmlns:a16="http://schemas.microsoft.com/office/drawing/2014/main" id="{C983ADBF-605D-4773-8F44-320C06123F83}"/>
+                <a16:creationId xmlns:a16="http://schemas.microsoft.com/office/drawing/2014/main" id="{8605E56F-0D56-4F6F-9C2A-5654ED01279A}"/>
               </a:ext>
             </a:extLst>
           </p:cNvPr>
-          <p:cNvSpPr>
-            <a:spLocks noGrp="1"/>
-          </p:cNvSpPr>
-          <p:nvPr>
-            <p:ph sz="quarter" idx="14"/>
-          </p:nvPr>
-        </p:nvSpPr>
-        <p:spPr>
+          <p:cNvPicPr>
+            <a:picLocks noChangeAspect="1" noChangeArrowheads="1"/>
+          </p:cNvPicPr>
+          <p:nvPr/>
+        </p:nvPicPr>
+        <p:blipFill>
+          <a:blip r:embed="rId3" cstate="screen">
+            <a:extLst>
+              <a:ext uri="{28A0092B-C50C-407E-A947-70E740481C1C}">
+                <a14:useLocalDpi xmlns:a14="http://schemas.microsoft.com/office/drawing/2010/main" val="0"/>
+              </a:ext>
+            </a:extLst>
+          </a:blip>
+          <a:srcRect/>
+          <a:stretch>
+            <a:fillRect/>
+          </a:stretch>
+        </p:blipFill>
+        <p:spPr bwMode="auto">
           <a:xfrm>
-            <a:off x="5122104" y="1074626"/>
-            <a:ext cx="3427341" cy="3781438"/>
+            <a:off x="4742381" y="2235201"/>
+            <a:ext cx="3339620" cy="2225040"/>
           </a:xfrm>
+          <a:prstGeom prst="rect">
+            <a:avLst/>
+          </a:prstGeom>
+          <a:noFill/>
+          <a:extLst>
+            <a:ext uri="{909E8E84-426E-40DD-AFC4-6F175D3DCCD1}">
+              <a14:hiddenFill xmlns:a14="http://schemas.microsoft.com/office/drawing/2010/main">
+                <a:solidFill>
+                  <a:srgbClr val="FFFFFF"/>
+                </a:solidFill>
+              </a14:hiddenFill>
+            </a:ext>
+          </a:extLst>
         </p:spPr>
-        <p:txBody>
-          <a:bodyPr/>
-          <a:lstStyle/>
-          <a:p>
-            <a:endParaRPr lang="sv-SE" dirty="0"/>
-          </a:p>
-        </p:txBody>
-      </p:sp>
+      </p:pic>
     </p:spTree>
     <p:extLst>
       <p:ext uri="{BB962C8B-B14F-4D97-AF65-F5344CB8AC3E}">
-        <p14:creationId xmlns:p14="http://schemas.microsoft.com/office/powerpoint/2010/main" val="1821248610"/>
+        <p14:creationId xmlns:p14="http://schemas.microsoft.com/office/powerpoint/2010/main" val="3563084433"/>
       </p:ext>
     </p:extLst>
   </p:cSld>
   <p:clrMapOvr>
     <a:masterClrMapping/>
   </p:clrMapOvr>
-  <mc:AlternateContent xmlns:mc="http://schemas.openxmlformats.org/markup-compatibility/2006" xmlns:p14="http://schemas.microsoft.com/office/powerpoint/2010/main">
-    <mc:Choice Requires="p14">
+  <mc:AlternateContent xmlns:mc="http://schemas.openxmlformats.org/markup-compatibility/2006">
+    <mc:Choice xmlns:p14="http://schemas.microsoft.com/office/powerpoint/2010/main" Requires="p14">
       <p:transition spd="med" p14:dur="700">
         <p:fade/>
       </p:transition>
     </mc:Choice>
-    <mc:Fallback xmlns="">
+    <mc:Fallback>
       <p:transition spd="med">
         <p:fade/>
       </p:transition>
